--- a/sse/pgp/pgp-presentation1.pptx
+++ b/sse/pgp/pgp-presentation1.pptx
@@ -1,21 +1,21 @@
 
 <file path=ppt/presentation.xml><?xml version="1.0" encoding="utf-8"?>
-<p:presentation xmlns:a="http://schemas.openxmlformats.org/drawingml/2006/main" xmlns:r="http://schemas.openxmlformats.org/officeDocument/2006/relationships" xmlns:p="http://schemas.openxmlformats.org/presentationml/2006/main">
+<p:presentation xmlns:a="http://schemas.openxmlformats.org/drawingml/2006/main" xmlns:r="http://schemas.openxmlformats.org/officeDocument/2006/relationships" xmlns:p="http://schemas.openxmlformats.org/presentationml/2006/main" saveSubsetFonts="1">
   <p:sldMasterIdLst>
-    <p:sldMasterId id="2147483648" r:id="rId5"/>
+    <p:sldMasterId id="2147483648" r:id="rId1"/>
   </p:sldMasterIdLst>
   <p:notesMasterIdLst>
-    <p:notesMasterId r:id="rId7"/>
+    <p:notesMasterId r:id="rId10"/>
   </p:notesMasterIdLst>
   <p:sldIdLst>
-    <p:sldId id="256" r:id="rId8"/>
-    <p:sldId id="257" r:id="rId9"/>
-    <p:sldId id="258" r:id="rId10"/>
-    <p:sldId id="259" r:id="rId11"/>
-    <p:sldId id="260" r:id="rId12"/>
-    <p:sldId id="261" r:id="rId13"/>
-    <p:sldId id="262" r:id="rId14"/>
-    <p:sldId id="263" r:id="rId15"/>
+    <p:sldId id="256" r:id="rId2"/>
+    <p:sldId id="257" r:id="rId3"/>
+    <p:sldId id="258" r:id="rId4"/>
+    <p:sldId id="259" r:id="rId5"/>
+    <p:sldId id="260" r:id="rId6"/>
+    <p:sldId id="261" r:id="rId7"/>
+    <p:sldId id="262" r:id="rId8"/>
+    <p:sldId id="263" r:id="rId9"/>
   </p:sldIdLst>
   <p:sldSz cx="13004800" cy="9753600"/>
   <p:notesSz cx="6858000" cy="9144000"/>
@@ -96,13 +96,14 @@
 </p:presentation>
 </file>
 
-<file path=ppt/commentAuthors.xml><?xml version="1.0" encoding="utf-8"?>
-<p:cmAuthorLst xmlns:a="http://schemas.openxmlformats.org/drawingml/2006/main" xmlns:r="http://schemas.openxmlformats.org/officeDocument/2006/relationships" xmlns:p="http://schemas.openxmlformats.org/presentationml/2006/main"/>
-</file>
-
 <file path=ppt/notesMasters/notesMaster1.xml><?xml version="1.0" encoding="utf-8"?>
 <p:notesMaster xmlns:a="http://schemas.openxmlformats.org/drawingml/2006/main" xmlns:r="http://schemas.openxmlformats.org/officeDocument/2006/relationships" xmlns:p="http://schemas.openxmlformats.org/presentationml/2006/main">
   <p:cSld>
+    <p:bg>
+      <p:bgRef idx="1001">
+        <a:schemeClr val="bg1"/>
+      </p:bgRef>
+    </p:bg>
     <p:spTree>
       <p:nvGrpSpPr>
         <p:cNvPr id="1" name=""/>
@@ -120,7 +121,9 @@
       <p:sp>
         <p:nvSpPr>
           <p:cNvPr id="29" name="Shape 29"/>
-          <p:cNvSpPr/>
+          <p:cNvSpPr>
+            <a:spLocks noGrp="1" noRot="1" noChangeAspect="1"/>
+          </p:cNvSpPr>
           <p:nvPr>
             <p:ph type="sldImg"/>
           </p:nvPr>
@@ -139,13 +142,16 @@
           <a:lstStyle/>
           <a:p>
             <a:pPr lvl="0"/>
+            <a:endParaRPr/>
           </a:p>
         </p:txBody>
       </p:sp>
       <p:sp>
         <p:nvSpPr>
           <p:cNvPr id="30" name="Shape 30"/>
-          <p:cNvSpPr/>
+          <p:cNvSpPr>
+            <a:spLocks noGrp="1"/>
+          </p:cNvSpPr>
           <p:nvPr>
             <p:ph type="body" sz="quarter" idx="1"/>
           </p:nvPr>
@@ -164,10 +170,16 @@
           <a:lstStyle/>
           <a:p>
             <a:pPr lvl="0"/>
+            <a:endParaRPr/>
           </a:p>
         </p:txBody>
       </p:sp>
     </p:spTree>
+    <p:extLst>
+      <p:ext uri="{BB962C8B-B14F-4D97-AF65-F5344CB8AC3E}">
+        <p14:creationId xmlns:p14="http://schemas.microsoft.com/office/powerpoint/2010/main" val="1614860949"/>
+      </p:ext>
+    </p:extLst>
   </p:cSld>
   <p:clrMap bg1="lt1" tx1="dk1" bg2="lt2" tx2="dk2" accent1="accent1" accent2="accent2" accent3="accent3" accent4="accent4" accent5="accent5" accent6="accent6" hlink="hlink" folHlink="folHlink"/>
   <p:notesStyle>
@@ -275,7 +287,7 @@
 </file>
 
 <file path=ppt/slideLayouts/slideLayout1.xml><?xml version="1.0" encoding="utf-8"?>
-<p:sldLayout xmlns:a="http://schemas.openxmlformats.org/drawingml/2006/main" xmlns:r="http://schemas.openxmlformats.org/officeDocument/2006/relationships" xmlns:p="http://schemas.openxmlformats.org/presentationml/2006/main" type="tx" showMasterSp="1" showMasterPhAnim="1">
+<p:sldLayout xmlns:a="http://schemas.openxmlformats.org/drawingml/2006/main" xmlns:r="http://schemas.openxmlformats.org/officeDocument/2006/relationships" xmlns:p="http://schemas.openxmlformats.org/presentationml/2006/main" type="tx">
   <p:cSld name="Title &amp; Subtitle">
     <p:spTree>
       <p:nvGrpSpPr>
@@ -294,7 +306,9 @@
       <p:sp>
         <p:nvSpPr>
           <p:cNvPr id="5" name="Shape 5"/>
-          <p:cNvSpPr/>
+          <p:cNvSpPr>
+            <a:spLocks noGrp="1"/>
+          </p:cNvSpPr>
           <p:nvPr>
             <p:ph type="title"/>
           </p:nvPr>
@@ -325,7 +339,9 @@
       <p:sp>
         <p:nvSpPr>
           <p:cNvPr id="6" name="Shape 6"/>
-          <p:cNvSpPr/>
+          <p:cNvSpPr>
+            <a:spLocks noGrp="1"/>
+          </p:cNvSpPr>
           <p:nvPr>
             <p:ph type="body" idx="1"/>
           </p:nvPr>
@@ -391,7 +407,6 @@
               <a:rPr sz="3200"/>
               <a:t>Body Level One</a:t>
             </a:r>
-            <a:endParaRPr sz="3200"/>
           </a:p>
           <a:p>
             <a:pPr lvl="1">
@@ -401,7 +416,6 @@
               <a:rPr sz="3200"/>
               <a:t>Body Level Two</a:t>
             </a:r>
-            <a:endParaRPr sz="3200"/>
           </a:p>
           <a:p>
             <a:pPr lvl="2">
@@ -411,7 +425,6 @@
               <a:rPr sz="3200"/>
               <a:t>Body Level Three</a:t>
             </a:r>
-            <a:endParaRPr sz="3200"/>
           </a:p>
           <a:p>
             <a:pPr lvl="3">
@@ -421,7 +434,6 @@
               <a:rPr sz="3200"/>
               <a:t>Body Level Four</a:t>
             </a:r>
-            <a:endParaRPr sz="3200"/>
           </a:p>
           <a:p>
             <a:pPr lvl="4">
@@ -439,12 +451,12 @@
   <p:clrMapOvr>
     <a:masterClrMapping/>
   </p:clrMapOvr>
-  <p:transition spd="med" advClick="1"/>
+  <p:transition spd="med"/>
 </p:sldLayout>
 </file>
 
 <file path=ppt/slideLayouts/slideLayout10.xml><?xml version="1.0" encoding="utf-8"?>
-<p:sldLayout xmlns:a="http://schemas.openxmlformats.org/drawingml/2006/main" xmlns:r="http://schemas.openxmlformats.org/officeDocument/2006/relationships" xmlns:p="http://schemas.openxmlformats.org/presentationml/2006/main" type="tx" showMasterSp="1" showMasterPhAnim="1">
+<p:sldLayout xmlns:a="http://schemas.openxmlformats.org/drawingml/2006/main" xmlns:r="http://schemas.openxmlformats.org/officeDocument/2006/relationships" xmlns:p="http://schemas.openxmlformats.org/presentationml/2006/main" type="tx">
   <p:cSld name="Quote">
     <p:spTree>
       <p:nvGrpSpPr>
@@ -465,12 +477,12 @@
   <p:clrMapOvr>
     <a:masterClrMapping/>
   </p:clrMapOvr>
-  <p:transition spd="med" advClick="1"/>
+  <p:transition spd="med"/>
 </p:sldLayout>
 </file>
 
 <file path=ppt/slideLayouts/slideLayout11.xml><?xml version="1.0" encoding="utf-8"?>
-<p:sldLayout xmlns:a="http://schemas.openxmlformats.org/drawingml/2006/main" xmlns:r="http://schemas.openxmlformats.org/officeDocument/2006/relationships" xmlns:p="http://schemas.openxmlformats.org/presentationml/2006/main" type="tx" showMasterSp="1" showMasterPhAnim="1">
+<p:sldLayout xmlns:a="http://schemas.openxmlformats.org/drawingml/2006/main" xmlns:r="http://schemas.openxmlformats.org/officeDocument/2006/relationships" xmlns:p="http://schemas.openxmlformats.org/presentationml/2006/main" type="tx">
   <p:cSld name="Photo">
     <p:spTree>
       <p:nvGrpSpPr>
@@ -491,12 +503,12 @@
   <p:clrMapOvr>
     <a:masterClrMapping/>
   </p:clrMapOvr>
-  <p:transition spd="med" advClick="1"/>
+  <p:transition spd="med"/>
 </p:sldLayout>
 </file>
 
 <file path=ppt/slideLayouts/slideLayout12.xml><?xml version="1.0" encoding="utf-8"?>
-<p:sldLayout xmlns:a="http://schemas.openxmlformats.org/drawingml/2006/main" xmlns:r="http://schemas.openxmlformats.org/officeDocument/2006/relationships" xmlns:p="http://schemas.openxmlformats.org/presentationml/2006/main" type="tx" showMasterSp="1" showMasterPhAnim="1">
+<p:sldLayout xmlns:a="http://schemas.openxmlformats.org/drawingml/2006/main" xmlns:r="http://schemas.openxmlformats.org/officeDocument/2006/relationships" xmlns:p="http://schemas.openxmlformats.org/presentationml/2006/main" type="tx">
   <p:cSld name="Blank">
     <p:spTree>
       <p:nvGrpSpPr>
@@ -517,12 +529,12 @@
   <p:clrMapOvr>
     <a:masterClrMapping/>
   </p:clrMapOvr>
-  <p:transition spd="med" advClick="1"/>
+  <p:transition spd="med"/>
 </p:sldLayout>
 </file>
 
 <file path=ppt/slideLayouts/slideLayout2.xml><?xml version="1.0" encoding="utf-8"?>
-<p:sldLayout xmlns:a="http://schemas.openxmlformats.org/drawingml/2006/main" xmlns:r="http://schemas.openxmlformats.org/officeDocument/2006/relationships" xmlns:p="http://schemas.openxmlformats.org/presentationml/2006/main" type="tx" showMasterSp="1" showMasterPhAnim="1">
+<p:sldLayout xmlns:a="http://schemas.openxmlformats.org/drawingml/2006/main" xmlns:r="http://schemas.openxmlformats.org/officeDocument/2006/relationships" xmlns:p="http://schemas.openxmlformats.org/presentationml/2006/main" type="tx">
   <p:cSld name="Photo - Horizontal">
     <p:spTree>
       <p:nvGrpSpPr>
@@ -541,7 +553,9 @@
       <p:sp>
         <p:nvSpPr>
           <p:cNvPr id="8" name="Shape 8"/>
-          <p:cNvSpPr/>
+          <p:cNvSpPr>
+            <a:spLocks noGrp="1"/>
+          </p:cNvSpPr>
           <p:nvPr>
             <p:ph type="title"/>
           </p:nvPr>
@@ -572,7 +586,9 @@
       <p:sp>
         <p:nvSpPr>
           <p:cNvPr id="9" name="Shape 9"/>
-          <p:cNvSpPr/>
+          <p:cNvSpPr>
+            <a:spLocks noGrp="1"/>
+          </p:cNvSpPr>
           <p:nvPr>
             <p:ph type="body" idx="1"/>
           </p:nvPr>
@@ -638,7 +654,6 @@
               <a:rPr sz="3200"/>
               <a:t>Body Level One</a:t>
             </a:r>
-            <a:endParaRPr sz="3200"/>
           </a:p>
           <a:p>
             <a:pPr lvl="1">
@@ -648,7 +663,6 @@
               <a:rPr sz="3200"/>
               <a:t>Body Level Two</a:t>
             </a:r>
-            <a:endParaRPr sz="3200"/>
           </a:p>
           <a:p>
             <a:pPr lvl="2">
@@ -658,7 +672,6 @@
               <a:rPr sz="3200"/>
               <a:t>Body Level Three</a:t>
             </a:r>
-            <a:endParaRPr sz="3200"/>
           </a:p>
           <a:p>
             <a:pPr lvl="3">
@@ -668,7 +681,6 @@
               <a:rPr sz="3200"/>
               <a:t>Body Level Four</a:t>
             </a:r>
-            <a:endParaRPr sz="3200"/>
           </a:p>
           <a:p>
             <a:pPr lvl="4">
@@ -686,12 +698,12 @@
   <p:clrMapOvr>
     <a:masterClrMapping/>
   </p:clrMapOvr>
-  <p:transition spd="med" advClick="1"/>
+  <p:transition spd="med"/>
 </p:sldLayout>
 </file>
 
 <file path=ppt/slideLayouts/slideLayout3.xml><?xml version="1.0" encoding="utf-8"?>
-<p:sldLayout xmlns:a="http://schemas.openxmlformats.org/drawingml/2006/main" xmlns:r="http://schemas.openxmlformats.org/officeDocument/2006/relationships" xmlns:p="http://schemas.openxmlformats.org/presentationml/2006/main" type="tx" showMasterSp="1" showMasterPhAnim="1">
+<p:sldLayout xmlns:a="http://schemas.openxmlformats.org/drawingml/2006/main" xmlns:r="http://schemas.openxmlformats.org/officeDocument/2006/relationships" xmlns:p="http://schemas.openxmlformats.org/presentationml/2006/main" type="tx">
   <p:cSld name="Title - Center">
     <p:spTree>
       <p:nvGrpSpPr>
@@ -710,7 +722,9 @@
       <p:sp>
         <p:nvSpPr>
           <p:cNvPr id="11" name="Shape 11"/>
-          <p:cNvSpPr/>
+          <p:cNvSpPr>
+            <a:spLocks noGrp="1"/>
+          </p:cNvSpPr>
           <p:nvPr>
             <p:ph type="title"/>
           </p:nvPr>
@@ -743,12 +757,12 @@
   <p:clrMapOvr>
     <a:masterClrMapping/>
   </p:clrMapOvr>
-  <p:transition spd="med" advClick="1"/>
+  <p:transition spd="med"/>
 </p:sldLayout>
 </file>
 
 <file path=ppt/slideLayouts/slideLayout4.xml><?xml version="1.0" encoding="utf-8"?>
-<p:sldLayout xmlns:a="http://schemas.openxmlformats.org/drawingml/2006/main" xmlns:r="http://schemas.openxmlformats.org/officeDocument/2006/relationships" xmlns:p="http://schemas.openxmlformats.org/presentationml/2006/main" type="tx" showMasterSp="1" showMasterPhAnim="1">
+<p:sldLayout xmlns:a="http://schemas.openxmlformats.org/drawingml/2006/main" xmlns:r="http://schemas.openxmlformats.org/officeDocument/2006/relationships" xmlns:p="http://schemas.openxmlformats.org/presentationml/2006/main" type="tx">
   <p:cSld name="Photo - Vertical">
     <p:spTree>
       <p:nvGrpSpPr>
@@ -767,7 +781,9 @@
       <p:sp>
         <p:nvSpPr>
           <p:cNvPr id="13" name="Shape 13"/>
-          <p:cNvSpPr/>
+          <p:cNvSpPr>
+            <a:spLocks noGrp="1"/>
+          </p:cNvSpPr>
           <p:nvPr>
             <p:ph type="title"/>
           </p:nvPr>
@@ -802,7 +818,9 @@
       <p:sp>
         <p:nvSpPr>
           <p:cNvPr id="14" name="Shape 14"/>
-          <p:cNvSpPr/>
+          <p:cNvSpPr>
+            <a:spLocks noGrp="1"/>
+          </p:cNvSpPr>
           <p:nvPr>
             <p:ph type="body" idx="1"/>
           </p:nvPr>
@@ -868,7 +886,6 @@
               <a:rPr sz="3200"/>
               <a:t>Body Level One</a:t>
             </a:r>
-            <a:endParaRPr sz="3200"/>
           </a:p>
           <a:p>
             <a:pPr lvl="1">
@@ -878,7 +895,6 @@
               <a:rPr sz="3200"/>
               <a:t>Body Level Two</a:t>
             </a:r>
-            <a:endParaRPr sz="3200"/>
           </a:p>
           <a:p>
             <a:pPr lvl="2">
@@ -888,7 +904,6 @@
               <a:rPr sz="3200"/>
               <a:t>Body Level Three</a:t>
             </a:r>
-            <a:endParaRPr sz="3200"/>
           </a:p>
           <a:p>
             <a:pPr lvl="3">
@@ -898,7 +913,6 @@
               <a:rPr sz="3200"/>
               <a:t>Body Level Four</a:t>
             </a:r>
-            <a:endParaRPr sz="3200"/>
           </a:p>
           <a:p>
             <a:pPr lvl="4">
@@ -916,12 +930,12 @@
   <p:clrMapOvr>
     <a:masterClrMapping/>
   </p:clrMapOvr>
-  <p:transition spd="med" advClick="1"/>
+  <p:transition spd="med"/>
 </p:sldLayout>
 </file>
 
 <file path=ppt/slideLayouts/slideLayout5.xml><?xml version="1.0" encoding="utf-8"?>
-<p:sldLayout xmlns:a="http://schemas.openxmlformats.org/drawingml/2006/main" xmlns:r="http://schemas.openxmlformats.org/officeDocument/2006/relationships" xmlns:p="http://schemas.openxmlformats.org/presentationml/2006/main" type="tx" showMasterSp="1" showMasterPhAnim="1">
+<p:sldLayout xmlns:a="http://schemas.openxmlformats.org/drawingml/2006/main" xmlns:r="http://schemas.openxmlformats.org/officeDocument/2006/relationships" xmlns:p="http://schemas.openxmlformats.org/presentationml/2006/main" type="tx">
   <p:cSld name="Title - Top">
     <p:spTree>
       <p:nvGrpSpPr>
@@ -940,7 +954,9 @@
       <p:sp>
         <p:nvSpPr>
           <p:cNvPr id="16" name="Shape 16"/>
-          <p:cNvSpPr/>
+          <p:cNvSpPr>
+            <a:spLocks noGrp="1"/>
+          </p:cNvSpPr>
           <p:nvPr>
             <p:ph type="title"/>
           </p:nvPr>
@@ -969,12 +985,12 @@
   <p:clrMapOvr>
     <a:masterClrMapping/>
   </p:clrMapOvr>
-  <p:transition spd="med" advClick="1"/>
+  <p:transition spd="med"/>
 </p:sldLayout>
 </file>
 
 <file path=ppt/slideLayouts/slideLayout6.xml><?xml version="1.0" encoding="utf-8"?>
-<p:sldLayout xmlns:a="http://schemas.openxmlformats.org/drawingml/2006/main" xmlns:r="http://schemas.openxmlformats.org/officeDocument/2006/relationships" xmlns:p="http://schemas.openxmlformats.org/presentationml/2006/main" type="tx" showMasterSp="1" showMasterPhAnim="1">
+<p:sldLayout xmlns:a="http://schemas.openxmlformats.org/drawingml/2006/main" xmlns:r="http://schemas.openxmlformats.org/officeDocument/2006/relationships" xmlns:p="http://schemas.openxmlformats.org/presentationml/2006/main" type="tx">
   <p:cSld name="Title &amp; Bullets">
     <p:spTree>
       <p:nvGrpSpPr>
@@ -993,7 +1009,9 @@
       <p:sp>
         <p:nvSpPr>
           <p:cNvPr id="18" name="Shape 18"/>
-          <p:cNvSpPr/>
+          <p:cNvSpPr>
+            <a:spLocks noGrp="1"/>
+          </p:cNvSpPr>
           <p:nvPr>
             <p:ph type="title"/>
           </p:nvPr>
@@ -1020,7 +1038,9 @@
       <p:sp>
         <p:nvSpPr>
           <p:cNvPr id="19" name="Shape 19"/>
-          <p:cNvSpPr/>
+          <p:cNvSpPr>
+            <a:spLocks noGrp="1"/>
+          </p:cNvSpPr>
           <p:nvPr>
             <p:ph type="body" idx="1"/>
           </p:nvPr>
@@ -1041,7 +1061,6 @@
               <a:rPr sz="3600"/>
               <a:t>Body Level One</a:t>
             </a:r>
-            <a:endParaRPr sz="3600"/>
           </a:p>
           <a:p>
             <a:pPr lvl="1">
@@ -1051,7 +1070,6 @@
               <a:rPr sz="3600"/>
               <a:t>Body Level Two</a:t>
             </a:r>
-            <a:endParaRPr sz="3600"/>
           </a:p>
           <a:p>
             <a:pPr lvl="2">
@@ -1061,7 +1079,6 @@
               <a:rPr sz="3600"/>
               <a:t>Body Level Three</a:t>
             </a:r>
-            <a:endParaRPr sz="3600"/>
           </a:p>
           <a:p>
             <a:pPr lvl="3">
@@ -1071,7 +1088,6 @@
               <a:rPr sz="3600"/>
               <a:t>Body Level Four</a:t>
             </a:r>
-            <a:endParaRPr sz="3600"/>
           </a:p>
           <a:p>
             <a:pPr lvl="4">
@@ -1089,12 +1105,12 @@
   <p:clrMapOvr>
     <a:masterClrMapping/>
   </p:clrMapOvr>
-  <p:transition spd="med" advClick="1"/>
+  <p:transition spd="med"/>
 </p:sldLayout>
 </file>
 
 <file path=ppt/slideLayouts/slideLayout7.xml><?xml version="1.0" encoding="utf-8"?>
-<p:sldLayout xmlns:a="http://schemas.openxmlformats.org/drawingml/2006/main" xmlns:r="http://schemas.openxmlformats.org/officeDocument/2006/relationships" xmlns:p="http://schemas.openxmlformats.org/presentationml/2006/main" type="tx" showMasterSp="1" showMasterPhAnim="1">
+<p:sldLayout xmlns:a="http://schemas.openxmlformats.org/drawingml/2006/main" xmlns:r="http://schemas.openxmlformats.org/officeDocument/2006/relationships" xmlns:p="http://schemas.openxmlformats.org/presentationml/2006/main" type="tx">
   <p:cSld name="Title, Bullets &amp; Photo">
     <p:spTree>
       <p:nvGrpSpPr>
@@ -1113,7 +1129,9 @@
       <p:sp>
         <p:nvSpPr>
           <p:cNvPr id="21" name="Shape 21"/>
-          <p:cNvSpPr/>
+          <p:cNvSpPr>
+            <a:spLocks noGrp="1"/>
+          </p:cNvSpPr>
           <p:nvPr>
             <p:ph type="title"/>
           </p:nvPr>
@@ -1140,7 +1158,9 @@
       <p:sp>
         <p:nvSpPr>
           <p:cNvPr id="22" name="Shape 22"/>
-          <p:cNvSpPr/>
+          <p:cNvSpPr>
+            <a:spLocks noGrp="1"/>
+          </p:cNvSpPr>
           <p:nvPr>
             <p:ph type="body" idx="1"/>
           </p:nvPr>
@@ -1196,7 +1216,6 @@
               <a:rPr sz="2800"/>
               <a:t>Body Level One</a:t>
             </a:r>
-            <a:endParaRPr sz="2800"/>
           </a:p>
           <a:p>
             <a:pPr lvl="1">
@@ -1206,7 +1225,6 @@
               <a:rPr sz="2800"/>
               <a:t>Body Level Two</a:t>
             </a:r>
-            <a:endParaRPr sz="2800"/>
           </a:p>
           <a:p>
             <a:pPr lvl="2">
@@ -1216,7 +1234,6 @@
               <a:rPr sz="2800"/>
               <a:t>Body Level Three</a:t>
             </a:r>
-            <a:endParaRPr sz="2800"/>
           </a:p>
           <a:p>
             <a:pPr lvl="3">
@@ -1226,7 +1243,6 @@
               <a:rPr sz="2800"/>
               <a:t>Body Level Four</a:t>
             </a:r>
-            <a:endParaRPr sz="2800"/>
           </a:p>
           <a:p>
             <a:pPr lvl="4">
@@ -1244,12 +1260,12 @@
   <p:clrMapOvr>
     <a:masterClrMapping/>
   </p:clrMapOvr>
-  <p:transition spd="med" advClick="1"/>
+  <p:transition spd="med"/>
 </p:sldLayout>
 </file>
 
 <file path=ppt/slideLayouts/slideLayout8.xml><?xml version="1.0" encoding="utf-8"?>
-<p:sldLayout xmlns:a="http://schemas.openxmlformats.org/drawingml/2006/main" xmlns:r="http://schemas.openxmlformats.org/officeDocument/2006/relationships" xmlns:p="http://schemas.openxmlformats.org/presentationml/2006/main" type="tx" showMasterSp="1" showMasterPhAnim="1">
+<p:sldLayout xmlns:a="http://schemas.openxmlformats.org/drawingml/2006/main" xmlns:r="http://schemas.openxmlformats.org/officeDocument/2006/relationships" xmlns:p="http://schemas.openxmlformats.org/presentationml/2006/main" type="tx">
   <p:cSld name="Bullets">
     <p:spTree>
       <p:nvGrpSpPr>
@@ -1268,7 +1284,9 @@
       <p:sp>
         <p:nvSpPr>
           <p:cNvPr id="24" name="Shape 24"/>
-          <p:cNvSpPr/>
+          <p:cNvSpPr>
+            <a:spLocks noGrp="1"/>
+          </p:cNvSpPr>
           <p:nvPr>
             <p:ph type="body" idx="1"/>
           </p:nvPr>
@@ -1293,7 +1311,6 @@
               <a:rPr sz="3600"/>
               <a:t>Body Level One</a:t>
             </a:r>
-            <a:endParaRPr sz="3600"/>
           </a:p>
           <a:p>
             <a:pPr lvl="1">
@@ -1303,7 +1320,6 @@
               <a:rPr sz="3600"/>
               <a:t>Body Level Two</a:t>
             </a:r>
-            <a:endParaRPr sz="3600"/>
           </a:p>
           <a:p>
             <a:pPr lvl="2">
@@ -1313,7 +1329,6 @@
               <a:rPr sz="3600"/>
               <a:t>Body Level Three</a:t>
             </a:r>
-            <a:endParaRPr sz="3600"/>
           </a:p>
           <a:p>
             <a:pPr lvl="3">
@@ -1323,7 +1338,6 @@
               <a:rPr sz="3600"/>
               <a:t>Body Level Four</a:t>
             </a:r>
-            <a:endParaRPr sz="3600"/>
           </a:p>
           <a:p>
             <a:pPr lvl="4">
@@ -1341,12 +1355,12 @@
   <p:clrMapOvr>
     <a:masterClrMapping/>
   </p:clrMapOvr>
-  <p:transition spd="med" advClick="1"/>
+  <p:transition spd="med"/>
 </p:sldLayout>
 </file>
 
 <file path=ppt/slideLayouts/slideLayout9.xml><?xml version="1.0" encoding="utf-8"?>
-<p:sldLayout xmlns:a="http://schemas.openxmlformats.org/drawingml/2006/main" xmlns:r="http://schemas.openxmlformats.org/officeDocument/2006/relationships" xmlns:p="http://schemas.openxmlformats.org/presentationml/2006/main" type="tx" showMasterSp="1" showMasterPhAnim="1">
+<p:sldLayout xmlns:a="http://schemas.openxmlformats.org/drawingml/2006/main" xmlns:r="http://schemas.openxmlformats.org/officeDocument/2006/relationships" xmlns:p="http://schemas.openxmlformats.org/presentationml/2006/main" type="tx">
   <p:cSld name="Photo - 3 Up">
     <p:spTree>
       <p:nvGrpSpPr>
@@ -1367,7 +1381,7 @@
   <p:clrMapOvr>
     <a:masterClrMapping/>
   </p:clrMapOvr>
-  <p:transition spd="med" advClick="1"/>
+  <p:transition spd="med"/>
 </p:sldLayout>
 </file>
 
@@ -1379,6 +1393,7 @@
         <a:solidFill>
           <a:srgbClr val="FFFFFF"/>
         </a:solidFill>
+        <a:effectLst/>
       </p:bgPr>
     </p:bg>
     <p:spTree>
@@ -1398,7 +1413,9 @@
       <p:sp>
         <p:nvSpPr>
           <p:cNvPr id="2" name="Shape 2"/>
-          <p:cNvSpPr/>
+          <p:cNvSpPr>
+            <a:spLocks noGrp="1"/>
+          </p:cNvSpPr>
           <p:nvPr>
             <p:ph type="title"/>
           </p:nvPr>
@@ -1422,7 +1439,7 @@
         </p:spPr>
         <p:txBody>
           <a:bodyPr lIns="0" tIns="0" rIns="0" bIns="0" anchor="ctr">
-            <a:normAutofit fontScale="100000" lnSpcReduction="0"/>
+            <a:normAutofit/>
           </a:bodyPr>
           <a:lstStyle/>
           <a:p>
@@ -1439,7 +1456,9 @@
       <p:sp>
         <p:nvSpPr>
           <p:cNvPr id="3" name="Shape 3"/>
-          <p:cNvSpPr/>
+          <p:cNvSpPr>
+            <a:spLocks noGrp="1"/>
+          </p:cNvSpPr>
           <p:nvPr>
             <p:ph type="body" idx="1"/>
           </p:nvPr>
@@ -1463,7 +1482,7 @@
         </p:spPr>
         <p:txBody>
           <a:bodyPr lIns="0" tIns="0" rIns="0" bIns="0" anchor="ctr">
-            <a:normAutofit fontScale="100000" lnSpcReduction="0"/>
+            <a:normAutofit/>
           </a:bodyPr>
           <a:lstStyle/>
           <a:p>
@@ -1474,7 +1493,6 @@
               <a:rPr sz="3600"/>
               <a:t>Body Level One</a:t>
             </a:r>
-            <a:endParaRPr sz="3600"/>
           </a:p>
           <a:p>
             <a:pPr lvl="1">
@@ -1484,7 +1502,6 @@
               <a:rPr sz="3600"/>
               <a:t>Body Level Two</a:t>
             </a:r>
-            <a:endParaRPr sz="3600"/>
           </a:p>
           <a:p>
             <a:pPr lvl="2">
@@ -1494,7 +1511,6 @@
               <a:rPr sz="3600"/>
               <a:t>Body Level Three</a:t>
             </a:r>
-            <a:endParaRPr sz="3600"/>
           </a:p>
           <a:p>
             <a:pPr lvl="3">
@@ -1504,7 +1520,6 @@
               <a:rPr sz="3600"/>
               <a:t>Body Level Four</a:t>
             </a:r>
-            <a:endParaRPr sz="3600"/>
           </a:p>
           <a:p>
             <a:pPr lvl="4">
@@ -1521,20 +1536,20 @@
   </p:cSld>
   <p:clrMap bg1="lt1" tx1="dk1" bg2="lt2" tx2="dk2" accent1="accent1" accent2="accent2" accent3="accent3" accent4="accent4" accent5="accent5" accent6="accent6" hlink="hlink" folHlink="folHlink"/>
   <p:sldLayoutIdLst>
-    <p:sldLayoutId id="2147483649" r:id="rId2"/>
-    <p:sldLayoutId id="2147483650" r:id="rId3"/>
-    <p:sldLayoutId id="2147483651" r:id="rId4"/>
-    <p:sldLayoutId id="2147483652" r:id="rId5"/>
-    <p:sldLayoutId id="2147483653" r:id="rId6"/>
-    <p:sldLayoutId id="2147483654" r:id="rId7"/>
-    <p:sldLayoutId id="2147483655" r:id="rId8"/>
-    <p:sldLayoutId id="2147483656" r:id="rId9"/>
-    <p:sldLayoutId id="2147483657" r:id="rId10"/>
-    <p:sldLayoutId id="2147483658" r:id="rId11"/>
-    <p:sldLayoutId id="2147483659" r:id="rId12"/>
-    <p:sldLayoutId id="2147483660" r:id="rId13"/>
+    <p:sldLayoutId id="2147483649" r:id="rId1"/>
+    <p:sldLayoutId id="2147483650" r:id="rId2"/>
+    <p:sldLayoutId id="2147483651" r:id="rId3"/>
+    <p:sldLayoutId id="2147483652" r:id="rId4"/>
+    <p:sldLayoutId id="2147483653" r:id="rId5"/>
+    <p:sldLayoutId id="2147483654" r:id="rId6"/>
+    <p:sldLayoutId id="2147483655" r:id="rId7"/>
+    <p:sldLayoutId id="2147483656" r:id="rId8"/>
+    <p:sldLayoutId id="2147483657" r:id="rId9"/>
+    <p:sldLayoutId id="2147483658" r:id="rId10"/>
+    <p:sldLayoutId id="2147483659" r:id="rId11"/>
+    <p:sldLayoutId id="2147483660" r:id="rId12"/>
   </p:sldLayoutIdLst>
-  <p:transition spd="med" advClick="1"/>
+  <p:transition spd="med"/>
   <p:txStyles>
     <p:titleStyle>
       <a:lvl1pPr algn="ctr" defTabSz="584200">
@@ -1835,7 +1850,7 @@
 </file>
 
 <file path=ppt/slides/slide1.xml><?xml version="1.0" encoding="utf-8"?>
-<p:sld xmlns:a="http://schemas.openxmlformats.org/drawingml/2006/main" xmlns:r="http://schemas.openxmlformats.org/officeDocument/2006/relationships" xmlns:p="http://schemas.openxmlformats.org/presentationml/2006/main" showMasterSp="1" showMasterPhAnim="1">
+<p:sld xmlns:a="http://schemas.openxmlformats.org/drawingml/2006/main" xmlns:r="http://schemas.openxmlformats.org/officeDocument/2006/relationships" xmlns:p="http://schemas.openxmlformats.org/presentationml/2006/main">
   <p:cSld>
     <p:spTree>
       <p:nvGrpSpPr>
@@ -1854,7 +1869,9 @@
       <p:sp>
         <p:nvSpPr>
           <p:cNvPr id="32" name="Shape 32"/>
-          <p:cNvSpPr/>
+          <p:cNvSpPr>
+            <a:spLocks noGrp="1"/>
+          </p:cNvSpPr>
           <p:nvPr>
             <p:ph type="title"/>
           </p:nvPr>
@@ -1881,7 +1898,9 @@
       <p:sp>
         <p:nvSpPr>
           <p:cNvPr id="33" name="Shape 33"/>
-          <p:cNvSpPr/>
+          <p:cNvSpPr>
+            <a:spLocks noGrp="1"/>
+          </p:cNvSpPr>
           <p:nvPr>
             <p:ph type="body" idx="1"/>
           </p:nvPr>
@@ -1899,9 +1918,26 @@
               <a:defRPr sz="1800"/>
             </a:pPr>
             <a:r>
-              <a:rPr sz="3200"/>
-              <a:t>Joe Abley – AIS 2015, Tunis</a:t>
-            </a:r>
+              <a:rPr sz="3200" dirty="0"/>
+              <a:t>Joe Abley – AIS </a:t>
+            </a:r>
+            <a:r>
+              <a:rPr sz="3200" dirty="0" smtClean="0"/>
+              <a:t>201</a:t>
+            </a:r>
+            <a:r>
+              <a:rPr lang="en-US" sz="3200" dirty="0" smtClean="0"/>
+              <a:t>6</a:t>
+            </a:r>
+            <a:r>
+              <a:rPr sz="3200" smtClean="0"/>
+              <a:t>, </a:t>
+            </a:r>
+            <a:r>
+              <a:rPr lang="en-US" sz="3200" smtClean="0"/>
+              <a:t>Gaborone</a:t>
+            </a:r>
+            <a:endParaRPr sz="3200" dirty="0"/>
           </a:p>
         </p:txBody>
       </p:sp>
@@ -1910,12 +1946,12 @@
   <p:clrMapOvr>
     <a:masterClrMapping/>
   </p:clrMapOvr>
-  <p:transition spd="med" advClick="1"/>
+  <p:transition spd="med"/>
 </p:sld>
 </file>
 
 <file path=ppt/slides/slide2.xml><?xml version="1.0" encoding="utf-8"?>
-<p:sld xmlns:a="http://schemas.openxmlformats.org/drawingml/2006/main" xmlns:r="http://schemas.openxmlformats.org/officeDocument/2006/relationships" xmlns:p="http://schemas.openxmlformats.org/presentationml/2006/main" showMasterSp="1" showMasterPhAnim="1">
+<p:sld xmlns:a="http://schemas.openxmlformats.org/drawingml/2006/main" xmlns:r="http://schemas.openxmlformats.org/officeDocument/2006/relationships" xmlns:p="http://schemas.openxmlformats.org/presentationml/2006/main">
   <p:cSld>
     <p:spTree>
       <p:nvGrpSpPr>
@@ -1934,7 +1970,9 @@
       <p:sp>
         <p:nvSpPr>
           <p:cNvPr id="35" name="Shape 35"/>
-          <p:cNvSpPr/>
+          <p:cNvSpPr>
+            <a:spLocks noGrp="1"/>
+          </p:cNvSpPr>
           <p:nvPr>
             <p:ph type="title"/>
           </p:nvPr>
@@ -1961,7 +1999,9 @@
       <p:sp>
         <p:nvSpPr>
           <p:cNvPr id="36" name="Shape 36"/>
-          <p:cNvSpPr/>
+          <p:cNvSpPr>
+            <a:spLocks noGrp="1"/>
+          </p:cNvSpPr>
           <p:nvPr>
             <p:ph type="body" idx="1"/>
           </p:nvPr>
@@ -1982,7 +2022,6 @@
               <a:rPr sz="3600"/>
               <a:t>What can we use cryptography for?</a:t>
             </a:r>
-            <a:endParaRPr sz="3600"/>
           </a:p>
           <a:p>
             <a:pPr lvl="1">
@@ -1992,7 +2031,6 @@
               <a:rPr sz="3600"/>
               <a:t>Why would we bother?</a:t>
             </a:r>
-            <a:endParaRPr sz="3600"/>
           </a:p>
           <a:p>
             <a:pPr lvl="1">
@@ -2010,12 +2048,12 @@
   <p:clrMapOvr>
     <a:masterClrMapping/>
   </p:clrMapOvr>
-  <p:transition spd="med" advClick="1"/>
+  <p:transition spd="med"/>
 </p:sld>
 </file>
 
 <file path=ppt/slides/slide3.xml><?xml version="1.0" encoding="utf-8"?>
-<p:sld xmlns:a="http://schemas.openxmlformats.org/drawingml/2006/main" xmlns:r="http://schemas.openxmlformats.org/officeDocument/2006/relationships" xmlns:p="http://schemas.openxmlformats.org/presentationml/2006/main" showMasterSp="1" showMasterPhAnim="1">
+<p:sld xmlns:a="http://schemas.openxmlformats.org/drawingml/2006/main" xmlns:r="http://schemas.openxmlformats.org/officeDocument/2006/relationships" xmlns:p="http://schemas.openxmlformats.org/presentationml/2006/main">
   <p:cSld>
     <p:spTree>
       <p:nvGrpSpPr>
@@ -2034,7 +2072,9 @@
       <p:sp>
         <p:nvSpPr>
           <p:cNvPr id="38" name="Shape 38"/>
-          <p:cNvSpPr/>
+          <p:cNvSpPr>
+            <a:spLocks noGrp="1"/>
+          </p:cNvSpPr>
           <p:nvPr>
             <p:ph type="title"/>
           </p:nvPr>
@@ -2065,7 +2105,9 @@
       <p:sp>
         <p:nvSpPr>
           <p:cNvPr id="39" name="Shape 39"/>
-          <p:cNvSpPr/>
+          <p:cNvSpPr>
+            <a:spLocks noGrp="1"/>
+          </p:cNvSpPr>
           <p:nvPr>
             <p:ph type="body" idx="1"/>
           </p:nvPr>
@@ -2079,7 +2121,7 @@
           <a:bodyPr/>
           <a:lstStyle/>
           <a:p>
-            <a:pPr lvl="1" marL="826769" indent="-413384" defTabSz="543305">
+            <a:pPr marL="826769" lvl="1" indent="-413384" defTabSz="543305">
               <a:spcBef>
                 <a:spcPts val="3900"/>
               </a:spcBef>
@@ -2089,10 +2131,9 @@
               <a:rPr sz="3348"/>
               <a:t>Create a public/private key pair</a:t>
             </a:r>
-            <a:endParaRPr sz="3348"/>
-          </a:p>
-          <a:p>
-            <a:pPr lvl="2" marL="1240155" indent="-413384" defTabSz="543305">
+          </a:p>
+          <a:p>
+            <a:pPr marL="1240155" lvl="2" indent="-413384" defTabSz="543305">
               <a:spcBef>
                 <a:spcPts val="3900"/>
               </a:spcBef>
@@ -2102,10 +2143,9 @@
               <a:rPr sz="3348"/>
               <a:t>keep the private key private</a:t>
             </a:r>
-            <a:endParaRPr sz="3348"/>
-          </a:p>
-          <a:p>
-            <a:pPr lvl="2" marL="1240155" indent="-413384" defTabSz="543305">
+          </a:p>
+          <a:p>
+            <a:pPr marL="1240155" lvl="2" indent="-413384" defTabSz="543305">
               <a:spcBef>
                 <a:spcPts val="3900"/>
               </a:spcBef>
@@ -2115,10 +2155,9 @@
               <a:rPr sz="3348"/>
               <a:t>make the public key public</a:t>
             </a:r>
-            <a:endParaRPr sz="3348"/>
-          </a:p>
-          <a:p>
-            <a:pPr lvl="1" marL="826769" indent="-413384" defTabSz="543305">
+          </a:p>
+          <a:p>
+            <a:pPr marL="826769" lvl="1" indent="-413384" defTabSz="543305">
               <a:spcBef>
                 <a:spcPts val="3900"/>
               </a:spcBef>
@@ -2129,7 +2168,7 @@
               <a:t>Use someone else's public key to </a:t>
             </a:r>
             <a:r>
-              <a:rPr b="1" sz="3348">
+              <a:rPr sz="3348" b="1">
                 <a:latin typeface="Helvetica"/>
                 <a:ea typeface="Helvetica"/>
                 <a:cs typeface="Helvetica"/>
@@ -2141,10 +2180,9 @@
               <a:rPr sz="3348"/>
               <a:t> data such that only they can decrypt it, using their private key</a:t>
             </a:r>
-            <a:endParaRPr sz="3348"/>
-          </a:p>
-          <a:p>
-            <a:pPr lvl="1" marL="826769" indent="-413384" defTabSz="543305">
+          </a:p>
+          <a:p>
+            <a:pPr marL="826769" lvl="1" indent="-413384" defTabSz="543305">
               <a:spcBef>
                 <a:spcPts val="3900"/>
               </a:spcBef>
@@ -2155,7 +2193,7 @@
               <a:t>Use your own private key to </a:t>
             </a:r>
             <a:r>
-              <a:rPr b="1" sz="3348">
+              <a:rPr sz="3348" b="1">
                 <a:latin typeface="Helvetica"/>
                 <a:ea typeface="Helvetica"/>
                 <a:cs typeface="Helvetica"/>
@@ -2175,12 +2213,12 @@
   <p:clrMapOvr>
     <a:masterClrMapping/>
   </p:clrMapOvr>
-  <p:transition spd="med" advClick="1"/>
+  <p:transition spd="med"/>
 </p:sld>
 </file>
 
 <file path=ppt/slides/slide4.xml><?xml version="1.0" encoding="utf-8"?>
-<p:sld xmlns:a="http://schemas.openxmlformats.org/drawingml/2006/main" xmlns:r="http://schemas.openxmlformats.org/officeDocument/2006/relationships" xmlns:p="http://schemas.openxmlformats.org/presentationml/2006/main" showMasterSp="1" showMasterPhAnim="1">
+<p:sld xmlns:a="http://schemas.openxmlformats.org/drawingml/2006/main" xmlns:r="http://schemas.openxmlformats.org/officeDocument/2006/relationships" xmlns:p="http://schemas.openxmlformats.org/presentationml/2006/main">
   <p:cSld>
     <p:spTree>
       <p:nvGrpSpPr>
@@ -2199,7 +2237,9 @@
       <p:sp>
         <p:nvSpPr>
           <p:cNvPr id="41" name="Shape 41"/>
-          <p:cNvSpPr/>
+          <p:cNvSpPr>
+            <a:spLocks noGrp="1"/>
+          </p:cNvSpPr>
           <p:nvPr>
             <p:ph type="title"/>
           </p:nvPr>
@@ -2226,7 +2266,9 @@
       <p:sp>
         <p:nvSpPr>
           <p:cNvPr id="42" name="Shape 42"/>
-          <p:cNvSpPr/>
+          <p:cNvSpPr>
+            <a:spLocks noGrp="1"/>
+          </p:cNvSpPr>
           <p:nvPr>
             <p:ph type="body" idx="1"/>
           </p:nvPr>
@@ -2247,7 +2289,6 @@
               <a:rPr sz="3600"/>
               <a:t>If you want to use someone's public key (for what?) it's important to trust that the copy you have is accurate</a:t>
             </a:r>
-            <a:endParaRPr sz="3600"/>
           </a:p>
           <a:p>
             <a:pPr lvl="2">
@@ -2265,12 +2306,12 @@
   <p:clrMapOvr>
     <a:masterClrMapping/>
   </p:clrMapOvr>
-  <p:transition spd="med" advClick="1"/>
+  <p:transition spd="med"/>
 </p:sld>
 </file>
 
 <file path=ppt/slides/slide5.xml><?xml version="1.0" encoding="utf-8"?>
-<p:sld xmlns:a="http://schemas.openxmlformats.org/drawingml/2006/main" xmlns:r="http://schemas.openxmlformats.org/officeDocument/2006/relationships" xmlns:p="http://schemas.openxmlformats.org/presentationml/2006/main" showMasterSp="1" showMasterPhAnim="1">
+<p:sld xmlns:a="http://schemas.openxmlformats.org/drawingml/2006/main" xmlns:r="http://schemas.openxmlformats.org/officeDocument/2006/relationships" xmlns:p="http://schemas.openxmlformats.org/presentationml/2006/main">
   <p:cSld>
     <p:spTree>
       <p:nvGrpSpPr>
@@ -2289,7 +2330,9 @@
       <p:sp>
         <p:nvSpPr>
           <p:cNvPr id="44" name="Shape 44"/>
-          <p:cNvSpPr/>
+          <p:cNvSpPr>
+            <a:spLocks noGrp="1"/>
+          </p:cNvSpPr>
           <p:nvPr>
             <p:ph type="title"/>
           </p:nvPr>
@@ -2320,7 +2363,9 @@
       <p:sp>
         <p:nvSpPr>
           <p:cNvPr id="45" name="Shape 45"/>
-          <p:cNvSpPr/>
+          <p:cNvSpPr>
+            <a:spLocks noGrp="1"/>
+          </p:cNvSpPr>
           <p:nvPr>
             <p:ph type="body" idx="1"/>
           </p:nvPr>
@@ -2341,7 +2386,6 @@
               <a:rPr sz="3600"/>
               <a:t>How much trouble should you go to?</a:t>
             </a:r>
-            <a:endParaRPr sz="3600"/>
           </a:p>
           <a:p>
             <a:pPr lvl="1">
@@ -2351,7 +2395,6 @@
               <a:rPr sz="3600"/>
               <a:t>How private is private?</a:t>
             </a:r>
-            <a:endParaRPr sz="3600"/>
           </a:p>
           <a:p>
             <a:pPr lvl="2">
@@ -2369,12 +2412,12 @@
   <p:clrMapOvr>
     <a:masterClrMapping/>
   </p:clrMapOvr>
-  <p:transition spd="med" advClick="1"/>
+  <p:transition spd="med"/>
 </p:sld>
 </file>
 
 <file path=ppt/slides/slide6.xml><?xml version="1.0" encoding="utf-8"?>
-<p:sld xmlns:a="http://schemas.openxmlformats.org/drawingml/2006/main" xmlns:r="http://schemas.openxmlformats.org/officeDocument/2006/relationships" xmlns:p="http://schemas.openxmlformats.org/presentationml/2006/main" showMasterSp="1" showMasterPhAnim="1">
+<p:sld xmlns:a="http://schemas.openxmlformats.org/drawingml/2006/main" xmlns:r="http://schemas.openxmlformats.org/officeDocument/2006/relationships" xmlns:p="http://schemas.openxmlformats.org/presentationml/2006/main">
   <p:cSld>
     <p:spTree>
       <p:nvGrpSpPr>
@@ -2393,7 +2436,9 @@
       <p:sp>
         <p:nvSpPr>
           <p:cNvPr id="47" name="Shape 47"/>
-          <p:cNvSpPr/>
+          <p:cNvSpPr>
+            <a:spLocks noGrp="1"/>
+          </p:cNvSpPr>
           <p:nvPr>
             <p:ph type="title"/>
           </p:nvPr>
@@ -2420,7 +2465,9 @@
       <p:sp>
         <p:nvSpPr>
           <p:cNvPr id="48" name="Shape 48"/>
-          <p:cNvSpPr/>
+          <p:cNvSpPr>
+            <a:spLocks noGrp="1"/>
+          </p:cNvSpPr>
           <p:nvPr>
             <p:ph type="body" idx="1"/>
           </p:nvPr>
@@ -2434,7 +2481,7 @@
           <a:bodyPr/>
           <a:lstStyle/>
           <a:p>
-            <a:pPr lvl="1" marL="764540" indent="-382270" defTabSz="502412">
+            <a:pPr marL="764540" lvl="1" indent="-382270" defTabSz="502412">
               <a:spcBef>
                 <a:spcPts val="3600"/>
               </a:spcBef>
@@ -2444,10 +2491,9 @@
               <a:rPr sz="3096"/>
               <a:t>PGP at the command line is a bit ugly</a:t>
             </a:r>
-            <a:endParaRPr sz="3096"/>
-          </a:p>
-          <a:p>
-            <a:pPr lvl="1" marL="764540" indent="-382270" defTabSz="502412">
+          </a:p>
+          <a:p>
+            <a:pPr marL="764540" lvl="1" indent="-382270" defTabSz="502412">
               <a:spcBef>
                 <a:spcPts val="3600"/>
               </a:spcBef>
@@ -2457,10 +2503,9 @@
               <a:rPr sz="3096"/>
               <a:t>There are plugins for mail clients to make all of this easier</a:t>
             </a:r>
-            <a:endParaRPr sz="3096"/>
-          </a:p>
-          <a:p>
-            <a:pPr lvl="2" marL="1146810" indent="-382270" defTabSz="502412">
+          </a:p>
+          <a:p>
+            <a:pPr marL="1146810" lvl="2" indent="-382270" defTabSz="502412">
               <a:spcBef>
                 <a:spcPts val="3600"/>
               </a:spcBef>
@@ -2470,10 +2515,9 @@
               <a:rPr sz="3096"/>
               <a:t>Thunderbird</a:t>
             </a:r>
-            <a:endParaRPr sz="3096"/>
-          </a:p>
-          <a:p>
-            <a:pPr lvl="2" marL="1146810" indent="-382270" defTabSz="502412">
+          </a:p>
+          <a:p>
+            <a:pPr marL="1146810" lvl="2" indent="-382270" defTabSz="502412">
               <a:spcBef>
                 <a:spcPts val="3600"/>
               </a:spcBef>
@@ -2483,10 +2527,9 @@
               <a:rPr sz="3096"/>
               <a:t>Mutt on the Unix/Linux command-line</a:t>
             </a:r>
-            <a:endParaRPr sz="3096"/>
-          </a:p>
-          <a:p>
-            <a:pPr lvl="2" marL="1146810" indent="-382270" defTabSz="502412">
+          </a:p>
+          <a:p>
+            <a:pPr marL="1146810" lvl="2" indent="-382270" defTabSz="502412">
               <a:spcBef>
                 <a:spcPts val="3600"/>
               </a:spcBef>
@@ -2496,10 +2539,9 @@
               <a:rPr sz="3096"/>
               <a:t>MailMate, Apple Mail on the Mac</a:t>
             </a:r>
-            <a:endParaRPr sz="3096"/>
-          </a:p>
-          <a:p>
-            <a:pPr lvl="2" marL="1146810" indent="-382270" defTabSz="502412">
+          </a:p>
+          <a:p>
+            <a:pPr marL="1146810" lvl="2" indent="-382270" defTabSz="502412">
               <a:spcBef>
                 <a:spcPts val="3600"/>
               </a:spcBef>
@@ -2509,10 +2551,9 @@
               <a:rPr sz="3096"/>
               <a:t>Surely something for Windows</a:t>
             </a:r>
-            <a:endParaRPr sz="3096"/>
-          </a:p>
-          <a:p>
-            <a:pPr lvl="1" marL="764540" indent="-382270" defTabSz="502412">
+          </a:p>
+          <a:p>
+            <a:pPr marL="764540" lvl="1" indent="-382270" defTabSz="502412">
               <a:spcBef>
                 <a:spcPts val="3600"/>
               </a:spcBef>
@@ -2530,12 +2571,12 @@
   <p:clrMapOvr>
     <a:masterClrMapping/>
   </p:clrMapOvr>
-  <p:transition spd="med" advClick="1"/>
+  <p:transition spd="med"/>
 </p:sld>
 </file>
 
 <file path=ppt/slides/slide7.xml><?xml version="1.0" encoding="utf-8"?>
-<p:sld xmlns:a="http://schemas.openxmlformats.org/drawingml/2006/main" xmlns:r="http://schemas.openxmlformats.org/officeDocument/2006/relationships" xmlns:p="http://schemas.openxmlformats.org/presentationml/2006/main" showMasterSp="1" showMasterPhAnim="1">
+<p:sld xmlns:a="http://schemas.openxmlformats.org/drawingml/2006/main" xmlns:r="http://schemas.openxmlformats.org/officeDocument/2006/relationships" xmlns:p="http://schemas.openxmlformats.org/presentationml/2006/main">
   <p:cSld>
     <p:spTree>
       <p:nvGrpSpPr>
@@ -2554,7 +2595,9 @@
       <p:sp>
         <p:nvSpPr>
           <p:cNvPr id="50" name="Shape 50"/>
-          <p:cNvSpPr/>
+          <p:cNvSpPr>
+            <a:spLocks noGrp="1"/>
+          </p:cNvSpPr>
           <p:nvPr>
             <p:ph type="title"/>
           </p:nvPr>
@@ -2581,7 +2624,9 @@
       <p:sp>
         <p:nvSpPr>
           <p:cNvPr id="51" name="Shape 51"/>
-          <p:cNvSpPr/>
+          <p:cNvSpPr>
+            <a:spLocks noGrp="1"/>
+          </p:cNvSpPr>
           <p:nvPr>
             <p:ph type="body" idx="1"/>
           </p:nvPr>
@@ -2602,7 +2647,6 @@
               <a:rPr sz="3600"/>
               <a:t>Install GnuPG</a:t>
             </a:r>
-            <a:endParaRPr sz="3600"/>
           </a:p>
           <a:p>
             <a:pPr lvl="1">
@@ -2612,7 +2656,6 @@
               <a:rPr sz="3600"/>
               <a:t>Create a key pair</a:t>
             </a:r>
-            <a:endParaRPr sz="3600"/>
           </a:p>
           <a:p>
             <a:pPr lvl="1">
@@ -2622,7 +2665,6 @@
               <a:rPr sz="3600"/>
               <a:t>Obtain public keys from other people in the room</a:t>
             </a:r>
-            <a:endParaRPr sz="3600"/>
           </a:p>
           <a:p>
             <a:pPr lvl="1">
@@ -2632,7 +2674,6 @@
               <a:rPr sz="3600"/>
               <a:t>Find ways to trust their public keys</a:t>
             </a:r>
-            <a:endParaRPr sz="3600"/>
           </a:p>
           <a:p>
             <a:pPr lvl="1">
@@ -2650,12 +2691,12 @@
   <p:clrMapOvr>
     <a:masterClrMapping/>
   </p:clrMapOvr>
-  <p:transition spd="med" advClick="1"/>
+  <p:transition spd="med"/>
 </p:sld>
 </file>
 
 <file path=ppt/slides/slide8.xml><?xml version="1.0" encoding="utf-8"?>
-<p:sld xmlns:a="http://schemas.openxmlformats.org/drawingml/2006/main" xmlns:r="http://schemas.openxmlformats.org/officeDocument/2006/relationships" xmlns:p="http://schemas.openxmlformats.org/presentationml/2006/main" showMasterSp="1" showMasterPhAnim="1">
+<p:sld xmlns:a="http://schemas.openxmlformats.org/drawingml/2006/main" xmlns:r="http://schemas.openxmlformats.org/officeDocument/2006/relationships" xmlns:p="http://schemas.openxmlformats.org/presentationml/2006/main">
   <p:cSld>
     <p:spTree>
       <p:nvGrpSpPr>
@@ -2674,7 +2715,9 @@
       <p:sp>
         <p:nvSpPr>
           <p:cNvPr id="53" name="Shape 53"/>
-          <p:cNvSpPr/>
+          <p:cNvSpPr>
+            <a:spLocks noGrp="1"/>
+          </p:cNvSpPr>
           <p:nvPr>
             <p:ph type="title"/>
           </p:nvPr>
@@ -2701,7 +2744,9 @@
       <p:sp>
         <p:nvSpPr>
           <p:cNvPr id="54" name="Shape 54"/>
-          <p:cNvSpPr/>
+          <p:cNvSpPr>
+            <a:spLocks noGrp="1"/>
+          </p:cNvSpPr>
           <p:nvPr>
             <p:ph type="body" idx="1"/>
           </p:nvPr>
@@ -2722,7 +2767,6 @@
               <a:rPr sz="3600"/>
               <a:t>You are creating keys on extremely insecure public servers</a:t>
             </a:r>
-            <a:endParaRPr sz="3600"/>
           </a:p>
           <a:p>
             <a:pPr lvl="2">
@@ -2732,7 +2776,6 @@
               <a:rPr sz="3600"/>
               <a:t>"afnog/afnog"</a:t>
             </a:r>
-            <a:endParaRPr sz="3600"/>
           </a:p>
           <a:p>
             <a:pPr lvl="1">
@@ -2743,14 +2786,13 @@
               <a:t>Don't share anything that is </a:t>
             </a:r>
             <a:r>
-              <a:rPr i="1" sz="3600"/>
+              <a:rPr sz="3600" i="1"/>
               <a:t>really</a:t>
             </a:r>
             <a:r>
               <a:rPr sz="3600"/>
               <a:t> secret</a:t>
             </a:r>
-            <a:endParaRPr sz="3600"/>
           </a:p>
           <a:p>
             <a:pPr lvl="1">
@@ -2768,12 +2810,12 @@
   <p:clrMapOvr>
     <a:masterClrMapping/>
   </p:clrMapOvr>
-  <p:transition spd="med" advClick="1"/>
+  <p:transition spd="med"/>
 </p:sld>
 </file>
 
 <file path=ppt/theme/theme1.xml><?xml version="1.0" encoding="utf-8"?>
-<a:theme xmlns:a="http://schemas.openxmlformats.org/drawingml/2006/main" xmlns:r="http://schemas.openxmlformats.org/officeDocument/2006/relationships" name="White">
+<a:theme xmlns:a="http://schemas.openxmlformats.org/drawingml/2006/main" name="White">
   <a:themeElements>
     <a:clrScheme name="White">
       <a:dk1>
@@ -2899,7 +2941,7 @@
       <a:effectStyleLst>
         <a:effectStyle>
           <a:effectLst>
-            <a:outerShdw sx="100000" sy="100000" kx="0" ky="0" algn="b" rotWithShape="0" blurRad="38100" dist="25400" dir="5400000">
+            <a:outerShdw blurRad="38100" dist="25400" dir="5400000" rotWithShape="0">
               <a:srgbClr val="000000">
                 <a:alpha val="50000"/>
               </a:srgbClr>
@@ -2908,7 +2950,7 @@
         </a:effectStyle>
         <a:effectStyle>
           <a:effectLst>
-            <a:outerShdw sx="100000" sy="100000" kx="0" ky="0" algn="b" rotWithShape="0" blurRad="50800" dist="12700" dir="0">
+            <a:outerShdw blurRad="50800" dist="12700" rotWithShape="0">
               <a:srgbClr val="000000">
                 <a:alpha val="50000"/>
               </a:srgbClr>
@@ -2917,7 +2959,7 @@
         </a:effectStyle>
         <a:effectStyle>
           <a:effectLst>
-            <a:outerShdw sx="100000" sy="100000" kx="0" ky="0" algn="b" rotWithShape="0" blurRad="38100" dist="25400" dir="5400000">
+            <a:outerShdw blurRad="38100" dist="25400" dir="5400000" rotWithShape="0">
               <a:srgbClr val="000000">
                 <a:alpha val="50000"/>
               </a:srgbClr>
@@ -2981,8 +3023,8 @@
     <a:spDef>
       <a:spPr>
         <a:blipFill rotWithShape="1">
-          <a:blip r:embed="rId1"/>
-          <a:srcRect l="0" t="0" r="0" b="0"/>
+          <a:blip xmlns:r="http://schemas.openxmlformats.org/officeDocument/2006/relationships" r:embed="rId1"/>
+          <a:srcRect/>
           <a:tile tx="0" ty="0" sx="100000" sy="100000" flip="none" algn="tl"/>
         </a:blipFill>
         <a:ln w="12700" cap="flat">
@@ -2990,14 +3032,14 @@
           <a:miter lim="400000"/>
         </a:ln>
         <a:effectLst>
-          <a:outerShdw sx="100000" sy="100000" kx="0" ky="0" algn="b" rotWithShape="0" blurRad="38100" dist="25400" dir="5400000">
+          <a:outerShdw blurRad="38100" dist="25400" dir="5400000" rotWithShape="0">
             <a:srgbClr val="000000">
               <a:alpha val="50000"/>
             </a:srgbClr>
           </a:outerShdw>
         </a:effectLst>
       </a:spPr>
-      <a:bodyPr rot="0" spcFirstLastPara="1" vertOverflow="overflow" horzOverflow="overflow" vert="horz" wrap="square" lIns="50800" tIns="50800" rIns="50800" bIns="50800" numCol="1" spcCol="38100" rtlCol="0" anchor="ctr" upright="0">
+      <a:bodyPr rot="0" spcFirstLastPara="1" vertOverflow="overflow" horzOverflow="overflow" vert="horz" wrap="square" lIns="50800" tIns="50800" rIns="50800" bIns="50800" numCol="1" spcCol="38100" rtlCol="0" anchor="ctr">
         <a:spAutoFit/>
       </a:bodyPr>
       <a:lstStyle>
@@ -3016,7 +3058,7 @@
           <a:buFontTx/>
           <a:buNone/>
           <a:tabLst/>
-          <a:defRPr b="0" baseline="0" cap="none" i="0" spc="0" strike="noStrike" sz="2400" u="none" kumimoji="0" normalizeH="0">
+          <a:defRPr kumimoji="0" sz="2400" b="0" i="0" u="none" strike="noStrike" cap="none" spc="0" normalizeH="0" baseline="0">
             <a:ln>
               <a:noFill/>
             </a:ln>
@@ -3046,7 +3088,7 @@
           <a:buFontTx/>
           <a:buNone/>
           <a:tabLst/>
-          <a:defRPr b="0" baseline="0" cap="none" i="0" spc="0" strike="noStrike" sz="1800" u="none" kumimoji="0" normalizeH="0">
+          <a:defRPr kumimoji="0" sz="1800" b="0" i="0" u="none" strike="noStrike" cap="none" spc="0" normalizeH="0" baseline="0">
             <a:ln>
               <a:noFill/>
             </a:ln>
@@ -3072,7 +3114,7 @@
           <a:buFontTx/>
           <a:buNone/>
           <a:tabLst/>
-          <a:defRPr b="0" baseline="0" cap="none" i="0" spc="0" strike="noStrike" sz="1800" u="none" kumimoji="0" normalizeH="0">
+          <a:defRPr kumimoji="0" sz="1800" b="0" i="0" u="none" strike="noStrike" cap="none" spc="0" normalizeH="0" baseline="0">
             <a:ln>
               <a:noFill/>
             </a:ln>
@@ -3098,7 +3140,7 @@
           <a:buFontTx/>
           <a:buNone/>
           <a:tabLst/>
-          <a:defRPr b="0" baseline="0" cap="none" i="0" spc="0" strike="noStrike" sz="1800" u="none" kumimoji="0" normalizeH="0">
+          <a:defRPr kumimoji="0" sz="1800" b="0" i="0" u="none" strike="noStrike" cap="none" spc="0" normalizeH="0" baseline="0">
             <a:ln>
               <a:noFill/>
             </a:ln>
@@ -3124,7 +3166,7 @@
           <a:buFontTx/>
           <a:buNone/>
           <a:tabLst/>
-          <a:defRPr b="0" baseline="0" cap="none" i="0" spc="0" strike="noStrike" sz="1800" u="none" kumimoji="0" normalizeH="0">
+          <a:defRPr kumimoji="0" sz="1800" b="0" i="0" u="none" strike="noStrike" cap="none" spc="0" normalizeH="0" baseline="0">
             <a:ln>
               <a:noFill/>
             </a:ln>
@@ -3150,7 +3192,7 @@
           <a:buFontTx/>
           <a:buNone/>
           <a:tabLst/>
-          <a:defRPr b="0" baseline="0" cap="none" i="0" spc="0" strike="noStrike" sz="1800" u="none" kumimoji="0" normalizeH="0">
+          <a:defRPr kumimoji="0" sz="1800" b="0" i="0" u="none" strike="noStrike" cap="none" spc="0" normalizeH="0" baseline="0">
             <a:ln>
               <a:noFill/>
             </a:ln>
@@ -3176,7 +3218,7 @@
           <a:buFontTx/>
           <a:buNone/>
           <a:tabLst/>
-          <a:defRPr b="0" baseline="0" cap="none" i="0" spc="0" strike="noStrike" sz="1800" u="none" kumimoji="0" normalizeH="0">
+          <a:defRPr kumimoji="0" sz="1800" b="0" i="0" u="none" strike="noStrike" cap="none" spc="0" normalizeH="0" baseline="0">
             <a:ln>
               <a:noFill/>
             </a:ln>
@@ -3202,7 +3244,7 @@
           <a:buFontTx/>
           <a:buNone/>
           <a:tabLst/>
-          <a:defRPr b="0" baseline="0" cap="none" i="0" spc="0" strike="noStrike" sz="1800" u="none" kumimoji="0" normalizeH="0">
+          <a:defRPr kumimoji="0" sz="1800" b="0" i="0" u="none" strike="noStrike" cap="none" spc="0" normalizeH="0" baseline="0">
             <a:ln>
               <a:noFill/>
             </a:ln>
@@ -3228,7 +3270,7 @@
           <a:buFontTx/>
           <a:buNone/>
           <a:tabLst/>
-          <a:defRPr b="0" baseline="0" cap="none" i="0" spc="0" strike="noStrike" sz="1800" u="none" kumimoji="0" normalizeH="0">
+          <a:defRPr kumimoji="0" sz="1800" b="0" i="0" u="none" strike="noStrike" cap="none" spc="0" normalizeH="0" baseline="0">
             <a:ln>
               <a:noFill/>
             </a:ln>
@@ -3254,7 +3296,7 @@
           <a:buFontTx/>
           <a:buNone/>
           <a:tabLst/>
-          <a:defRPr b="0" baseline="0" cap="none" i="0" spc="0" strike="noStrike" sz="1800" u="none" kumimoji="0" normalizeH="0">
+          <a:defRPr kumimoji="0" sz="1800" b="0" i="0" u="none" strike="noStrike" cap="none" spc="0" normalizeH="0" baseline="0">
             <a:ln>
               <a:noFill/>
             </a:ln>
@@ -3267,9 +3309,15 @@
         </a:lvl9pPr>
       </a:lstStyle>
       <a:style>
-        <a:lnRef idx="0"/>
-        <a:fillRef idx="0"/>
-        <a:effectRef idx="0"/>
+        <a:lnRef idx="0">
+          <a:scrgbClr r="0" g="0" b="0"/>
+        </a:lnRef>
+        <a:fillRef idx="0">
+          <a:scrgbClr r="0" g="0" b="0"/>
+        </a:fillRef>
+        <a:effectRef idx="0">
+          <a:scrgbClr r="0" g="0" b="0"/>
+        </a:effectRef>
         <a:fontRef idx="none"/>
       </a:style>
     </a:spDef>
@@ -3285,7 +3333,7 @@
         </a:ln>
         <a:effectLst/>
       </a:spPr>
-      <a:bodyPr rot="0" spcFirstLastPara="1" vertOverflow="overflow" horzOverflow="overflow" vert="horz" wrap="square" lIns="91439" tIns="45719" rIns="91439" bIns="45719" numCol="1" spcCol="38100" rtlCol="0" anchor="t" upright="0">
+      <a:bodyPr rot="0" spcFirstLastPara="1" vertOverflow="overflow" horzOverflow="overflow" vert="horz" wrap="square" lIns="91439" tIns="45719" rIns="91439" bIns="45719" numCol="1" spcCol="38100" rtlCol="0" anchor="t">
         <a:noAutofit/>
       </a:bodyPr>
       <a:lstStyle>
@@ -3304,7 +3352,7 @@
           <a:buFontTx/>
           <a:buNone/>
           <a:tabLst/>
-          <a:defRPr b="0" baseline="0" cap="none" i="0" spc="0" strike="noStrike" sz="1800" u="none" kumimoji="0" normalizeH="0">
+          <a:defRPr kumimoji="0" sz="1800" b="0" i="0" u="none" strike="noStrike" cap="none" spc="0" normalizeH="0" baseline="0">
             <a:ln>
               <a:noFill/>
             </a:ln>
@@ -3330,7 +3378,7 @@
           <a:buFontTx/>
           <a:buNone/>
           <a:tabLst/>
-          <a:defRPr b="0" baseline="0" cap="none" i="0" spc="0" strike="noStrike" sz="1800" u="none" kumimoji="0" normalizeH="0">
+          <a:defRPr kumimoji="0" sz="1800" b="0" i="0" u="none" strike="noStrike" cap="none" spc="0" normalizeH="0" baseline="0">
             <a:ln>
               <a:noFill/>
             </a:ln>
@@ -3356,7 +3404,7 @@
           <a:buFontTx/>
           <a:buNone/>
           <a:tabLst/>
-          <a:defRPr b="0" baseline="0" cap="none" i="0" spc="0" strike="noStrike" sz="1800" u="none" kumimoji="0" normalizeH="0">
+          <a:defRPr kumimoji="0" sz="1800" b="0" i="0" u="none" strike="noStrike" cap="none" spc="0" normalizeH="0" baseline="0">
             <a:ln>
               <a:noFill/>
             </a:ln>
@@ -3382,7 +3430,7 @@
           <a:buFontTx/>
           <a:buNone/>
           <a:tabLst/>
-          <a:defRPr b="0" baseline="0" cap="none" i="0" spc="0" strike="noStrike" sz="1800" u="none" kumimoji="0" normalizeH="0">
+          <a:defRPr kumimoji="0" sz="1800" b="0" i="0" u="none" strike="noStrike" cap="none" spc="0" normalizeH="0" baseline="0">
             <a:ln>
               <a:noFill/>
             </a:ln>
@@ -3408,7 +3456,7 @@
           <a:buFontTx/>
           <a:buNone/>
           <a:tabLst/>
-          <a:defRPr b="0" baseline="0" cap="none" i="0" spc="0" strike="noStrike" sz="1800" u="none" kumimoji="0" normalizeH="0">
+          <a:defRPr kumimoji="0" sz="1800" b="0" i="0" u="none" strike="noStrike" cap="none" spc="0" normalizeH="0" baseline="0">
             <a:ln>
               <a:noFill/>
             </a:ln>
@@ -3434,7 +3482,7 @@
           <a:buFontTx/>
           <a:buNone/>
           <a:tabLst/>
-          <a:defRPr b="0" baseline="0" cap="none" i="0" spc="0" strike="noStrike" sz="1800" u="none" kumimoji="0" normalizeH="0">
+          <a:defRPr kumimoji="0" sz="1800" b="0" i="0" u="none" strike="noStrike" cap="none" spc="0" normalizeH="0" baseline="0">
             <a:ln>
               <a:noFill/>
             </a:ln>
@@ -3460,7 +3508,7 @@
           <a:buFontTx/>
           <a:buNone/>
           <a:tabLst/>
-          <a:defRPr b="0" baseline="0" cap="none" i="0" spc="0" strike="noStrike" sz="1800" u="none" kumimoji="0" normalizeH="0">
+          <a:defRPr kumimoji="0" sz="1800" b="0" i="0" u="none" strike="noStrike" cap="none" spc="0" normalizeH="0" baseline="0">
             <a:ln>
               <a:noFill/>
             </a:ln>
@@ -3486,7 +3534,7 @@
           <a:buFontTx/>
           <a:buNone/>
           <a:tabLst/>
-          <a:defRPr b="0" baseline="0" cap="none" i="0" spc="0" strike="noStrike" sz="1800" u="none" kumimoji="0" normalizeH="0">
+          <a:defRPr kumimoji="0" sz="1800" b="0" i="0" u="none" strike="noStrike" cap="none" spc="0" normalizeH="0" baseline="0">
             <a:ln>
               <a:noFill/>
             </a:ln>
@@ -3512,7 +3560,7 @@
           <a:buFontTx/>
           <a:buNone/>
           <a:tabLst/>
-          <a:defRPr b="0" baseline="0" cap="none" i="0" spc="0" strike="noStrike" sz="1800" u="none" kumimoji="0" normalizeH="0">
+          <a:defRPr kumimoji="0" sz="1800" b="0" i="0" u="none" strike="noStrike" cap="none" spc="0" normalizeH="0" baseline="0">
             <a:ln>
               <a:noFill/>
             </a:ln>
@@ -3538,7 +3586,7 @@
           <a:buFontTx/>
           <a:buNone/>
           <a:tabLst/>
-          <a:defRPr b="0" baseline="0" cap="none" i="0" spc="0" strike="noStrike" sz="1800" u="none" kumimoji="0" normalizeH="0">
+          <a:defRPr kumimoji="0" sz="1800" b="0" i="0" u="none" strike="noStrike" cap="none" spc="0" normalizeH="0" baseline="0">
             <a:ln>
               <a:noFill/>
             </a:ln>
@@ -3551,9 +3599,15 @@
         </a:lvl9pPr>
       </a:lstStyle>
       <a:style>
-        <a:lnRef idx="0"/>
-        <a:fillRef idx="0"/>
-        <a:effectRef idx="0"/>
+        <a:lnRef idx="0">
+          <a:scrgbClr r="0" g="0" b="0"/>
+        </a:lnRef>
+        <a:fillRef idx="0">
+          <a:scrgbClr r="0" g="0" b="0"/>
+        </a:fillRef>
+        <a:effectRef idx="0">
+          <a:scrgbClr r="0" g="0" b="0"/>
+        </a:effectRef>
         <a:fontRef idx="none"/>
       </a:style>
     </a:lnDef>
@@ -3566,7 +3620,7 @@
         </a:ln>
         <a:effectLst/>
       </a:spPr>
-      <a:bodyPr rot="0" spcFirstLastPara="1" vertOverflow="overflow" horzOverflow="overflow" vert="horz" wrap="square" lIns="50800" tIns="50800" rIns="50800" bIns="50800" numCol="1" spcCol="38100" rtlCol="0" anchor="ctr" upright="0">
+      <a:bodyPr rot="0" spcFirstLastPara="1" vertOverflow="overflow" horzOverflow="overflow" vert="horz" wrap="square" lIns="50800" tIns="50800" rIns="50800" bIns="50800" numCol="1" spcCol="38100" rtlCol="0" anchor="ctr">
         <a:spAutoFit/>
       </a:bodyPr>
       <a:lstStyle>
@@ -3585,7 +3639,7 @@
           <a:buFontTx/>
           <a:buNone/>
           <a:tabLst/>
-          <a:defRPr b="0" baseline="0" cap="none" i="0" spc="0" strike="noStrike" sz="3600" u="none" kumimoji="0" normalizeH="0">
+          <a:defRPr kumimoji="0" sz="3600" b="0" i="0" u="none" strike="noStrike" cap="none" spc="0" normalizeH="0" baseline="0">
             <a:ln>
               <a:noFill/>
             </a:ln>
@@ -3615,7 +3669,7 @@
           <a:buFontTx/>
           <a:buNone/>
           <a:tabLst/>
-          <a:defRPr b="0" baseline="0" cap="none" i="0" spc="0" strike="noStrike" sz="1800" u="none" kumimoji="0" normalizeH="0">
+          <a:defRPr kumimoji="0" sz="1800" b="0" i="0" u="none" strike="noStrike" cap="none" spc="0" normalizeH="0" baseline="0">
             <a:ln>
               <a:noFill/>
             </a:ln>
@@ -3641,7 +3695,7 @@
           <a:buFontTx/>
           <a:buNone/>
           <a:tabLst/>
-          <a:defRPr b="0" baseline="0" cap="none" i="0" spc="0" strike="noStrike" sz="1800" u="none" kumimoji="0" normalizeH="0">
+          <a:defRPr kumimoji="0" sz="1800" b="0" i="0" u="none" strike="noStrike" cap="none" spc="0" normalizeH="0" baseline="0">
             <a:ln>
               <a:noFill/>
             </a:ln>
@@ -3667,7 +3721,7 @@
           <a:buFontTx/>
           <a:buNone/>
           <a:tabLst/>
-          <a:defRPr b="0" baseline="0" cap="none" i="0" spc="0" strike="noStrike" sz="1800" u="none" kumimoji="0" normalizeH="0">
+          <a:defRPr kumimoji="0" sz="1800" b="0" i="0" u="none" strike="noStrike" cap="none" spc="0" normalizeH="0" baseline="0">
             <a:ln>
               <a:noFill/>
             </a:ln>
@@ -3693,7 +3747,7 @@
           <a:buFontTx/>
           <a:buNone/>
           <a:tabLst/>
-          <a:defRPr b="0" baseline="0" cap="none" i="0" spc="0" strike="noStrike" sz="1800" u="none" kumimoji="0" normalizeH="0">
+          <a:defRPr kumimoji="0" sz="1800" b="0" i="0" u="none" strike="noStrike" cap="none" spc="0" normalizeH="0" baseline="0">
             <a:ln>
               <a:noFill/>
             </a:ln>
@@ -3719,7 +3773,7 @@
           <a:buFontTx/>
           <a:buNone/>
           <a:tabLst/>
-          <a:defRPr b="0" baseline="0" cap="none" i="0" spc="0" strike="noStrike" sz="1800" u="none" kumimoji="0" normalizeH="0">
+          <a:defRPr kumimoji="0" sz="1800" b="0" i="0" u="none" strike="noStrike" cap="none" spc="0" normalizeH="0" baseline="0">
             <a:ln>
               <a:noFill/>
             </a:ln>
@@ -3745,7 +3799,7 @@
           <a:buFontTx/>
           <a:buNone/>
           <a:tabLst/>
-          <a:defRPr b="0" baseline="0" cap="none" i="0" spc="0" strike="noStrike" sz="1800" u="none" kumimoji="0" normalizeH="0">
+          <a:defRPr kumimoji="0" sz="1800" b="0" i="0" u="none" strike="noStrike" cap="none" spc="0" normalizeH="0" baseline="0">
             <a:ln>
               <a:noFill/>
             </a:ln>
@@ -3771,7 +3825,7 @@
           <a:buFontTx/>
           <a:buNone/>
           <a:tabLst/>
-          <a:defRPr b="0" baseline="0" cap="none" i="0" spc="0" strike="noStrike" sz="1800" u="none" kumimoji="0" normalizeH="0">
+          <a:defRPr kumimoji="0" sz="1800" b="0" i="0" u="none" strike="noStrike" cap="none" spc="0" normalizeH="0" baseline="0">
             <a:ln>
               <a:noFill/>
             </a:ln>
@@ -3797,7 +3851,7 @@
           <a:buFontTx/>
           <a:buNone/>
           <a:tabLst/>
-          <a:defRPr b="0" baseline="0" cap="none" i="0" spc="0" strike="noStrike" sz="1800" u="none" kumimoji="0" normalizeH="0">
+          <a:defRPr kumimoji="0" sz="1800" b="0" i="0" u="none" strike="noStrike" cap="none" spc="0" normalizeH="0" baseline="0">
             <a:ln>
               <a:noFill/>
             </a:ln>
@@ -3823,7 +3877,7 @@
           <a:buFontTx/>
           <a:buNone/>
           <a:tabLst/>
-          <a:defRPr b="0" baseline="0" cap="none" i="0" spc="0" strike="noStrike" sz="1800" u="none" kumimoji="0" normalizeH="0">
+          <a:defRPr kumimoji="0" sz="1800" b="0" i="0" u="none" strike="noStrike" cap="none" spc="0" normalizeH="0" baseline="0">
             <a:ln>
               <a:noFill/>
             </a:ln>
@@ -3836,18 +3890,25 @@
         </a:lvl9pPr>
       </a:lstStyle>
       <a:style>
-        <a:lnRef idx="0"/>
-        <a:fillRef idx="0"/>
-        <a:effectRef idx="0"/>
+        <a:lnRef idx="0">
+          <a:scrgbClr r="0" g="0" b="0"/>
+        </a:lnRef>
+        <a:fillRef idx="0">
+          <a:scrgbClr r="0" g="0" b="0"/>
+        </a:fillRef>
+        <a:effectRef idx="0">
+          <a:scrgbClr r="0" g="0" b="0"/>
+        </a:effectRef>
         <a:fontRef idx="none"/>
       </a:style>
     </a:txDef>
   </a:objectDefaults>
+  <a:extraClrSchemeLst/>
 </a:theme>
 </file>
 
 <file path=ppt/theme/theme2.xml><?xml version="1.0" encoding="utf-8"?>
-<a:theme xmlns:a="http://schemas.openxmlformats.org/drawingml/2006/main" xmlns:r="http://schemas.openxmlformats.org/officeDocument/2006/relationships" name="White">
+<a:theme xmlns:a="http://schemas.openxmlformats.org/drawingml/2006/main" name="White">
   <a:themeElements>
     <a:clrScheme name="White">
       <a:dk1>
@@ -3973,7 +4034,7 @@
       <a:effectStyleLst>
         <a:effectStyle>
           <a:effectLst>
-            <a:outerShdw sx="100000" sy="100000" kx="0" ky="0" algn="b" rotWithShape="0" blurRad="38100" dist="25400" dir="5400000">
+            <a:outerShdw blurRad="38100" dist="25400" dir="5400000" rotWithShape="0">
               <a:srgbClr val="000000">
                 <a:alpha val="50000"/>
               </a:srgbClr>
@@ -3982,7 +4043,7 @@
         </a:effectStyle>
         <a:effectStyle>
           <a:effectLst>
-            <a:outerShdw sx="100000" sy="100000" kx="0" ky="0" algn="b" rotWithShape="0" blurRad="50800" dist="12700" dir="0">
+            <a:outerShdw blurRad="50800" dist="12700" rotWithShape="0">
               <a:srgbClr val="000000">
                 <a:alpha val="50000"/>
               </a:srgbClr>
@@ -3991,7 +4052,7 @@
         </a:effectStyle>
         <a:effectStyle>
           <a:effectLst>
-            <a:outerShdw sx="100000" sy="100000" kx="0" ky="0" algn="b" rotWithShape="0" blurRad="38100" dist="25400" dir="5400000">
+            <a:outerShdw blurRad="38100" dist="25400" dir="5400000" rotWithShape="0">
               <a:srgbClr val="000000">
                 <a:alpha val="50000"/>
               </a:srgbClr>
@@ -4055,8 +4116,8 @@
     <a:spDef>
       <a:spPr>
         <a:blipFill rotWithShape="1">
-          <a:blip r:embed="rId1"/>
-          <a:srcRect l="0" t="0" r="0" b="0"/>
+          <a:blip xmlns:r="http://schemas.openxmlformats.org/officeDocument/2006/relationships" r:embed="rId1"/>
+          <a:srcRect/>
           <a:tile tx="0" ty="0" sx="100000" sy="100000" flip="none" algn="tl"/>
         </a:blipFill>
         <a:ln w="12700" cap="flat">
@@ -4064,14 +4125,14 @@
           <a:miter lim="400000"/>
         </a:ln>
         <a:effectLst>
-          <a:outerShdw sx="100000" sy="100000" kx="0" ky="0" algn="b" rotWithShape="0" blurRad="38100" dist="25400" dir="5400000">
+          <a:outerShdw blurRad="38100" dist="25400" dir="5400000" rotWithShape="0">
             <a:srgbClr val="000000">
               <a:alpha val="50000"/>
             </a:srgbClr>
           </a:outerShdw>
         </a:effectLst>
       </a:spPr>
-      <a:bodyPr rot="0" spcFirstLastPara="1" vertOverflow="overflow" horzOverflow="overflow" vert="horz" wrap="square" lIns="50800" tIns="50800" rIns="50800" bIns="50800" numCol="1" spcCol="38100" rtlCol="0" anchor="ctr" upright="0">
+      <a:bodyPr rot="0" spcFirstLastPara="1" vertOverflow="overflow" horzOverflow="overflow" vert="horz" wrap="square" lIns="50800" tIns="50800" rIns="50800" bIns="50800" numCol="1" spcCol="38100" rtlCol="0" anchor="ctr">
         <a:spAutoFit/>
       </a:bodyPr>
       <a:lstStyle>
@@ -4090,7 +4151,7 @@
           <a:buFontTx/>
           <a:buNone/>
           <a:tabLst/>
-          <a:defRPr b="0" baseline="0" cap="none" i="0" spc="0" strike="noStrike" sz="2400" u="none" kumimoji="0" normalizeH="0">
+          <a:defRPr kumimoji="0" sz="2400" b="0" i="0" u="none" strike="noStrike" cap="none" spc="0" normalizeH="0" baseline="0">
             <a:ln>
               <a:noFill/>
             </a:ln>
@@ -4120,7 +4181,7 @@
           <a:buFontTx/>
           <a:buNone/>
           <a:tabLst/>
-          <a:defRPr b="0" baseline="0" cap="none" i="0" spc="0" strike="noStrike" sz="1800" u="none" kumimoji="0" normalizeH="0">
+          <a:defRPr kumimoji="0" sz="1800" b="0" i="0" u="none" strike="noStrike" cap="none" spc="0" normalizeH="0" baseline="0">
             <a:ln>
               <a:noFill/>
             </a:ln>
@@ -4146,7 +4207,7 @@
           <a:buFontTx/>
           <a:buNone/>
           <a:tabLst/>
-          <a:defRPr b="0" baseline="0" cap="none" i="0" spc="0" strike="noStrike" sz="1800" u="none" kumimoji="0" normalizeH="0">
+          <a:defRPr kumimoji="0" sz="1800" b="0" i="0" u="none" strike="noStrike" cap="none" spc="0" normalizeH="0" baseline="0">
             <a:ln>
               <a:noFill/>
             </a:ln>
@@ -4172,7 +4233,7 @@
           <a:buFontTx/>
           <a:buNone/>
           <a:tabLst/>
-          <a:defRPr b="0" baseline="0" cap="none" i="0" spc="0" strike="noStrike" sz="1800" u="none" kumimoji="0" normalizeH="0">
+          <a:defRPr kumimoji="0" sz="1800" b="0" i="0" u="none" strike="noStrike" cap="none" spc="0" normalizeH="0" baseline="0">
             <a:ln>
               <a:noFill/>
             </a:ln>
@@ -4198,7 +4259,7 @@
           <a:buFontTx/>
           <a:buNone/>
           <a:tabLst/>
-          <a:defRPr b="0" baseline="0" cap="none" i="0" spc="0" strike="noStrike" sz="1800" u="none" kumimoji="0" normalizeH="0">
+          <a:defRPr kumimoji="0" sz="1800" b="0" i="0" u="none" strike="noStrike" cap="none" spc="0" normalizeH="0" baseline="0">
             <a:ln>
               <a:noFill/>
             </a:ln>
@@ -4224,7 +4285,7 @@
           <a:buFontTx/>
           <a:buNone/>
           <a:tabLst/>
-          <a:defRPr b="0" baseline="0" cap="none" i="0" spc="0" strike="noStrike" sz="1800" u="none" kumimoji="0" normalizeH="0">
+          <a:defRPr kumimoji="0" sz="1800" b="0" i="0" u="none" strike="noStrike" cap="none" spc="0" normalizeH="0" baseline="0">
             <a:ln>
               <a:noFill/>
             </a:ln>
@@ -4250,7 +4311,7 @@
           <a:buFontTx/>
           <a:buNone/>
           <a:tabLst/>
-          <a:defRPr b="0" baseline="0" cap="none" i="0" spc="0" strike="noStrike" sz="1800" u="none" kumimoji="0" normalizeH="0">
+          <a:defRPr kumimoji="0" sz="1800" b="0" i="0" u="none" strike="noStrike" cap="none" spc="0" normalizeH="0" baseline="0">
             <a:ln>
               <a:noFill/>
             </a:ln>
@@ -4276,7 +4337,7 @@
           <a:buFontTx/>
           <a:buNone/>
           <a:tabLst/>
-          <a:defRPr b="0" baseline="0" cap="none" i="0" spc="0" strike="noStrike" sz="1800" u="none" kumimoji="0" normalizeH="0">
+          <a:defRPr kumimoji="0" sz="1800" b="0" i="0" u="none" strike="noStrike" cap="none" spc="0" normalizeH="0" baseline="0">
             <a:ln>
               <a:noFill/>
             </a:ln>
@@ -4302,7 +4363,7 @@
           <a:buFontTx/>
           <a:buNone/>
           <a:tabLst/>
-          <a:defRPr b="0" baseline="0" cap="none" i="0" spc="0" strike="noStrike" sz="1800" u="none" kumimoji="0" normalizeH="0">
+          <a:defRPr kumimoji="0" sz="1800" b="0" i="0" u="none" strike="noStrike" cap="none" spc="0" normalizeH="0" baseline="0">
             <a:ln>
               <a:noFill/>
             </a:ln>
@@ -4328,7 +4389,7 @@
           <a:buFontTx/>
           <a:buNone/>
           <a:tabLst/>
-          <a:defRPr b="0" baseline="0" cap="none" i="0" spc="0" strike="noStrike" sz="1800" u="none" kumimoji="0" normalizeH="0">
+          <a:defRPr kumimoji="0" sz="1800" b="0" i="0" u="none" strike="noStrike" cap="none" spc="0" normalizeH="0" baseline="0">
             <a:ln>
               <a:noFill/>
             </a:ln>
@@ -4341,9 +4402,15 @@
         </a:lvl9pPr>
       </a:lstStyle>
       <a:style>
-        <a:lnRef idx="0"/>
-        <a:fillRef idx="0"/>
-        <a:effectRef idx="0"/>
+        <a:lnRef idx="0">
+          <a:scrgbClr r="0" g="0" b="0"/>
+        </a:lnRef>
+        <a:fillRef idx="0">
+          <a:scrgbClr r="0" g="0" b="0"/>
+        </a:fillRef>
+        <a:effectRef idx="0">
+          <a:scrgbClr r="0" g="0" b="0"/>
+        </a:effectRef>
         <a:fontRef idx="none"/>
       </a:style>
     </a:spDef>
@@ -4359,7 +4426,7 @@
         </a:ln>
         <a:effectLst/>
       </a:spPr>
-      <a:bodyPr rot="0" spcFirstLastPara="1" vertOverflow="overflow" horzOverflow="overflow" vert="horz" wrap="square" lIns="91439" tIns="45719" rIns="91439" bIns="45719" numCol="1" spcCol="38100" rtlCol="0" anchor="t" upright="0">
+      <a:bodyPr rot="0" spcFirstLastPara="1" vertOverflow="overflow" horzOverflow="overflow" vert="horz" wrap="square" lIns="91439" tIns="45719" rIns="91439" bIns="45719" numCol="1" spcCol="38100" rtlCol="0" anchor="t">
         <a:noAutofit/>
       </a:bodyPr>
       <a:lstStyle>
@@ -4378,7 +4445,7 @@
           <a:buFontTx/>
           <a:buNone/>
           <a:tabLst/>
-          <a:defRPr b="0" baseline="0" cap="none" i="0" spc="0" strike="noStrike" sz="1800" u="none" kumimoji="0" normalizeH="0">
+          <a:defRPr kumimoji="0" sz="1800" b="0" i="0" u="none" strike="noStrike" cap="none" spc="0" normalizeH="0" baseline="0">
             <a:ln>
               <a:noFill/>
             </a:ln>
@@ -4404,7 +4471,7 @@
           <a:buFontTx/>
           <a:buNone/>
           <a:tabLst/>
-          <a:defRPr b="0" baseline="0" cap="none" i="0" spc="0" strike="noStrike" sz="1800" u="none" kumimoji="0" normalizeH="0">
+          <a:defRPr kumimoji="0" sz="1800" b="0" i="0" u="none" strike="noStrike" cap="none" spc="0" normalizeH="0" baseline="0">
             <a:ln>
               <a:noFill/>
             </a:ln>
@@ -4430,7 +4497,7 @@
           <a:buFontTx/>
           <a:buNone/>
           <a:tabLst/>
-          <a:defRPr b="0" baseline="0" cap="none" i="0" spc="0" strike="noStrike" sz="1800" u="none" kumimoji="0" normalizeH="0">
+          <a:defRPr kumimoji="0" sz="1800" b="0" i="0" u="none" strike="noStrike" cap="none" spc="0" normalizeH="0" baseline="0">
             <a:ln>
               <a:noFill/>
             </a:ln>
@@ -4456,7 +4523,7 @@
           <a:buFontTx/>
           <a:buNone/>
           <a:tabLst/>
-          <a:defRPr b="0" baseline="0" cap="none" i="0" spc="0" strike="noStrike" sz="1800" u="none" kumimoji="0" normalizeH="0">
+          <a:defRPr kumimoji="0" sz="1800" b="0" i="0" u="none" strike="noStrike" cap="none" spc="0" normalizeH="0" baseline="0">
             <a:ln>
               <a:noFill/>
             </a:ln>
@@ -4482,7 +4549,7 @@
           <a:buFontTx/>
           <a:buNone/>
           <a:tabLst/>
-          <a:defRPr b="0" baseline="0" cap="none" i="0" spc="0" strike="noStrike" sz="1800" u="none" kumimoji="0" normalizeH="0">
+          <a:defRPr kumimoji="0" sz="1800" b="0" i="0" u="none" strike="noStrike" cap="none" spc="0" normalizeH="0" baseline="0">
             <a:ln>
               <a:noFill/>
             </a:ln>
@@ -4508,7 +4575,7 @@
           <a:buFontTx/>
           <a:buNone/>
           <a:tabLst/>
-          <a:defRPr b="0" baseline="0" cap="none" i="0" spc="0" strike="noStrike" sz="1800" u="none" kumimoji="0" normalizeH="0">
+          <a:defRPr kumimoji="0" sz="1800" b="0" i="0" u="none" strike="noStrike" cap="none" spc="0" normalizeH="0" baseline="0">
             <a:ln>
               <a:noFill/>
             </a:ln>
@@ -4534,7 +4601,7 @@
           <a:buFontTx/>
           <a:buNone/>
           <a:tabLst/>
-          <a:defRPr b="0" baseline="0" cap="none" i="0" spc="0" strike="noStrike" sz="1800" u="none" kumimoji="0" normalizeH="0">
+          <a:defRPr kumimoji="0" sz="1800" b="0" i="0" u="none" strike="noStrike" cap="none" spc="0" normalizeH="0" baseline="0">
             <a:ln>
               <a:noFill/>
             </a:ln>
@@ -4560,7 +4627,7 @@
           <a:buFontTx/>
           <a:buNone/>
           <a:tabLst/>
-          <a:defRPr b="0" baseline="0" cap="none" i="0" spc="0" strike="noStrike" sz="1800" u="none" kumimoji="0" normalizeH="0">
+          <a:defRPr kumimoji="0" sz="1800" b="0" i="0" u="none" strike="noStrike" cap="none" spc="0" normalizeH="0" baseline="0">
             <a:ln>
               <a:noFill/>
             </a:ln>
@@ -4586,7 +4653,7 @@
           <a:buFontTx/>
           <a:buNone/>
           <a:tabLst/>
-          <a:defRPr b="0" baseline="0" cap="none" i="0" spc="0" strike="noStrike" sz="1800" u="none" kumimoji="0" normalizeH="0">
+          <a:defRPr kumimoji="0" sz="1800" b="0" i="0" u="none" strike="noStrike" cap="none" spc="0" normalizeH="0" baseline="0">
             <a:ln>
               <a:noFill/>
             </a:ln>
@@ -4612,7 +4679,7 @@
           <a:buFontTx/>
           <a:buNone/>
           <a:tabLst/>
-          <a:defRPr b="0" baseline="0" cap="none" i="0" spc="0" strike="noStrike" sz="1800" u="none" kumimoji="0" normalizeH="0">
+          <a:defRPr kumimoji="0" sz="1800" b="0" i="0" u="none" strike="noStrike" cap="none" spc="0" normalizeH="0" baseline="0">
             <a:ln>
               <a:noFill/>
             </a:ln>
@@ -4625,9 +4692,15 @@
         </a:lvl9pPr>
       </a:lstStyle>
       <a:style>
-        <a:lnRef idx="0"/>
-        <a:fillRef idx="0"/>
-        <a:effectRef idx="0"/>
+        <a:lnRef idx="0">
+          <a:scrgbClr r="0" g="0" b="0"/>
+        </a:lnRef>
+        <a:fillRef idx="0">
+          <a:scrgbClr r="0" g="0" b="0"/>
+        </a:fillRef>
+        <a:effectRef idx="0">
+          <a:scrgbClr r="0" g="0" b="0"/>
+        </a:effectRef>
         <a:fontRef idx="none"/>
       </a:style>
     </a:lnDef>
@@ -4640,7 +4713,7 @@
         </a:ln>
         <a:effectLst/>
       </a:spPr>
-      <a:bodyPr rot="0" spcFirstLastPara="1" vertOverflow="overflow" horzOverflow="overflow" vert="horz" wrap="square" lIns="50800" tIns="50800" rIns="50800" bIns="50800" numCol="1" spcCol="38100" rtlCol="0" anchor="ctr" upright="0">
+      <a:bodyPr rot="0" spcFirstLastPara="1" vertOverflow="overflow" horzOverflow="overflow" vert="horz" wrap="square" lIns="50800" tIns="50800" rIns="50800" bIns="50800" numCol="1" spcCol="38100" rtlCol="0" anchor="ctr">
         <a:spAutoFit/>
       </a:bodyPr>
       <a:lstStyle>
@@ -4659,7 +4732,7 @@
           <a:buFontTx/>
           <a:buNone/>
           <a:tabLst/>
-          <a:defRPr b="0" baseline="0" cap="none" i="0" spc="0" strike="noStrike" sz="3600" u="none" kumimoji="0" normalizeH="0">
+          <a:defRPr kumimoji="0" sz="3600" b="0" i="0" u="none" strike="noStrike" cap="none" spc="0" normalizeH="0" baseline="0">
             <a:ln>
               <a:noFill/>
             </a:ln>
@@ -4689,7 +4762,7 @@
           <a:buFontTx/>
           <a:buNone/>
           <a:tabLst/>
-          <a:defRPr b="0" baseline="0" cap="none" i="0" spc="0" strike="noStrike" sz="1800" u="none" kumimoji="0" normalizeH="0">
+          <a:defRPr kumimoji="0" sz="1800" b="0" i="0" u="none" strike="noStrike" cap="none" spc="0" normalizeH="0" baseline="0">
             <a:ln>
               <a:noFill/>
             </a:ln>
@@ -4715,7 +4788,7 @@
           <a:buFontTx/>
           <a:buNone/>
           <a:tabLst/>
-          <a:defRPr b="0" baseline="0" cap="none" i="0" spc="0" strike="noStrike" sz="1800" u="none" kumimoji="0" normalizeH="0">
+          <a:defRPr kumimoji="0" sz="1800" b="0" i="0" u="none" strike="noStrike" cap="none" spc="0" normalizeH="0" baseline="0">
             <a:ln>
               <a:noFill/>
             </a:ln>
@@ -4741,7 +4814,7 @@
           <a:buFontTx/>
           <a:buNone/>
           <a:tabLst/>
-          <a:defRPr b="0" baseline="0" cap="none" i="0" spc="0" strike="noStrike" sz="1800" u="none" kumimoji="0" normalizeH="0">
+          <a:defRPr kumimoji="0" sz="1800" b="0" i="0" u="none" strike="noStrike" cap="none" spc="0" normalizeH="0" baseline="0">
             <a:ln>
               <a:noFill/>
             </a:ln>
@@ -4767,7 +4840,7 @@
           <a:buFontTx/>
           <a:buNone/>
           <a:tabLst/>
-          <a:defRPr b="0" baseline="0" cap="none" i="0" spc="0" strike="noStrike" sz="1800" u="none" kumimoji="0" normalizeH="0">
+          <a:defRPr kumimoji="0" sz="1800" b="0" i="0" u="none" strike="noStrike" cap="none" spc="0" normalizeH="0" baseline="0">
             <a:ln>
               <a:noFill/>
             </a:ln>
@@ -4793,7 +4866,7 @@
           <a:buFontTx/>
           <a:buNone/>
           <a:tabLst/>
-          <a:defRPr b="0" baseline="0" cap="none" i="0" spc="0" strike="noStrike" sz="1800" u="none" kumimoji="0" normalizeH="0">
+          <a:defRPr kumimoji="0" sz="1800" b="0" i="0" u="none" strike="noStrike" cap="none" spc="0" normalizeH="0" baseline="0">
             <a:ln>
               <a:noFill/>
             </a:ln>
@@ -4819,7 +4892,7 @@
           <a:buFontTx/>
           <a:buNone/>
           <a:tabLst/>
-          <a:defRPr b="0" baseline="0" cap="none" i="0" spc="0" strike="noStrike" sz="1800" u="none" kumimoji="0" normalizeH="0">
+          <a:defRPr kumimoji="0" sz="1800" b="0" i="0" u="none" strike="noStrike" cap="none" spc="0" normalizeH="0" baseline="0">
             <a:ln>
               <a:noFill/>
             </a:ln>
@@ -4845,7 +4918,7 @@
           <a:buFontTx/>
           <a:buNone/>
           <a:tabLst/>
-          <a:defRPr b="0" baseline="0" cap="none" i="0" spc="0" strike="noStrike" sz="1800" u="none" kumimoji="0" normalizeH="0">
+          <a:defRPr kumimoji="0" sz="1800" b="0" i="0" u="none" strike="noStrike" cap="none" spc="0" normalizeH="0" baseline="0">
             <a:ln>
               <a:noFill/>
             </a:ln>
@@ -4871,7 +4944,7 @@
           <a:buFontTx/>
           <a:buNone/>
           <a:tabLst/>
-          <a:defRPr b="0" baseline="0" cap="none" i="0" spc="0" strike="noStrike" sz="1800" u="none" kumimoji="0" normalizeH="0">
+          <a:defRPr kumimoji="0" sz="1800" b="0" i="0" u="none" strike="noStrike" cap="none" spc="0" normalizeH="0" baseline="0">
             <a:ln>
               <a:noFill/>
             </a:ln>
@@ -4897,7 +4970,7 @@
           <a:buFontTx/>
           <a:buNone/>
           <a:tabLst/>
-          <a:defRPr b="0" baseline="0" cap="none" i="0" spc="0" strike="noStrike" sz="1800" u="none" kumimoji="0" normalizeH="0">
+          <a:defRPr kumimoji="0" sz="1800" b="0" i="0" u="none" strike="noStrike" cap="none" spc="0" normalizeH="0" baseline="0">
             <a:ln>
               <a:noFill/>
             </a:ln>
@@ -4910,12 +4983,19 @@
         </a:lvl9pPr>
       </a:lstStyle>
       <a:style>
-        <a:lnRef idx="0"/>
-        <a:fillRef idx="0"/>
-        <a:effectRef idx="0"/>
+        <a:lnRef idx="0">
+          <a:scrgbClr r="0" g="0" b="0"/>
+        </a:lnRef>
+        <a:fillRef idx="0">
+          <a:scrgbClr r="0" g="0" b="0"/>
+        </a:fillRef>
+        <a:effectRef idx="0">
+          <a:scrgbClr r="0" g="0" b="0"/>
+        </a:effectRef>
         <a:fontRef idx="none"/>
       </a:style>
     </a:txDef>
   </a:objectDefaults>
+  <a:extraClrSchemeLst/>
 </a:theme>
 </file>
--- a/sse/pgp/pgp-presentation1.pptx
+++ b/sse/pgp/pgp-presentation1.pptx
@@ -1,91 +1,319 @@
 
 <file path=ppt/presentation.xml><?xml version="1.0" encoding="utf-8"?>
-<p:presentation xmlns:a="http://schemas.openxmlformats.org/drawingml/2006/main" xmlns:r="http://schemas.openxmlformats.org/officeDocument/2006/relationships" xmlns:p="http://schemas.openxmlformats.org/presentationml/2006/main" saveSubsetFonts="1">
+<p:presentation xmlns:a="http://schemas.openxmlformats.org/drawingml/2006/main" xmlns:r="http://schemas.openxmlformats.org/officeDocument/2006/relationships" xmlns:p="http://schemas.openxmlformats.org/presentationml/2006/main">
   <p:sldMasterIdLst>
-    <p:sldMasterId id="2147483648" r:id="rId1"/>
+    <p:sldMasterId id="2147483648" r:id="rId5"/>
   </p:sldMasterIdLst>
   <p:notesMasterIdLst>
-    <p:notesMasterId r:id="rId10"/>
+    <p:notesMasterId r:id="rId7"/>
   </p:notesMasterIdLst>
   <p:sldIdLst>
-    <p:sldId id="256" r:id="rId2"/>
-    <p:sldId id="257" r:id="rId3"/>
-    <p:sldId id="258" r:id="rId4"/>
-    <p:sldId id="259" r:id="rId5"/>
-    <p:sldId id="260" r:id="rId6"/>
-    <p:sldId id="261" r:id="rId7"/>
-    <p:sldId id="262" r:id="rId8"/>
-    <p:sldId id="263" r:id="rId9"/>
+    <p:sldId id="256" r:id="rId8"/>
+    <p:sldId id="257" r:id="rId9"/>
+    <p:sldId id="258" r:id="rId10"/>
+    <p:sldId id="259" r:id="rId11"/>
+    <p:sldId id="260" r:id="rId12"/>
+    <p:sldId id="261" r:id="rId13"/>
+    <p:sldId id="262" r:id="rId14"/>
+    <p:sldId id="263" r:id="rId15"/>
+    <p:sldId id="264" r:id="rId16"/>
+    <p:sldId id="265" r:id="rId17"/>
+    <p:sldId id="266" r:id="rId18"/>
+    <p:sldId id="267" r:id="rId19"/>
   </p:sldIdLst>
   <p:sldSz cx="13004800" cy="9753600"/>
   <p:notesSz cx="6858000" cy="9144000"/>
   <p:defaultTextStyle>
-    <a:lvl1pPr algn="ctr" defTabSz="584200">
-      <a:defRPr sz="3600">
+    <a:defPPr marL="0" marR="0" indent="0" algn="l" defTabSz="914400" rtl="0" fontAlgn="auto" latinLnBrk="1" hangingPunct="0">
+      <a:lnSpc>
+        <a:spcPct val="100000"/>
+      </a:lnSpc>
+      <a:spcBef>
+        <a:spcPts val="0"/>
+      </a:spcBef>
+      <a:spcAft>
+        <a:spcPts val="0"/>
+      </a:spcAft>
+      <a:buClrTx/>
+      <a:buSzTx/>
+      <a:buFontTx/>
+      <a:buNone/>
+      <a:tabLst/>
+      <a:defRPr b="0" baseline="0" cap="none" i="0" spc="0" strike="noStrike" sz="1800" u="none" kumimoji="0" normalizeH="0">
+        <a:ln>
+          <a:noFill/>
+        </a:ln>
+        <a:solidFill>
+          <a:srgbClr val="000000"/>
+        </a:solidFill>
+        <a:effectLst/>
+        <a:uFillTx/>
+      </a:defRPr>
+    </a:defPPr>
+    <a:lvl1pPr marL="0" marR="0" indent="0" algn="ctr" defTabSz="584200" rtl="0" fontAlgn="auto" latinLnBrk="0" hangingPunct="0">
+      <a:lnSpc>
+        <a:spcPct val="100000"/>
+      </a:lnSpc>
+      <a:spcBef>
+        <a:spcPts val="0"/>
+      </a:spcBef>
+      <a:spcAft>
+        <a:spcPts val="0"/>
+      </a:spcAft>
+      <a:buClrTx/>
+      <a:buSzTx/>
+      <a:buFontTx/>
+      <a:buNone/>
+      <a:tabLst/>
+      <a:defRPr b="0" baseline="0" cap="none" i="0" spc="0" strike="noStrike" sz="3600" u="none" kumimoji="0" normalizeH="0">
+        <a:ln>
+          <a:noFill/>
+        </a:ln>
+        <a:solidFill>
+          <a:srgbClr val="000000"/>
+        </a:solidFill>
+        <a:effectLst/>
+        <a:uFillTx/>
         <a:latin typeface="+mn-lt"/>
         <a:ea typeface="+mn-ea"/>
         <a:cs typeface="+mn-cs"/>
         <a:sym typeface="Helvetica Light"/>
       </a:defRPr>
     </a:lvl1pPr>
-    <a:lvl2pPr indent="228600" algn="ctr" defTabSz="584200">
-      <a:defRPr sz="3600">
+    <a:lvl2pPr marL="0" marR="0" indent="228600" algn="ctr" defTabSz="584200" rtl="0" fontAlgn="auto" latinLnBrk="0" hangingPunct="0">
+      <a:lnSpc>
+        <a:spcPct val="100000"/>
+      </a:lnSpc>
+      <a:spcBef>
+        <a:spcPts val="0"/>
+      </a:spcBef>
+      <a:spcAft>
+        <a:spcPts val="0"/>
+      </a:spcAft>
+      <a:buClrTx/>
+      <a:buSzTx/>
+      <a:buFontTx/>
+      <a:buNone/>
+      <a:tabLst/>
+      <a:defRPr b="0" baseline="0" cap="none" i="0" spc="0" strike="noStrike" sz="3600" u="none" kumimoji="0" normalizeH="0">
+        <a:ln>
+          <a:noFill/>
+        </a:ln>
+        <a:solidFill>
+          <a:srgbClr val="000000"/>
+        </a:solidFill>
+        <a:effectLst/>
+        <a:uFillTx/>
         <a:latin typeface="+mn-lt"/>
         <a:ea typeface="+mn-ea"/>
         <a:cs typeface="+mn-cs"/>
         <a:sym typeface="Helvetica Light"/>
       </a:defRPr>
     </a:lvl2pPr>
-    <a:lvl3pPr indent="457200" algn="ctr" defTabSz="584200">
-      <a:defRPr sz="3600">
+    <a:lvl3pPr marL="0" marR="0" indent="457200" algn="ctr" defTabSz="584200" rtl="0" fontAlgn="auto" latinLnBrk="0" hangingPunct="0">
+      <a:lnSpc>
+        <a:spcPct val="100000"/>
+      </a:lnSpc>
+      <a:spcBef>
+        <a:spcPts val="0"/>
+      </a:spcBef>
+      <a:spcAft>
+        <a:spcPts val="0"/>
+      </a:spcAft>
+      <a:buClrTx/>
+      <a:buSzTx/>
+      <a:buFontTx/>
+      <a:buNone/>
+      <a:tabLst/>
+      <a:defRPr b="0" baseline="0" cap="none" i="0" spc="0" strike="noStrike" sz="3600" u="none" kumimoji="0" normalizeH="0">
+        <a:ln>
+          <a:noFill/>
+        </a:ln>
+        <a:solidFill>
+          <a:srgbClr val="000000"/>
+        </a:solidFill>
+        <a:effectLst/>
+        <a:uFillTx/>
         <a:latin typeface="+mn-lt"/>
         <a:ea typeface="+mn-ea"/>
         <a:cs typeface="+mn-cs"/>
         <a:sym typeface="Helvetica Light"/>
       </a:defRPr>
     </a:lvl3pPr>
-    <a:lvl4pPr indent="685800" algn="ctr" defTabSz="584200">
-      <a:defRPr sz="3600">
+    <a:lvl4pPr marL="0" marR="0" indent="685800" algn="ctr" defTabSz="584200" rtl="0" fontAlgn="auto" latinLnBrk="0" hangingPunct="0">
+      <a:lnSpc>
+        <a:spcPct val="100000"/>
+      </a:lnSpc>
+      <a:spcBef>
+        <a:spcPts val="0"/>
+      </a:spcBef>
+      <a:spcAft>
+        <a:spcPts val="0"/>
+      </a:spcAft>
+      <a:buClrTx/>
+      <a:buSzTx/>
+      <a:buFontTx/>
+      <a:buNone/>
+      <a:tabLst/>
+      <a:defRPr b="0" baseline="0" cap="none" i="0" spc="0" strike="noStrike" sz="3600" u="none" kumimoji="0" normalizeH="0">
+        <a:ln>
+          <a:noFill/>
+        </a:ln>
+        <a:solidFill>
+          <a:srgbClr val="000000"/>
+        </a:solidFill>
+        <a:effectLst/>
+        <a:uFillTx/>
         <a:latin typeface="+mn-lt"/>
         <a:ea typeface="+mn-ea"/>
         <a:cs typeface="+mn-cs"/>
         <a:sym typeface="Helvetica Light"/>
       </a:defRPr>
     </a:lvl4pPr>
-    <a:lvl5pPr indent="914400" algn="ctr" defTabSz="584200">
-      <a:defRPr sz="3600">
+    <a:lvl5pPr marL="0" marR="0" indent="914400" algn="ctr" defTabSz="584200" rtl="0" fontAlgn="auto" latinLnBrk="0" hangingPunct="0">
+      <a:lnSpc>
+        <a:spcPct val="100000"/>
+      </a:lnSpc>
+      <a:spcBef>
+        <a:spcPts val="0"/>
+      </a:spcBef>
+      <a:spcAft>
+        <a:spcPts val="0"/>
+      </a:spcAft>
+      <a:buClrTx/>
+      <a:buSzTx/>
+      <a:buFontTx/>
+      <a:buNone/>
+      <a:tabLst/>
+      <a:defRPr b="0" baseline="0" cap="none" i="0" spc="0" strike="noStrike" sz="3600" u="none" kumimoji="0" normalizeH="0">
+        <a:ln>
+          <a:noFill/>
+        </a:ln>
+        <a:solidFill>
+          <a:srgbClr val="000000"/>
+        </a:solidFill>
+        <a:effectLst/>
+        <a:uFillTx/>
         <a:latin typeface="+mn-lt"/>
         <a:ea typeface="+mn-ea"/>
         <a:cs typeface="+mn-cs"/>
         <a:sym typeface="Helvetica Light"/>
       </a:defRPr>
     </a:lvl5pPr>
-    <a:lvl6pPr indent="1143000" algn="ctr" defTabSz="584200">
-      <a:defRPr sz="3600">
+    <a:lvl6pPr marL="0" marR="0" indent="1143000" algn="ctr" defTabSz="584200" rtl="0" fontAlgn="auto" latinLnBrk="0" hangingPunct="0">
+      <a:lnSpc>
+        <a:spcPct val="100000"/>
+      </a:lnSpc>
+      <a:spcBef>
+        <a:spcPts val="0"/>
+      </a:spcBef>
+      <a:spcAft>
+        <a:spcPts val="0"/>
+      </a:spcAft>
+      <a:buClrTx/>
+      <a:buSzTx/>
+      <a:buFontTx/>
+      <a:buNone/>
+      <a:tabLst/>
+      <a:defRPr b="0" baseline="0" cap="none" i="0" spc="0" strike="noStrike" sz="3600" u="none" kumimoji="0" normalizeH="0">
+        <a:ln>
+          <a:noFill/>
+        </a:ln>
+        <a:solidFill>
+          <a:srgbClr val="000000"/>
+        </a:solidFill>
+        <a:effectLst/>
+        <a:uFillTx/>
         <a:latin typeface="+mn-lt"/>
         <a:ea typeface="+mn-ea"/>
         <a:cs typeface="+mn-cs"/>
         <a:sym typeface="Helvetica Light"/>
       </a:defRPr>
     </a:lvl6pPr>
-    <a:lvl7pPr indent="1371600" algn="ctr" defTabSz="584200">
-      <a:defRPr sz="3600">
+    <a:lvl7pPr marL="0" marR="0" indent="1371600" algn="ctr" defTabSz="584200" rtl="0" fontAlgn="auto" latinLnBrk="0" hangingPunct="0">
+      <a:lnSpc>
+        <a:spcPct val="100000"/>
+      </a:lnSpc>
+      <a:spcBef>
+        <a:spcPts val="0"/>
+      </a:spcBef>
+      <a:spcAft>
+        <a:spcPts val="0"/>
+      </a:spcAft>
+      <a:buClrTx/>
+      <a:buSzTx/>
+      <a:buFontTx/>
+      <a:buNone/>
+      <a:tabLst/>
+      <a:defRPr b="0" baseline="0" cap="none" i="0" spc="0" strike="noStrike" sz="3600" u="none" kumimoji="0" normalizeH="0">
+        <a:ln>
+          <a:noFill/>
+        </a:ln>
+        <a:solidFill>
+          <a:srgbClr val="000000"/>
+        </a:solidFill>
+        <a:effectLst/>
+        <a:uFillTx/>
         <a:latin typeface="+mn-lt"/>
         <a:ea typeface="+mn-ea"/>
         <a:cs typeface="+mn-cs"/>
         <a:sym typeface="Helvetica Light"/>
       </a:defRPr>
     </a:lvl7pPr>
-    <a:lvl8pPr indent="1600200" algn="ctr" defTabSz="584200">
-      <a:defRPr sz="3600">
+    <a:lvl8pPr marL="0" marR="0" indent="1600200" algn="ctr" defTabSz="584200" rtl="0" fontAlgn="auto" latinLnBrk="0" hangingPunct="0">
+      <a:lnSpc>
+        <a:spcPct val="100000"/>
+      </a:lnSpc>
+      <a:spcBef>
+        <a:spcPts val="0"/>
+      </a:spcBef>
+      <a:spcAft>
+        <a:spcPts val="0"/>
+      </a:spcAft>
+      <a:buClrTx/>
+      <a:buSzTx/>
+      <a:buFontTx/>
+      <a:buNone/>
+      <a:tabLst/>
+      <a:defRPr b="0" baseline="0" cap="none" i="0" spc="0" strike="noStrike" sz="3600" u="none" kumimoji="0" normalizeH="0">
+        <a:ln>
+          <a:noFill/>
+        </a:ln>
+        <a:solidFill>
+          <a:srgbClr val="000000"/>
+        </a:solidFill>
+        <a:effectLst/>
+        <a:uFillTx/>
         <a:latin typeface="+mn-lt"/>
         <a:ea typeface="+mn-ea"/>
         <a:cs typeface="+mn-cs"/>
         <a:sym typeface="Helvetica Light"/>
       </a:defRPr>
     </a:lvl8pPr>
-    <a:lvl9pPr indent="1828800" algn="ctr" defTabSz="584200">
-      <a:defRPr sz="3600">
+    <a:lvl9pPr marL="0" marR="0" indent="1828800" algn="ctr" defTabSz="584200" rtl="0" fontAlgn="auto" latinLnBrk="0" hangingPunct="0">
+      <a:lnSpc>
+        <a:spcPct val="100000"/>
+      </a:lnSpc>
+      <a:spcBef>
+        <a:spcPts val="0"/>
+      </a:spcBef>
+      <a:spcAft>
+        <a:spcPts val="0"/>
+      </a:spcAft>
+      <a:buClrTx/>
+      <a:buSzTx/>
+      <a:buFontTx/>
+      <a:buNone/>
+      <a:tabLst/>
+      <a:defRPr b="0" baseline="0" cap="none" i="0" spc="0" strike="noStrike" sz="3600" u="none" kumimoji="0" normalizeH="0">
+        <a:ln>
+          <a:noFill/>
+        </a:ln>
+        <a:solidFill>
+          <a:srgbClr val="000000"/>
+        </a:solidFill>
+        <a:effectLst/>
+        <a:uFillTx/>
         <a:latin typeface="+mn-lt"/>
         <a:ea typeface="+mn-ea"/>
         <a:cs typeface="+mn-cs"/>
@@ -96,14 +324,13 @@
 </p:presentation>
 </file>
 
+<file path=ppt/commentAuthors.xml><?xml version="1.0" encoding="utf-8"?>
+<p:cmAuthorLst xmlns:a="http://schemas.openxmlformats.org/drawingml/2006/main" xmlns:r="http://schemas.openxmlformats.org/officeDocument/2006/relationships" xmlns:p="http://schemas.openxmlformats.org/presentationml/2006/main"/>
+</file>
+
 <file path=ppt/notesMasters/notesMaster1.xml><?xml version="1.0" encoding="utf-8"?>
 <p:notesMaster xmlns:a="http://schemas.openxmlformats.org/drawingml/2006/main" xmlns:r="http://schemas.openxmlformats.org/officeDocument/2006/relationships" xmlns:p="http://schemas.openxmlformats.org/presentationml/2006/main">
   <p:cSld>
-    <p:bg>
-      <p:bgRef idx="1001">
-        <a:schemeClr val="bg1"/>
-      </p:bgRef>
-    </p:bg>
     <p:spTree>
       <p:nvGrpSpPr>
         <p:cNvPr id="1" name=""/>
@@ -120,10 +347,8 @@
       </p:grpSpPr>
       <p:sp>
         <p:nvSpPr>
-          <p:cNvPr id="29" name="Shape 29"/>
-          <p:cNvSpPr>
-            <a:spLocks noGrp="1" noRot="1" noChangeAspect="1"/>
-          </p:cNvSpPr>
+          <p:cNvPr id="116" name="Shape 116"/>
+          <p:cNvSpPr/>
           <p:nvPr>
             <p:ph type="sldImg"/>
           </p:nvPr>
@@ -141,17 +366,14 @@
           <a:bodyPr/>
           <a:lstStyle/>
           <a:p>
-            <a:pPr lvl="0"/>
-            <a:endParaRPr/>
+            <a:pPr/>
           </a:p>
         </p:txBody>
       </p:sp>
       <p:sp>
         <p:nvSpPr>
-          <p:cNvPr id="30" name="Shape 30"/>
-          <p:cNvSpPr>
-            <a:spLocks noGrp="1"/>
-          </p:cNvSpPr>
+          <p:cNvPr id="117" name="Shape 117"/>
+          <p:cNvSpPr/>
           <p:nvPr>
             <p:ph type="body" sz="quarter" idx="1"/>
           </p:nvPr>
@@ -169,21 +391,15 @@
           <a:bodyPr/>
           <a:lstStyle/>
           <a:p>
-            <a:pPr lvl="0"/>
-            <a:endParaRPr/>
+            <a:pPr/>
           </a:p>
         </p:txBody>
       </p:sp>
     </p:spTree>
-    <p:extLst>
-      <p:ext uri="{BB962C8B-B14F-4D97-AF65-F5344CB8AC3E}">
-        <p14:creationId xmlns:p14="http://schemas.microsoft.com/office/powerpoint/2010/main" val="1614860949"/>
-      </p:ext>
-    </p:extLst>
   </p:cSld>
   <p:clrMap bg1="lt1" tx1="dk1" bg2="lt2" tx2="dk2" accent1="accent1" accent2="accent2" accent3="accent3" accent4="accent4" accent5="accent5" accent6="accent6" hlink="hlink" folHlink="folHlink"/>
   <p:notesStyle>
-    <a:lvl1pPr defTabSz="457200">
+    <a:lvl1pPr defTabSz="457200" latinLnBrk="0">
       <a:lnSpc>
         <a:spcPct val="117999"/>
       </a:lnSpc>
@@ -194,7 +410,7 @@
         <a:sym typeface="Helvetica Neue"/>
       </a:defRPr>
     </a:lvl1pPr>
-    <a:lvl2pPr indent="228600" defTabSz="457200">
+    <a:lvl2pPr indent="228600" defTabSz="457200" latinLnBrk="0">
       <a:lnSpc>
         <a:spcPct val="117999"/>
       </a:lnSpc>
@@ -205,7 +421,7 @@
         <a:sym typeface="Helvetica Neue"/>
       </a:defRPr>
     </a:lvl2pPr>
-    <a:lvl3pPr indent="457200" defTabSz="457200">
+    <a:lvl3pPr indent="457200" defTabSz="457200" latinLnBrk="0">
       <a:lnSpc>
         <a:spcPct val="117999"/>
       </a:lnSpc>
@@ -216,7 +432,7 @@
         <a:sym typeface="Helvetica Neue"/>
       </a:defRPr>
     </a:lvl3pPr>
-    <a:lvl4pPr indent="685800" defTabSz="457200">
+    <a:lvl4pPr indent="685800" defTabSz="457200" latinLnBrk="0">
       <a:lnSpc>
         <a:spcPct val="117999"/>
       </a:lnSpc>
@@ -227,7 +443,7 @@
         <a:sym typeface="Helvetica Neue"/>
       </a:defRPr>
     </a:lvl4pPr>
-    <a:lvl5pPr indent="914400" defTabSz="457200">
+    <a:lvl5pPr indent="914400" defTabSz="457200" latinLnBrk="0">
       <a:lnSpc>
         <a:spcPct val="117999"/>
       </a:lnSpc>
@@ -238,7 +454,7 @@
         <a:sym typeface="Helvetica Neue"/>
       </a:defRPr>
     </a:lvl5pPr>
-    <a:lvl6pPr indent="1143000" defTabSz="457200">
+    <a:lvl6pPr indent="1143000" defTabSz="457200" latinLnBrk="0">
       <a:lnSpc>
         <a:spcPct val="117999"/>
       </a:lnSpc>
@@ -249,7 +465,7 @@
         <a:sym typeface="Helvetica Neue"/>
       </a:defRPr>
     </a:lvl6pPr>
-    <a:lvl7pPr indent="1371600" defTabSz="457200">
+    <a:lvl7pPr indent="1371600" defTabSz="457200" latinLnBrk="0">
       <a:lnSpc>
         <a:spcPct val="117999"/>
       </a:lnSpc>
@@ -260,7 +476,7 @@
         <a:sym typeface="Helvetica Neue"/>
       </a:defRPr>
     </a:lvl7pPr>
-    <a:lvl8pPr indent="1600200" defTabSz="457200">
+    <a:lvl8pPr indent="1600200" defTabSz="457200" latinLnBrk="0">
       <a:lnSpc>
         <a:spcPct val="117999"/>
       </a:lnSpc>
@@ -271,7 +487,7 @@
         <a:sym typeface="Helvetica Neue"/>
       </a:defRPr>
     </a:lvl8pPr>
-    <a:lvl9pPr indent="1828800" defTabSz="457200">
+    <a:lvl9pPr indent="1828800" defTabSz="457200" latinLnBrk="0">
       <a:lnSpc>
         <a:spcPct val="117999"/>
       </a:lnSpc>
@@ -287,7 +503,7 @@
 </file>
 
 <file path=ppt/slideLayouts/slideLayout1.xml><?xml version="1.0" encoding="utf-8"?>
-<p:sldLayout xmlns:a="http://schemas.openxmlformats.org/drawingml/2006/main" xmlns:r="http://schemas.openxmlformats.org/officeDocument/2006/relationships" xmlns:p="http://schemas.openxmlformats.org/presentationml/2006/main" type="tx">
+<p:sldLayout xmlns:a="http://schemas.openxmlformats.org/drawingml/2006/main" xmlns:r="http://schemas.openxmlformats.org/officeDocument/2006/relationships" xmlns:p="http://schemas.openxmlformats.org/presentationml/2006/main" type="title" showMasterSp="1" showMasterPhAnim="1">
   <p:cSld name="Title &amp; Subtitle">
     <p:spTree>
       <p:nvGrpSpPr>
@@ -305,10 +521,8 @@
       </p:grpSpPr>
       <p:sp>
         <p:nvSpPr>
-          <p:cNvPr id="5" name="Shape 5"/>
-          <p:cNvSpPr>
-            <a:spLocks noGrp="1"/>
-          </p:cNvSpPr>
+          <p:cNvPr id="11" name="Shape 11"/>
+          <p:cNvSpPr/>
           <p:nvPr>
             <p:ph type="title"/>
           </p:nvPr>
@@ -326,11 +540,8 @@
           <a:bodyPr anchor="b"/>
           <a:lstStyle/>
           <a:p>
-            <a:pPr lvl="0">
-              <a:defRPr sz="1800"/>
-            </a:pPr>
-            <a:r>
-              <a:rPr sz="8000"/>
+            <a:pPr/>
+            <a:r>
               <a:t>Title Text</a:t>
             </a:r>
           </a:p>
@@ -338,12 +549,10 @@
       </p:sp>
       <p:sp>
         <p:nvSpPr>
-          <p:cNvPr id="6" name="Shape 6"/>
-          <p:cNvSpPr>
-            <a:spLocks noGrp="1"/>
-          </p:cNvSpPr>
+          <p:cNvPr id="12" name="Shape 12"/>
+          <p:cNvSpPr/>
           <p:nvPr>
-            <p:ph type="body" idx="1"/>
+            <p:ph type="body" sz="quarter" idx="1"/>
           </p:nvPr>
         </p:nvSpPr>
         <p:spPr>
@@ -400,49 +609,56 @@
             </a:lvl5pPr>
           </a:lstStyle>
           <a:p>
-            <a:pPr lvl="0">
-              <a:defRPr sz="1800"/>
-            </a:pPr>
-            <a:r>
-              <a:rPr sz="3200"/>
+            <a:pPr/>
+            <a:r>
               <a:t>Body Level One</a:t>
             </a:r>
           </a:p>
           <a:p>
-            <a:pPr lvl="1">
-              <a:defRPr sz="1800"/>
-            </a:pPr>
-            <a:r>
-              <a:rPr sz="3200"/>
+            <a:pPr lvl="1"/>
+            <a:r>
               <a:t>Body Level Two</a:t>
             </a:r>
           </a:p>
           <a:p>
-            <a:pPr lvl="2">
-              <a:defRPr sz="1800"/>
-            </a:pPr>
-            <a:r>
-              <a:rPr sz="3200"/>
+            <a:pPr lvl="2"/>
+            <a:r>
               <a:t>Body Level Three</a:t>
             </a:r>
           </a:p>
           <a:p>
-            <a:pPr lvl="3">
-              <a:defRPr sz="1800"/>
-            </a:pPr>
-            <a:r>
-              <a:rPr sz="3200"/>
+            <a:pPr lvl="3"/>
+            <a:r>
               <a:t>Body Level Four</a:t>
             </a:r>
           </a:p>
           <a:p>
-            <a:pPr lvl="4">
-              <a:defRPr sz="1800"/>
-            </a:pPr>
-            <a:r>
-              <a:rPr sz="3200"/>
+            <a:pPr lvl="4"/>
+            <a:r>
               <a:t>Body Level Five</a:t>
             </a:r>
+          </a:p>
+        </p:txBody>
+      </p:sp>
+      <p:sp>
+        <p:nvSpPr>
+          <p:cNvPr id="13" name="Shape 13"/>
+          <p:cNvSpPr/>
+          <p:nvPr>
+            <p:ph type="sldNum" sz="quarter" idx="2"/>
+          </p:nvPr>
+        </p:nvSpPr>
+        <p:spPr>
+          <a:prstGeom prst="rect">
+            <a:avLst/>
+          </a:prstGeom>
+        </p:spPr>
+        <p:txBody>
+          <a:bodyPr/>
+          <a:lstStyle/>
+          <a:p>
+            <a:pPr/>
+            <a:fld id="{86CB4B4D-7CA3-9044-876B-883B54F8677D}" type="slidenum"/>
           </a:p>
         </p:txBody>
       </p:sp>
@@ -451,12 +667,12 @@
   <p:clrMapOvr>
     <a:masterClrMapping/>
   </p:clrMapOvr>
-  <p:transition spd="med"/>
+  <p:transition xmlns:p14="http://schemas.microsoft.com/office/powerpoint/2010/main" spd="med" advClick="1"/>
 </p:sldLayout>
 </file>
 
 <file path=ppt/slideLayouts/slideLayout10.xml><?xml version="1.0" encoding="utf-8"?>
-<p:sldLayout xmlns:a="http://schemas.openxmlformats.org/drawingml/2006/main" xmlns:r="http://schemas.openxmlformats.org/officeDocument/2006/relationships" xmlns:p="http://schemas.openxmlformats.org/presentationml/2006/main" type="tx">
+<p:sldLayout xmlns:a="http://schemas.openxmlformats.org/drawingml/2006/main" xmlns:r="http://schemas.openxmlformats.org/officeDocument/2006/relationships" xmlns:p="http://schemas.openxmlformats.org/presentationml/2006/main" type="tx" showMasterSp="1" showMasterPhAnim="1">
   <p:cSld name="Quote">
     <p:spTree>
       <p:nvGrpSpPr>
@@ -472,17 +688,117 @@
           <a:chExt cx="0" cy="0"/>
         </a:xfrm>
       </p:grpSpPr>
+      <p:sp>
+        <p:nvSpPr>
+          <p:cNvPr id="93" name="Shape 93"/>
+          <p:cNvSpPr/>
+          <p:nvPr>
+            <p:ph type="body" sz="quarter" idx="13"/>
+          </p:nvPr>
+        </p:nvSpPr>
+        <p:spPr>
+          <a:xfrm>
+            <a:off x="1270000" y="6362700"/>
+            <a:ext cx="10464800" cy="469900"/>
+          </a:xfrm>
+          <a:prstGeom prst="rect">
+            <a:avLst/>
+          </a:prstGeom>
+        </p:spPr>
+        <p:txBody>
+          <a:bodyPr anchor="t">
+            <a:spAutoFit/>
+          </a:bodyPr>
+          <a:lstStyle>
+            <a:lvl1pPr marL="0" indent="0" algn="ctr">
+              <a:spcBef>
+                <a:spcPts val="0"/>
+              </a:spcBef>
+              <a:buSzTx/>
+              <a:buNone/>
+              <a:defRPr sz="2400"/>
+            </a:lvl1pPr>
+          </a:lstStyle>
+          <a:p>
+            <a:pPr/>
+            <a:r>
+              <a:t>–Johnny Appleseed</a:t>
+            </a:r>
+          </a:p>
+        </p:txBody>
+      </p:sp>
+      <p:sp>
+        <p:nvSpPr>
+          <p:cNvPr id="94" name="Shape 94"/>
+          <p:cNvSpPr/>
+          <p:nvPr>
+            <p:ph type="body" sz="quarter" idx="14"/>
+          </p:nvPr>
+        </p:nvSpPr>
+        <p:spPr>
+          <a:xfrm>
+            <a:off x="1270000" y="4267200"/>
+            <a:ext cx="10464800" cy="685800"/>
+          </a:xfrm>
+          <a:prstGeom prst="rect">
+            <a:avLst/>
+          </a:prstGeom>
+        </p:spPr>
+        <p:txBody>
+          <a:bodyPr>
+            <a:spAutoFit/>
+          </a:bodyPr>
+          <a:lstStyle>
+            <a:lvl1pPr marL="0" indent="0" algn="ctr">
+              <a:spcBef>
+                <a:spcPts val="0"/>
+              </a:spcBef>
+              <a:buSzTx/>
+              <a:buNone/>
+              <a:defRPr sz="3800"/>
+            </a:lvl1pPr>
+          </a:lstStyle>
+          <a:p>
+            <a:pPr/>
+            <a:r>
+              <a:t>“Type a quote here.” </a:t>
+            </a:r>
+          </a:p>
+        </p:txBody>
+      </p:sp>
+      <p:sp>
+        <p:nvSpPr>
+          <p:cNvPr id="95" name="Shape 95"/>
+          <p:cNvSpPr/>
+          <p:nvPr>
+            <p:ph type="sldNum" sz="quarter" idx="2"/>
+          </p:nvPr>
+        </p:nvSpPr>
+        <p:spPr>
+          <a:prstGeom prst="rect">
+            <a:avLst/>
+          </a:prstGeom>
+        </p:spPr>
+        <p:txBody>
+          <a:bodyPr/>
+          <a:lstStyle/>
+          <a:p>
+            <a:pPr/>
+            <a:fld id="{86CB4B4D-7CA3-9044-876B-883B54F8677D}" type="slidenum"/>
+          </a:p>
+        </p:txBody>
+      </p:sp>
     </p:spTree>
   </p:cSld>
   <p:clrMapOvr>
     <a:masterClrMapping/>
   </p:clrMapOvr>
-  <p:transition spd="med"/>
+  <p:transition xmlns:p14="http://schemas.microsoft.com/office/powerpoint/2010/main" spd="med" advClick="1"/>
 </p:sldLayout>
 </file>
 
 <file path=ppt/slideLayouts/slideLayout11.xml><?xml version="1.0" encoding="utf-8"?>
-<p:sldLayout xmlns:a="http://schemas.openxmlformats.org/drawingml/2006/main" xmlns:r="http://schemas.openxmlformats.org/officeDocument/2006/relationships" xmlns:p="http://schemas.openxmlformats.org/presentationml/2006/main" type="tx">
+<p:sldLayout xmlns:a="http://schemas.openxmlformats.org/drawingml/2006/main" xmlns:r="http://schemas.openxmlformats.org/officeDocument/2006/relationships" xmlns:p="http://schemas.openxmlformats.org/presentationml/2006/main" type="tx" showMasterSp="1" showMasterPhAnim="1">
   <p:cSld name="Photo">
     <p:spTree>
       <p:nvGrpSpPr>
@@ -498,17 +814,66 @@
           <a:chExt cx="0" cy="0"/>
         </a:xfrm>
       </p:grpSpPr>
+      <p:sp>
+        <p:nvSpPr>
+          <p:cNvPr id="102" name="Shape 102"/>
+          <p:cNvSpPr/>
+          <p:nvPr>
+            <p:ph type="pic" idx="13"/>
+          </p:nvPr>
+        </p:nvSpPr>
+        <p:spPr>
+          <a:xfrm>
+            <a:off x="0" y="0"/>
+            <a:ext cx="13004800" cy="9753600"/>
+          </a:xfrm>
+          <a:prstGeom prst="rect">
+            <a:avLst/>
+          </a:prstGeom>
+        </p:spPr>
+        <p:txBody>
+          <a:bodyPr lIns="91439" tIns="45719" rIns="91439" bIns="45719" anchor="t">
+            <a:noAutofit/>
+          </a:bodyPr>
+          <a:lstStyle/>
+          <a:p>
+            <a:pPr/>
+          </a:p>
+        </p:txBody>
+      </p:sp>
+      <p:sp>
+        <p:nvSpPr>
+          <p:cNvPr id="103" name="Shape 103"/>
+          <p:cNvSpPr/>
+          <p:nvPr>
+            <p:ph type="sldNum" sz="quarter" idx="2"/>
+          </p:nvPr>
+        </p:nvSpPr>
+        <p:spPr>
+          <a:prstGeom prst="rect">
+            <a:avLst/>
+          </a:prstGeom>
+        </p:spPr>
+        <p:txBody>
+          <a:bodyPr/>
+          <a:lstStyle/>
+          <a:p>
+            <a:pPr/>
+            <a:fld id="{86CB4B4D-7CA3-9044-876B-883B54F8677D}" type="slidenum"/>
+          </a:p>
+        </p:txBody>
+      </p:sp>
     </p:spTree>
   </p:cSld>
   <p:clrMapOvr>
     <a:masterClrMapping/>
   </p:clrMapOvr>
-  <p:transition spd="med"/>
+  <p:transition xmlns:p14="http://schemas.microsoft.com/office/powerpoint/2010/main" spd="med" advClick="1"/>
 </p:sldLayout>
 </file>
 
 <file path=ppt/slideLayouts/slideLayout12.xml><?xml version="1.0" encoding="utf-8"?>
-<p:sldLayout xmlns:a="http://schemas.openxmlformats.org/drawingml/2006/main" xmlns:r="http://schemas.openxmlformats.org/officeDocument/2006/relationships" xmlns:p="http://schemas.openxmlformats.org/presentationml/2006/main" type="tx">
+<p:sldLayout xmlns:a="http://schemas.openxmlformats.org/drawingml/2006/main" xmlns:r="http://schemas.openxmlformats.org/officeDocument/2006/relationships" xmlns:p="http://schemas.openxmlformats.org/presentationml/2006/main" type="tx" showMasterSp="1" showMasterPhAnim="1">
   <p:cSld name="Blank">
     <p:spTree>
       <p:nvGrpSpPr>
@@ -524,17 +889,39 @@
           <a:chExt cx="0" cy="0"/>
         </a:xfrm>
       </p:grpSpPr>
+      <p:sp>
+        <p:nvSpPr>
+          <p:cNvPr id="110" name="Shape 110"/>
+          <p:cNvSpPr/>
+          <p:nvPr>
+            <p:ph type="sldNum" sz="quarter" idx="2"/>
+          </p:nvPr>
+        </p:nvSpPr>
+        <p:spPr>
+          <a:prstGeom prst="rect">
+            <a:avLst/>
+          </a:prstGeom>
+        </p:spPr>
+        <p:txBody>
+          <a:bodyPr/>
+          <a:lstStyle/>
+          <a:p>
+            <a:pPr/>
+            <a:fld id="{86CB4B4D-7CA3-9044-876B-883B54F8677D}" type="slidenum"/>
+          </a:p>
+        </p:txBody>
+      </p:sp>
     </p:spTree>
   </p:cSld>
   <p:clrMapOvr>
     <a:masterClrMapping/>
   </p:clrMapOvr>
-  <p:transition spd="med"/>
+  <p:transition xmlns:p14="http://schemas.microsoft.com/office/powerpoint/2010/main" spd="med" advClick="1"/>
 </p:sldLayout>
 </file>
 
 <file path=ppt/slideLayouts/slideLayout2.xml><?xml version="1.0" encoding="utf-8"?>
-<p:sldLayout xmlns:a="http://schemas.openxmlformats.org/drawingml/2006/main" xmlns:r="http://schemas.openxmlformats.org/officeDocument/2006/relationships" xmlns:p="http://schemas.openxmlformats.org/presentationml/2006/main" type="tx">
+<p:sldLayout xmlns:a="http://schemas.openxmlformats.org/drawingml/2006/main" xmlns:r="http://schemas.openxmlformats.org/officeDocument/2006/relationships" xmlns:p="http://schemas.openxmlformats.org/presentationml/2006/main" type="tx" showMasterSp="1" showMasterPhAnim="1">
   <p:cSld name="Photo - Horizontal">
     <p:spTree>
       <p:nvGrpSpPr>
@@ -552,10 +939,35 @@
       </p:grpSpPr>
       <p:sp>
         <p:nvSpPr>
-          <p:cNvPr id="8" name="Shape 8"/>
-          <p:cNvSpPr>
-            <a:spLocks noGrp="1"/>
-          </p:cNvSpPr>
+          <p:cNvPr id="20" name="Shape 20"/>
+          <p:cNvSpPr/>
+          <p:nvPr>
+            <p:ph type="pic" idx="13"/>
+          </p:nvPr>
+        </p:nvSpPr>
+        <p:spPr>
+          <a:xfrm>
+            <a:off x="1606550" y="635000"/>
+            <a:ext cx="9779000" cy="5918200"/>
+          </a:xfrm>
+          <a:prstGeom prst="rect">
+            <a:avLst/>
+          </a:prstGeom>
+        </p:spPr>
+        <p:txBody>
+          <a:bodyPr lIns="91439" tIns="45719" rIns="91439" bIns="45719" anchor="t">
+            <a:noAutofit/>
+          </a:bodyPr>
+          <a:lstStyle/>
+          <a:p>
+            <a:pPr/>
+          </a:p>
+        </p:txBody>
+      </p:sp>
+      <p:sp>
+        <p:nvSpPr>
+          <p:cNvPr id="21" name="Shape 21"/>
+          <p:cNvSpPr/>
           <p:nvPr>
             <p:ph type="title"/>
           </p:nvPr>
@@ -573,11 +985,8 @@
           <a:bodyPr anchor="b"/>
           <a:lstStyle/>
           <a:p>
-            <a:pPr lvl="0">
-              <a:defRPr sz="1800"/>
-            </a:pPr>
-            <a:r>
-              <a:rPr sz="8000"/>
+            <a:pPr/>
+            <a:r>
               <a:t>Title Text</a:t>
             </a:r>
           </a:p>
@@ -585,12 +994,10 @@
       </p:sp>
       <p:sp>
         <p:nvSpPr>
-          <p:cNvPr id="9" name="Shape 9"/>
-          <p:cNvSpPr>
-            <a:spLocks noGrp="1"/>
-          </p:cNvSpPr>
+          <p:cNvPr id="22" name="Shape 22"/>
+          <p:cNvSpPr/>
           <p:nvPr>
-            <p:ph type="body" idx="1"/>
+            <p:ph type="body" sz="quarter" idx="1"/>
           </p:nvPr>
         </p:nvSpPr>
         <p:spPr>
@@ -647,49 +1054,60 @@
             </a:lvl5pPr>
           </a:lstStyle>
           <a:p>
-            <a:pPr lvl="0">
-              <a:defRPr sz="1800"/>
-            </a:pPr>
-            <a:r>
-              <a:rPr sz="3200"/>
+            <a:pPr/>
+            <a:r>
               <a:t>Body Level One</a:t>
             </a:r>
           </a:p>
           <a:p>
-            <a:pPr lvl="1">
-              <a:defRPr sz="1800"/>
-            </a:pPr>
-            <a:r>
-              <a:rPr sz="3200"/>
+            <a:pPr lvl="1"/>
+            <a:r>
               <a:t>Body Level Two</a:t>
             </a:r>
           </a:p>
           <a:p>
-            <a:pPr lvl="2">
-              <a:defRPr sz="1800"/>
-            </a:pPr>
-            <a:r>
-              <a:rPr sz="3200"/>
+            <a:pPr lvl="2"/>
+            <a:r>
               <a:t>Body Level Three</a:t>
             </a:r>
           </a:p>
           <a:p>
-            <a:pPr lvl="3">
-              <a:defRPr sz="1800"/>
-            </a:pPr>
-            <a:r>
-              <a:rPr sz="3200"/>
+            <a:pPr lvl="3"/>
+            <a:r>
               <a:t>Body Level Four</a:t>
             </a:r>
           </a:p>
           <a:p>
-            <a:pPr lvl="4">
-              <a:defRPr sz="1800"/>
-            </a:pPr>
-            <a:r>
-              <a:rPr sz="3200"/>
+            <a:pPr lvl="4"/>
+            <a:r>
               <a:t>Body Level Five</a:t>
             </a:r>
+          </a:p>
+        </p:txBody>
+      </p:sp>
+      <p:sp>
+        <p:nvSpPr>
+          <p:cNvPr id="23" name="Shape 23"/>
+          <p:cNvSpPr/>
+          <p:nvPr>
+            <p:ph type="sldNum" sz="quarter" idx="2"/>
+          </p:nvPr>
+        </p:nvSpPr>
+        <p:spPr>
+          <a:xfrm>
+            <a:off x="6311798" y="9245600"/>
+            <a:ext cx="368504" cy="381000"/>
+          </a:xfrm>
+          <a:prstGeom prst="rect">
+            <a:avLst/>
+          </a:prstGeom>
+        </p:spPr>
+        <p:txBody>
+          <a:bodyPr/>
+          <a:lstStyle/>
+          <a:p>
+            <a:pPr/>
+            <a:fld id="{86CB4B4D-7CA3-9044-876B-883B54F8677D}" type="slidenum"/>
           </a:p>
         </p:txBody>
       </p:sp>
@@ -698,12 +1116,12 @@
   <p:clrMapOvr>
     <a:masterClrMapping/>
   </p:clrMapOvr>
-  <p:transition spd="med"/>
+  <p:transition xmlns:p14="http://schemas.microsoft.com/office/powerpoint/2010/main" spd="med" advClick="1"/>
 </p:sldLayout>
 </file>
 
 <file path=ppt/slideLayouts/slideLayout3.xml><?xml version="1.0" encoding="utf-8"?>
-<p:sldLayout xmlns:a="http://schemas.openxmlformats.org/drawingml/2006/main" xmlns:r="http://schemas.openxmlformats.org/officeDocument/2006/relationships" xmlns:p="http://schemas.openxmlformats.org/presentationml/2006/main" type="tx">
+<p:sldLayout xmlns:a="http://schemas.openxmlformats.org/drawingml/2006/main" xmlns:r="http://schemas.openxmlformats.org/officeDocument/2006/relationships" xmlns:p="http://schemas.openxmlformats.org/presentationml/2006/main" type="tx" showMasterSp="1" showMasterPhAnim="1">
   <p:cSld name="Title - Center">
     <p:spTree>
       <p:nvGrpSpPr>
@@ -721,10 +1139,8 @@
       </p:grpSpPr>
       <p:sp>
         <p:nvSpPr>
-          <p:cNvPr id="11" name="Shape 11"/>
-          <p:cNvSpPr>
-            <a:spLocks noGrp="1"/>
-          </p:cNvSpPr>
+          <p:cNvPr id="30" name="Shape 30"/>
+          <p:cNvSpPr/>
           <p:nvPr>
             <p:ph type="title"/>
           </p:nvPr>
@@ -742,13 +1158,32 @@
           <a:bodyPr/>
           <a:lstStyle/>
           <a:p>
-            <a:pPr lvl="0">
-              <a:defRPr sz="1800"/>
-            </a:pPr>
-            <a:r>
-              <a:rPr sz="8000"/>
+            <a:pPr/>
+            <a:r>
               <a:t>Title Text</a:t>
             </a:r>
+          </a:p>
+        </p:txBody>
+      </p:sp>
+      <p:sp>
+        <p:nvSpPr>
+          <p:cNvPr id="31" name="Shape 31"/>
+          <p:cNvSpPr/>
+          <p:nvPr>
+            <p:ph type="sldNum" sz="quarter" idx="2"/>
+          </p:nvPr>
+        </p:nvSpPr>
+        <p:spPr>
+          <a:prstGeom prst="rect">
+            <a:avLst/>
+          </a:prstGeom>
+        </p:spPr>
+        <p:txBody>
+          <a:bodyPr/>
+          <a:lstStyle/>
+          <a:p>
+            <a:pPr/>
+            <a:fld id="{86CB4B4D-7CA3-9044-876B-883B54F8677D}" type="slidenum"/>
           </a:p>
         </p:txBody>
       </p:sp>
@@ -757,12 +1192,12 @@
   <p:clrMapOvr>
     <a:masterClrMapping/>
   </p:clrMapOvr>
-  <p:transition spd="med"/>
+  <p:transition xmlns:p14="http://schemas.microsoft.com/office/powerpoint/2010/main" spd="med" advClick="1"/>
 </p:sldLayout>
 </file>
 
 <file path=ppt/slideLayouts/slideLayout4.xml><?xml version="1.0" encoding="utf-8"?>
-<p:sldLayout xmlns:a="http://schemas.openxmlformats.org/drawingml/2006/main" xmlns:r="http://schemas.openxmlformats.org/officeDocument/2006/relationships" xmlns:p="http://schemas.openxmlformats.org/presentationml/2006/main" type="tx">
+<p:sldLayout xmlns:a="http://schemas.openxmlformats.org/drawingml/2006/main" xmlns:r="http://schemas.openxmlformats.org/officeDocument/2006/relationships" xmlns:p="http://schemas.openxmlformats.org/presentationml/2006/main" type="tx" showMasterSp="1" showMasterPhAnim="1">
   <p:cSld name="Photo - Vertical">
     <p:spTree>
       <p:nvGrpSpPr>
@@ -780,10 +1215,35 @@
       </p:grpSpPr>
       <p:sp>
         <p:nvSpPr>
-          <p:cNvPr id="13" name="Shape 13"/>
-          <p:cNvSpPr>
-            <a:spLocks noGrp="1"/>
-          </p:cNvSpPr>
+          <p:cNvPr id="38" name="Shape 38"/>
+          <p:cNvSpPr/>
+          <p:nvPr>
+            <p:ph type="pic" sz="half" idx="13"/>
+          </p:nvPr>
+        </p:nvSpPr>
+        <p:spPr>
+          <a:xfrm>
+            <a:off x="6718300" y="635000"/>
+            <a:ext cx="5334000" cy="8229600"/>
+          </a:xfrm>
+          <a:prstGeom prst="rect">
+            <a:avLst/>
+          </a:prstGeom>
+        </p:spPr>
+        <p:txBody>
+          <a:bodyPr lIns="91439" tIns="45719" rIns="91439" bIns="45719" anchor="t">
+            <a:noAutofit/>
+          </a:bodyPr>
+          <a:lstStyle/>
+          <a:p>
+            <a:pPr/>
+          </a:p>
+        </p:txBody>
+      </p:sp>
+      <p:sp>
+        <p:nvSpPr>
+          <p:cNvPr id="39" name="Shape 39"/>
+          <p:cNvSpPr/>
           <p:nvPr>
             <p:ph type="title"/>
           </p:nvPr>
@@ -805,11 +1265,8 @@
             </a:lvl1pPr>
           </a:lstStyle>
           <a:p>
-            <a:pPr lvl="0">
-              <a:defRPr sz="1800"/>
-            </a:pPr>
-            <a:r>
-              <a:rPr sz="6000"/>
+            <a:pPr/>
+            <a:r>
               <a:t>Title Text</a:t>
             </a:r>
           </a:p>
@@ -817,12 +1274,10 @@
       </p:sp>
       <p:sp>
         <p:nvSpPr>
-          <p:cNvPr id="14" name="Shape 14"/>
-          <p:cNvSpPr>
-            <a:spLocks noGrp="1"/>
-          </p:cNvSpPr>
+          <p:cNvPr id="40" name="Shape 40"/>
+          <p:cNvSpPr/>
           <p:nvPr>
-            <p:ph type="body" idx="1"/>
+            <p:ph type="body" sz="quarter" idx="1"/>
           </p:nvPr>
         </p:nvSpPr>
         <p:spPr>
@@ -879,49 +1334,56 @@
             </a:lvl5pPr>
           </a:lstStyle>
           <a:p>
-            <a:pPr lvl="0">
-              <a:defRPr sz="1800"/>
-            </a:pPr>
-            <a:r>
-              <a:rPr sz="3200"/>
+            <a:pPr/>
+            <a:r>
               <a:t>Body Level One</a:t>
             </a:r>
           </a:p>
           <a:p>
-            <a:pPr lvl="1">
-              <a:defRPr sz="1800"/>
-            </a:pPr>
-            <a:r>
-              <a:rPr sz="3200"/>
+            <a:pPr lvl="1"/>
+            <a:r>
               <a:t>Body Level Two</a:t>
             </a:r>
           </a:p>
           <a:p>
-            <a:pPr lvl="2">
-              <a:defRPr sz="1800"/>
-            </a:pPr>
-            <a:r>
-              <a:rPr sz="3200"/>
+            <a:pPr lvl="2"/>
+            <a:r>
               <a:t>Body Level Three</a:t>
             </a:r>
           </a:p>
           <a:p>
-            <a:pPr lvl="3">
-              <a:defRPr sz="1800"/>
-            </a:pPr>
-            <a:r>
-              <a:rPr sz="3200"/>
+            <a:pPr lvl="3"/>
+            <a:r>
               <a:t>Body Level Four</a:t>
             </a:r>
           </a:p>
           <a:p>
-            <a:pPr lvl="4">
-              <a:defRPr sz="1800"/>
-            </a:pPr>
-            <a:r>
-              <a:rPr sz="3200"/>
+            <a:pPr lvl="4"/>
+            <a:r>
               <a:t>Body Level Five</a:t>
             </a:r>
+          </a:p>
+        </p:txBody>
+      </p:sp>
+      <p:sp>
+        <p:nvSpPr>
+          <p:cNvPr id="41" name="Shape 41"/>
+          <p:cNvSpPr/>
+          <p:nvPr>
+            <p:ph type="sldNum" sz="quarter" idx="2"/>
+          </p:nvPr>
+        </p:nvSpPr>
+        <p:spPr>
+          <a:prstGeom prst="rect">
+            <a:avLst/>
+          </a:prstGeom>
+        </p:spPr>
+        <p:txBody>
+          <a:bodyPr/>
+          <a:lstStyle/>
+          <a:p>
+            <a:pPr/>
+            <a:fld id="{86CB4B4D-7CA3-9044-876B-883B54F8677D}" type="slidenum"/>
           </a:p>
         </p:txBody>
       </p:sp>
@@ -930,12 +1392,12 @@
   <p:clrMapOvr>
     <a:masterClrMapping/>
   </p:clrMapOvr>
-  <p:transition spd="med"/>
+  <p:transition xmlns:p14="http://schemas.microsoft.com/office/powerpoint/2010/main" spd="med" advClick="1"/>
 </p:sldLayout>
 </file>
 
 <file path=ppt/slideLayouts/slideLayout5.xml><?xml version="1.0" encoding="utf-8"?>
-<p:sldLayout xmlns:a="http://schemas.openxmlformats.org/drawingml/2006/main" xmlns:r="http://schemas.openxmlformats.org/officeDocument/2006/relationships" xmlns:p="http://schemas.openxmlformats.org/presentationml/2006/main" type="tx">
+<p:sldLayout xmlns:a="http://schemas.openxmlformats.org/drawingml/2006/main" xmlns:r="http://schemas.openxmlformats.org/officeDocument/2006/relationships" xmlns:p="http://schemas.openxmlformats.org/presentationml/2006/main" type="tx" showMasterSp="1" showMasterPhAnim="1">
   <p:cSld name="Title - Top">
     <p:spTree>
       <p:nvGrpSpPr>
@@ -953,10 +1415,8 @@
       </p:grpSpPr>
       <p:sp>
         <p:nvSpPr>
-          <p:cNvPr id="16" name="Shape 16"/>
-          <p:cNvSpPr>
-            <a:spLocks noGrp="1"/>
-          </p:cNvSpPr>
+          <p:cNvPr id="48" name="Shape 48"/>
+          <p:cNvSpPr/>
           <p:nvPr>
             <p:ph type="title"/>
           </p:nvPr>
@@ -970,13 +1430,32 @@
           <a:bodyPr/>
           <a:lstStyle/>
           <a:p>
-            <a:pPr lvl="0">
-              <a:defRPr sz="1800"/>
-            </a:pPr>
-            <a:r>
-              <a:rPr sz="8000"/>
+            <a:pPr/>
+            <a:r>
               <a:t>Title Text</a:t>
             </a:r>
+          </a:p>
+        </p:txBody>
+      </p:sp>
+      <p:sp>
+        <p:nvSpPr>
+          <p:cNvPr id="49" name="Shape 49"/>
+          <p:cNvSpPr/>
+          <p:nvPr>
+            <p:ph type="sldNum" sz="quarter" idx="2"/>
+          </p:nvPr>
+        </p:nvSpPr>
+        <p:spPr>
+          <a:prstGeom prst="rect">
+            <a:avLst/>
+          </a:prstGeom>
+        </p:spPr>
+        <p:txBody>
+          <a:bodyPr/>
+          <a:lstStyle/>
+          <a:p>
+            <a:pPr/>
+            <a:fld id="{86CB4B4D-7CA3-9044-876B-883B54F8677D}" type="slidenum"/>
           </a:p>
         </p:txBody>
       </p:sp>
@@ -985,12 +1464,12 @@
   <p:clrMapOvr>
     <a:masterClrMapping/>
   </p:clrMapOvr>
-  <p:transition spd="med"/>
+  <p:transition xmlns:p14="http://schemas.microsoft.com/office/powerpoint/2010/main" spd="med" advClick="1"/>
 </p:sldLayout>
 </file>
 
 <file path=ppt/slideLayouts/slideLayout6.xml><?xml version="1.0" encoding="utf-8"?>
-<p:sldLayout xmlns:a="http://schemas.openxmlformats.org/drawingml/2006/main" xmlns:r="http://schemas.openxmlformats.org/officeDocument/2006/relationships" xmlns:p="http://schemas.openxmlformats.org/presentationml/2006/main" type="tx">
+<p:sldLayout xmlns:a="http://schemas.openxmlformats.org/drawingml/2006/main" xmlns:r="http://schemas.openxmlformats.org/officeDocument/2006/relationships" xmlns:p="http://schemas.openxmlformats.org/presentationml/2006/main" type="tx" showMasterSp="1" showMasterPhAnim="1">
   <p:cSld name="Title &amp; Bullets">
     <p:spTree>
       <p:nvGrpSpPr>
@@ -1008,10 +1487,8 @@
       </p:grpSpPr>
       <p:sp>
         <p:nvSpPr>
-          <p:cNvPr id="18" name="Shape 18"/>
-          <p:cNvSpPr>
-            <a:spLocks noGrp="1"/>
-          </p:cNvSpPr>
+          <p:cNvPr id="56" name="Shape 56"/>
+          <p:cNvSpPr/>
           <p:nvPr>
             <p:ph type="title"/>
           </p:nvPr>
@@ -1025,11 +1502,8 @@
           <a:bodyPr/>
           <a:lstStyle/>
           <a:p>
-            <a:pPr lvl="0">
-              <a:defRPr sz="1800"/>
-            </a:pPr>
-            <a:r>
-              <a:rPr sz="8000"/>
+            <a:pPr/>
+            <a:r>
               <a:t>Title Text</a:t>
             </a:r>
           </a:p>
@@ -1037,10 +1511,8 @@
       </p:sp>
       <p:sp>
         <p:nvSpPr>
-          <p:cNvPr id="19" name="Shape 19"/>
-          <p:cNvSpPr>
-            <a:spLocks noGrp="1"/>
-          </p:cNvSpPr>
+          <p:cNvPr id="57" name="Shape 57"/>
+          <p:cNvSpPr/>
           <p:nvPr>
             <p:ph type="body" idx="1"/>
           </p:nvPr>
@@ -1054,49 +1526,56 @@
           <a:bodyPr/>
           <a:lstStyle/>
           <a:p>
-            <a:pPr lvl="0">
-              <a:defRPr sz="1800"/>
-            </a:pPr>
-            <a:r>
-              <a:rPr sz="3600"/>
+            <a:pPr/>
+            <a:r>
               <a:t>Body Level One</a:t>
             </a:r>
           </a:p>
           <a:p>
-            <a:pPr lvl="1">
-              <a:defRPr sz="1800"/>
-            </a:pPr>
-            <a:r>
-              <a:rPr sz="3600"/>
+            <a:pPr lvl="1"/>
+            <a:r>
               <a:t>Body Level Two</a:t>
             </a:r>
           </a:p>
           <a:p>
-            <a:pPr lvl="2">
-              <a:defRPr sz="1800"/>
-            </a:pPr>
-            <a:r>
-              <a:rPr sz="3600"/>
+            <a:pPr lvl="2"/>
+            <a:r>
               <a:t>Body Level Three</a:t>
             </a:r>
           </a:p>
           <a:p>
-            <a:pPr lvl="3">
-              <a:defRPr sz="1800"/>
-            </a:pPr>
-            <a:r>
-              <a:rPr sz="3600"/>
+            <a:pPr lvl="3"/>
+            <a:r>
               <a:t>Body Level Four</a:t>
             </a:r>
           </a:p>
           <a:p>
-            <a:pPr lvl="4">
-              <a:defRPr sz="1800"/>
-            </a:pPr>
-            <a:r>
-              <a:rPr sz="3600"/>
+            <a:pPr lvl="4"/>
+            <a:r>
               <a:t>Body Level Five</a:t>
             </a:r>
+          </a:p>
+        </p:txBody>
+      </p:sp>
+      <p:sp>
+        <p:nvSpPr>
+          <p:cNvPr id="58" name="Shape 58"/>
+          <p:cNvSpPr/>
+          <p:nvPr>
+            <p:ph type="sldNum" sz="quarter" idx="2"/>
+          </p:nvPr>
+        </p:nvSpPr>
+        <p:spPr>
+          <a:prstGeom prst="rect">
+            <a:avLst/>
+          </a:prstGeom>
+        </p:spPr>
+        <p:txBody>
+          <a:bodyPr/>
+          <a:lstStyle/>
+          <a:p>
+            <a:pPr/>
+            <a:fld id="{86CB4B4D-7CA3-9044-876B-883B54F8677D}" type="slidenum"/>
           </a:p>
         </p:txBody>
       </p:sp>
@@ -1105,12 +1584,12 @@
   <p:clrMapOvr>
     <a:masterClrMapping/>
   </p:clrMapOvr>
-  <p:transition spd="med"/>
+  <p:transition xmlns:p14="http://schemas.microsoft.com/office/powerpoint/2010/main" spd="med" advClick="1"/>
 </p:sldLayout>
 </file>
 
 <file path=ppt/slideLayouts/slideLayout7.xml><?xml version="1.0" encoding="utf-8"?>
-<p:sldLayout xmlns:a="http://schemas.openxmlformats.org/drawingml/2006/main" xmlns:r="http://schemas.openxmlformats.org/officeDocument/2006/relationships" xmlns:p="http://schemas.openxmlformats.org/presentationml/2006/main" type="tx">
+<p:sldLayout xmlns:a="http://schemas.openxmlformats.org/drawingml/2006/main" xmlns:r="http://schemas.openxmlformats.org/officeDocument/2006/relationships" xmlns:p="http://schemas.openxmlformats.org/presentationml/2006/main" type="tx" showMasterSp="1" showMasterPhAnim="1">
   <p:cSld name="Title, Bullets &amp; Photo">
     <p:spTree>
       <p:nvGrpSpPr>
@@ -1128,10 +1607,35 @@
       </p:grpSpPr>
       <p:sp>
         <p:nvSpPr>
-          <p:cNvPr id="21" name="Shape 21"/>
-          <p:cNvSpPr>
-            <a:spLocks noGrp="1"/>
-          </p:cNvSpPr>
+          <p:cNvPr id="65" name="Shape 65"/>
+          <p:cNvSpPr/>
+          <p:nvPr>
+            <p:ph type="pic" sz="half" idx="13"/>
+          </p:nvPr>
+        </p:nvSpPr>
+        <p:spPr>
+          <a:xfrm>
+            <a:off x="6718300" y="2603500"/>
+            <a:ext cx="5334000" cy="6286500"/>
+          </a:xfrm>
+          <a:prstGeom prst="rect">
+            <a:avLst/>
+          </a:prstGeom>
+        </p:spPr>
+        <p:txBody>
+          <a:bodyPr lIns="91439" tIns="45719" rIns="91439" bIns="45719" anchor="t">
+            <a:noAutofit/>
+          </a:bodyPr>
+          <a:lstStyle/>
+          <a:p>
+            <a:pPr/>
+          </a:p>
+        </p:txBody>
+      </p:sp>
+      <p:sp>
+        <p:nvSpPr>
+          <p:cNvPr id="66" name="Shape 66"/>
+          <p:cNvSpPr/>
           <p:nvPr>
             <p:ph type="title"/>
           </p:nvPr>
@@ -1145,11 +1649,8 @@
           <a:bodyPr/>
           <a:lstStyle/>
           <a:p>
-            <a:pPr lvl="0">
-              <a:defRPr sz="1800"/>
-            </a:pPr>
-            <a:r>
-              <a:rPr sz="8000"/>
+            <a:pPr/>
+            <a:r>
               <a:t>Title Text</a:t>
             </a:r>
           </a:p>
@@ -1157,12 +1658,10 @@
       </p:sp>
       <p:sp>
         <p:nvSpPr>
-          <p:cNvPr id="22" name="Shape 22"/>
-          <p:cNvSpPr>
-            <a:spLocks noGrp="1"/>
-          </p:cNvSpPr>
+          <p:cNvPr id="67" name="Shape 67"/>
+          <p:cNvSpPr/>
           <p:nvPr>
-            <p:ph type="body" idx="1"/>
+            <p:ph type="body" sz="half" idx="1"/>
           </p:nvPr>
         </p:nvSpPr>
         <p:spPr>
@@ -1209,49 +1708,56 @@
             </a:lvl5pPr>
           </a:lstStyle>
           <a:p>
-            <a:pPr lvl="0">
-              <a:defRPr sz="1800"/>
-            </a:pPr>
-            <a:r>
-              <a:rPr sz="2800"/>
+            <a:pPr/>
+            <a:r>
               <a:t>Body Level One</a:t>
             </a:r>
           </a:p>
           <a:p>
-            <a:pPr lvl="1">
-              <a:defRPr sz="1800"/>
-            </a:pPr>
-            <a:r>
-              <a:rPr sz="2800"/>
+            <a:pPr lvl="1"/>
+            <a:r>
               <a:t>Body Level Two</a:t>
             </a:r>
           </a:p>
           <a:p>
-            <a:pPr lvl="2">
-              <a:defRPr sz="1800"/>
-            </a:pPr>
-            <a:r>
-              <a:rPr sz="2800"/>
+            <a:pPr lvl="2"/>
+            <a:r>
               <a:t>Body Level Three</a:t>
             </a:r>
           </a:p>
           <a:p>
-            <a:pPr lvl="3">
-              <a:defRPr sz="1800"/>
-            </a:pPr>
-            <a:r>
-              <a:rPr sz="2800"/>
+            <a:pPr lvl="3"/>
+            <a:r>
               <a:t>Body Level Four</a:t>
             </a:r>
           </a:p>
           <a:p>
-            <a:pPr lvl="4">
-              <a:defRPr sz="1800"/>
-            </a:pPr>
-            <a:r>
-              <a:rPr sz="2800"/>
+            <a:pPr lvl="4"/>
+            <a:r>
               <a:t>Body Level Five</a:t>
             </a:r>
+          </a:p>
+        </p:txBody>
+      </p:sp>
+      <p:sp>
+        <p:nvSpPr>
+          <p:cNvPr id="68" name="Shape 68"/>
+          <p:cNvSpPr/>
+          <p:nvPr>
+            <p:ph type="sldNum" sz="quarter" idx="2"/>
+          </p:nvPr>
+        </p:nvSpPr>
+        <p:spPr>
+          <a:prstGeom prst="rect">
+            <a:avLst/>
+          </a:prstGeom>
+        </p:spPr>
+        <p:txBody>
+          <a:bodyPr/>
+          <a:lstStyle/>
+          <a:p>
+            <a:pPr/>
+            <a:fld id="{86CB4B4D-7CA3-9044-876B-883B54F8677D}" type="slidenum"/>
           </a:p>
         </p:txBody>
       </p:sp>
@@ -1260,12 +1766,12 @@
   <p:clrMapOvr>
     <a:masterClrMapping/>
   </p:clrMapOvr>
-  <p:transition spd="med"/>
+  <p:transition xmlns:p14="http://schemas.microsoft.com/office/powerpoint/2010/main" spd="med" advClick="1"/>
 </p:sldLayout>
 </file>
 
 <file path=ppt/slideLayouts/slideLayout8.xml><?xml version="1.0" encoding="utf-8"?>
-<p:sldLayout xmlns:a="http://schemas.openxmlformats.org/drawingml/2006/main" xmlns:r="http://schemas.openxmlformats.org/officeDocument/2006/relationships" xmlns:p="http://schemas.openxmlformats.org/presentationml/2006/main" type="tx">
+<p:sldLayout xmlns:a="http://schemas.openxmlformats.org/drawingml/2006/main" xmlns:r="http://schemas.openxmlformats.org/officeDocument/2006/relationships" xmlns:p="http://schemas.openxmlformats.org/presentationml/2006/main" type="tx" showMasterSp="1" showMasterPhAnim="1">
   <p:cSld name="Bullets">
     <p:spTree>
       <p:nvGrpSpPr>
@@ -1283,10 +1789,8 @@
       </p:grpSpPr>
       <p:sp>
         <p:nvSpPr>
-          <p:cNvPr id="24" name="Shape 24"/>
-          <p:cNvSpPr>
-            <a:spLocks noGrp="1"/>
-          </p:cNvSpPr>
+          <p:cNvPr id="75" name="Shape 75"/>
+          <p:cNvSpPr/>
           <p:nvPr>
             <p:ph type="body" idx="1"/>
           </p:nvPr>
@@ -1304,49 +1808,56 @@
           <a:bodyPr/>
           <a:lstStyle/>
           <a:p>
-            <a:pPr lvl="0">
-              <a:defRPr sz="1800"/>
-            </a:pPr>
-            <a:r>
-              <a:rPr sz="3600"/>
+            <a:pPr/>
+            <a:r>
               <a:t>Body Level One</a:t>
             </a:r>
           </a:p>
           <a:p>
-            <a:pPr lvl="1">
-              <a:defRPr sz="1800"/>
-            </a:pPr>
-            <a:r>
-              <a:rPr sz="3600"/>
+            <a:pPr lvl="1"/>
+            <a:r>
               <a:t>Body Level Two</a:t>
             </a:r>
           </a:p>
           <a:p>
-            <a:pPr lvl="2">
-              <a:defRPr sz="1800"/>
-            </a:pPr>
-            <a:r>
-              <a:rPr sz="3600"/>
+            <a:pPr lvl="2"/>
+            <a:r>
               <a:t>Body Level Three</a:t>
             </a:r>
           </a:p>
           <a:p>
-            <a:pPr lvl="3">
-              <a:defRPr sz="1800"/>
-            </a:pPr>
-            <a:r>
-              <a:rPr sz="3600"/>
+            <a:pPr lvl="3"/>
+            <a:r>
               <a:t>Body Level Four</a:t>
             </a:r>
           </a:p>
           <a:p>
-            <a:pPr lvl="4">
-              <a:defRPr sz="1800"/>
-            </a:pPr>
-            <a:r>
-              <a:rPr sz="3600"/>
+            <a:pPr lvl="4"/>
+            <a:r>
               <a:t>Body Level Five</a:t>
             </a:r>
+          </a:p>
+        </p:txBody>
+      </p:sp>
+      <p:sp>
+        <p:nvSpPr>
+          <p:cNvPr id="76" name="Shape 76"/>
+          <p:cNvSpPr/>
+          <p:nvPr>
+            <p:ph type="sldNum" sz="quarter" idx="2"/>
+          </p:nvPr>
+        </p:nvSpPr>
+        <p:spPr>
+          <a:prstGeom prst="rect">
+            <a:avLst/>
+          </a:prstGeom>
+        </p:spPr>
+        <p:txBody>
+          <a:bodyPr/>
+          <a:lstStyle/>
+          <a:p>
+            <a:pPr/>
+            <a:fld id="{86CB4B4D-7CA3-9044-876B-883B54F8677D}" type="slidenum"/>
           </a:p>
         </p:txBody>
       </p:sp>
@@ -1355,12 +1866,12 @@
   <p:clrMapOvr>
     <a:masterClrMapping/>
   </p:clrMapOvr>
-  <p:transition spd="med"/>
+  <p:transition xmlns:p14="http://schemas.microsoft.com/office/powerpoint/2010/main" spd="med" advClick="1"/>
 </p:sldLayout>
 </file>
 
 <file path=ppt/slideLayouts/slideLayout9.xml><?xml version="1.0" encoding="utf-8"?>
-<p:sldLayout xmlns:a="http://schemas.openxmlformats.org/drawingml/2006/main" xmlns:r="http://schemas.openxmlformats.org/officeDocument/2006/relationships" xmlns:p="http://schemas.openxmlformats.org/presentationml/2006/main" type="tx">
+<p:sldLayout xmlns:a="http://schemas.openxmlformats.org/drawingml/2006/main" xmlns:r="http://schemas.openxmlformats.org/officeDocument/2006/relationships" xmlns:p="http://schemas.openxmlformats.org/presentationml/2006/main" type="tx" showMasterSp="1" showMasterPhAnim="1">
   <p:cSld name="Photo - 3 Up">
     <p:spTree>
       <p:nvGrpSpPr>
@@ -1376,12 +1887,115 @@
           <a:chExt cx="0" cy="0"/>
         </a:xfrm>
       </p:grpSpPr>
+      <p:sp>
+        <p:nvSpPr>
+          <p:cNvPr id="83" name="Shape 83"/>
+          <p:cNvSpPr/>
+          <p:nvPr>
+            <p:ph type="pic" sz="quarter" idx="13"/>
+          </p:nvPr>
+        </p:nvSpPr>
+        <p:spPr>
+          <a:xfrm>
+            <a:off x="6718300" y="5092700"/>
+            <a:ext cx="5334000" cy="3771900"/>
+          </a:xfrm>
+          <a:prstGeom prst="rect">
+            <a:avLst/>
+          </a:prstGeom>
+        </p:spPr>
+        <p:txBody>
+          <a:bodyPr lIns="91439" tIns="45719" rIns="91439" bIns="45719" anchor="t">
+            <a:noAutofit/>
+          </a:bodyPr>
+          <a:lstStyle/>
+          <a:p>
+            <a:pPr/>
+          </a:p>
+        </p:txBody>
+      </p:sp>
+      <p:sp>
+        <p:nvSpPr>
+          <p:cNvPr id="84" name="Shape 84"/>
+          <p:cNvSpPr/>
+          <p:nvPr>
+            <p:ph type="pic" sz="quarter" idx="14"/>
+          </p:nvPr>
+        </p:nvSpPr>
+        <p:spPr>
+          <a:xfrm>
+            <a:off x="6724518" y="889000"/>
+            <a:ext cx="5334001" cy="3771900"/>
+          </a:xfrm>
+          <a:prstGeom prst="rect">
+            <a:avLst/>
+          </a:prstGeom>
+        </p:spPr>
+        <p:txBody>
+          <a:bodyPr lIns="91439" tIns="45719" rIns="91439" bIns="45719" anchor="t">
+            <a:noAutofit/>
+          </a:bodyPr>
+          <a:lstStyle/>
+          <a:p>
+            <a:pPr/>
+          </a:p>
+        </p:txBody>
+      </p:sp>
+      <p:sp>
+        <p:nvSpPr>
+          <p:cNvPr id="85" name="Shape 85"/>
+          <p:cNvSpPr/>
+          <p:nvPr>
+            <p:ph type="pic" sz="half" idx="15"/>
+          </p:nvPr>
+        </p:nvSpPr>
+        <p:spPr>
+          <a:xfrm>
+            <a:off x="952500" y="889000"/>
+            <a:ext cx="5334000" cy="7975600"/>
+          </a:xfrm>
+          <a:prstGeom prst="rect">
+            <a:avLst/>
+          </a:prstGeom>
+        </p:spPr>
+        <p:txBody>
+          <a:bodyPr lIns="91439" tIns="45719" rIns="91439" bIns="45719" anchor="t">
+            <a:noAutofit/>
+          </a:bodyPr>
+          <a:lstStyle/>
+          <a:p>
+            <a:pPr/>
+          </a:p>
+        </p:txBody>
+      </p:sp>
+      <p:sp>
+        <p:nvSpPr>
+          <p:cNvPr id="86" name="Shape 86"/>
+          <p:cNvSpPr/>
+          <p:nvPr>
+            <p:ph type="sldNum" sz="quarter" idx="2"/>
+          </p:nvPr>
+        </p:nvSpPr>
+        <p:spPr>
+          <a:prstGeom prst="rect">
+            <a:avLst/>
+          </a:prstGeom>
+        </p:spPr>
+        <p:txBody>
+          <a:bodyPr/>
+          <a:lstStyle/>
+          <a:p>
+            <a:pPr/>
+            <a:fld id="{86CB4B4D-7CA3-9044-876B-883B54F8677D}" type="slidenum"/>
+          </a:p>
+        </p:txBody>
+      </p:sp>
     </p:spTree>
   </p:cSld>
   <p:clrMapOvr>
     <a:masterClrMapping/>
   </p:clrMapOvr>
-  <p:transition spd="med"/>
+  <p:transition xmlns:p14="http://schemas.microsoft.com/office/powerpoint/2010/main" spd="med" advClick="1"/>
 </p:sldLayout>
 </file>
 
@@ -1393,7 +2007,6 @@
         <a:solidFill>
           <a:srgbClr val="FFFFFF"/>
         </a:solidFill>
-        <a:effectLst/>
       </p:bgPr>
     </p:bg>
     <p:spTree>
@@ -1413,9 +2026,7 @@
       <p:sp>
         <p:nvSpPr>
           <p:cNvPr id="2" name="Shape 2"/>
-          <p:cNvSpPr>
-            <a:spLocks noGrp="1"/>
-          </p:cNvSpPr>
+          <p:cNvSpPr/>
           <p:nvPr>
             <p:ph type="title"/>
           </p:nvPr>
@@ -1438,16 +2049,13 @@
           </a:extLst>
         </p:spPr>
         <p:txBody>
-          <a:bodyPr lIns="0" tIns="0" rIns="0" bIns="0" anchor="ctr">
-            <a:normAutofit/>
+          <a:bodyPr lIns="50800" tIns="50800" rIns="50800" bIns="50800" anchor="ctr">
+            <a:normAutofit fontScale="100000" lnSpcReduction="0"/>
           </a:bodyPr>
           <a:lstStyle/>
           <a:p>
-            <a:pPr lvl="0">
-              <a:defRPr sz="1800"/>
-            </a:pPr>
-            <a:r>
-              <a:rPr sz="8000"/>
+            <a:pPr/>
+            <a:r>
               <a:t>Title Text</a:t>
             </a:r>
           </a:p>
@@ -1456,9 +2064,7 @@
       <p:sp>
         <p:nvSpPr>
           <p:cNvPr id="3" name="Shape 3"/>
-          <p:cNvSpPr>
-            <a:spLocks noGrp="1"/>
-          </p:cNvSpPr>
+          <p:cNvSpPr/>
           <p:nvPr>
             <p:ph type="body" idx="1"/>
           </p:nvPr>
@@ -1481,54 +2087,74 @@
           </a:extLst>
         </p:spPr>
         <p:txBody>
-          <a:bodyPr lIns="0" tIns="0" rIns="0" bIns="0" anchor="ctr">
-            <a:normAutofit/>
+          <a:bodyPr lIns="50800" tIns="50800" rIns="50800" bIns="50800" anchor="ctr">
+            <a:normAutofit fontScale="100000" lnSpcReduction="0"/>
           </a:bodyPr>
           <a:lstStyle/>
           <a:p>
-            <a:pPr lvl="0">
+            <a:pPr/>
+            <a:r>
+              <a:t>Body Level One</a:t>
+            </a:r>
+          </a:p>
+          <a:p>
+            <a:pPr lvl="1"/>
+            <a:r>
+              <a:t>Body Level Two</a:t>
+            </a:r>
+          </a:p>
+          <a:p>
+            <a:pPr lvl="2"/>
+            <a:r>
+              <a:t>Body Level Three</a:t>
+            </a:r>
+          </a:p>
+          <a:p>
+            <a:pPr lvl="3"/>
+            <a:r>
+              <a:t>Body Level Four</a:t>
+            </a:r>
+          </a:p>
+          <a:p>
+            <a:pPr lvl="4"/>
+            <a:r>
+              <a:t>Body Level Five</a:t>
+            </a:r>
+          </a:p>
+        </p:txBody>
+      </p:sp>
+      <p:sp>
+        <p:nvSpPr>
+          <p:cNvPr id="4" name="Shape 4"/>
+          <p:cNvSpPr/>
+          <p:nvPr>
+            <p:ph type="sldNum" sz="quarter" idx="2"/>
+          </p:nvPr>
+        </p:nvSpPr>
+        <p:spPr>
+          <a:xfrm>
+            <a:off x="6311798" y="9251950"/>
+            <a:ext cx="368504" cy="381000"/>
+          </a:xfrm>
+          <a:prstGeom prst="rect">
+            <a:avLst/>
+          </a:prstGeom>
+          <a:ln w="12700">
+            <a:miter lim="400000"/>
+          </a:ln>
+        </p:spPr>
+        <p:txBody>
+          <a:bodyPr wrap="none" lIns="50800" tIns="50800" rIns="50800" bIns="50800">
+            <a:spAutoFit/>
+          </a:bodyPr>
+          <a:lstStyle>
+            <a:lvl1pPr>
               <a:defRPr sz="1800"/>
-            </a:pPr>
-            <a:r>
-              <a:rPr sz="3600"/>
-              <a:t>Body Level One</a:t>
-            </a:r>
-          </a:p>
-          <a:p>
-            <a:pPr lvl="1">
-              <a:defRPr sz="1800"/>
-            </a:pPr>
-            <a:r>
-              <a:rPr sz="3600"/>
-              <a:t>Body Level Two</a:t>
-            </a:r>
-          </a:p>
-          <a:p>
-            <a:pPr lvl="2">
-              <a:defRPr sz="1800"/>
-            </a:pPr>
-            <a:r>
-              <a:rPr sz="3600"/>
-              <a:t>Body Level Three</a:t>
-            </a:r>
-          </a:p>
-          <a:p>
-            <a:pPr lvl="3">
-              <a:defRPr sz="1800"/>
-            </a:pPr>
-            <a:r>
-              <a:rPr sz="3600"/>
-              <a:t>Body Level Four</a:t>
-            </a:r>
-          </a:p>
-          <a:p>
-            <a:pPr lvl="4">
-              <a:defRPr sz="1800"/>
-            </a:pPr>
-            <a:r>
-              <a:rPr sz="3600"/>
-              <a:t>Body Level Five</a:t>
-            </a:r>
+            </a:lvl1pPr>
+          </a:lstStyle>
+          <a:p>
+            <a:pPr/>
+            <a:fld id="{86CB4B4D-7CA3-9044-876B-883B54F8677D}" type="slidenum"/>
           </a:p>
         </p:txBody>
       </p:sp>
@@ -1536,88 +2162,277 @@
   </p:cSld>
   <p:clrMap bg1="lt1" tx1="dk1" bg2="lt2" tx2="dk2" accent1="accent1" accent2="accent2" accent3="accent3" accent4="accent4" accent5="accent5" accent6="accent6" hlink="hlink" folHlink="folHlink"/>
   <p:sldLayoutIdLst>
-    <p:sldLayoutId id="2147483649" r:id="rId1"/>
-    <p:sldLayoutId id="2147483650" r:id="rId2"/>
-    <p:sldLayoutId id="2147483651" r:id="rId3"/>
-    <p:sldLayoutId id="2147483652" r:id="rId4"/>
-    <p:sldLayoutId id="2147483653" r:id="rId5"/>
-    <p:sldLayoutId id="2147483654" r:id="rId6"/>
-    <p:sldLayoutId id="2147483655" r:id="rId7"/>
-    <p:sldLayoutId id="2147483656" r:id="rId8"/>
-    <p:sldLayoutId id="2147483657" r:id="rId9"/>
-    <p:sldLayoutId id="2147483658" r:id="rId10"/>
-    <p:sldLayoutId id="2147483659" r:id="rId11"/>
-    <p:sldLayoutId id="2147483660" r:id="rId12"/>
+    <p:sldLayoutId id="2147483649" r:id="rId2"/>
+    <p:sldLayoutId id="2147483650" r:id="rId3"/>
+    <p:sldLayoutId id="2147483651" r:id="rId4"/>
+    <p:sldLayoutId id="2147483652" r:id="rId5"/>
+    <p:sldLayoutId id="2147483653" r:id="rId6"/>
+    <p:sldLayoutId id="2147483654" r:id="rId7"/>
+    <p:sldLayoutId id="2147483655" r:id="rId8"/>
+    <p:sldLayoutId id="2147483656" r:id="rId9"/>
+    <p:sldLayoutId id="2147483657" r:id="rId10"/>
+    <p:sldLayoutId id="2147483658" r:id="rId11"/>
+    <p:sldLayoutId id="2147483659" r:id="rId12"/>
+    <p:sldLayoutId id="2147483660" r:id="rId13"/>
   </p:sldLayoutIdLst>
-  <p:transition spd="med"/>
+  <p:transition xmlns:p14="http://schemas.microsoft.com/office/powerpoint/2010/main" spd="med" advClick="1"/>
   <p:txStyles>
     <p:titleStyle>
-      <a:lvl1pPr algn="ctr" defTabSz="584200">
-        <a:defRPr sz="8000">
+      <a:lvl1pPr marL="0" marR="0" indent="0" algn="ctr" defTabSz="584200" rtl="0" latinLnBrk="0">
+        <a:lnSpc>
+          <a:spcPct val="100000"/>
+        </a:lnSpc>
+        <a:spcBef>
+          <a:spcPts val="0"/>
+        </a:spcBef>
+        <a:spcAft>
+          <a:spcPts val="0"/>
+        </a:spcAft>
+        <a:buClrTx/>
+        <a:buSzTx/>
+        <a:buFontTx/>
+        <a:buNone/>
+        <a:tabLst/>
+        <a:defRPr b="0" baseline="0" cap="none" i="0" spc="0" strike="noStrike" sz="8000" u="none">
+          <a:ln>
+            <a:noFill/>
+          </a:ln>
+          <a:solidFill>
+            <a:srgbClr val="000000"/>
+          </a:solidFill>
+          <a:uFillTx/>
           <a:latin typeface="+mn-lt"/>
           <a:ea typeface="+mn-ea"/>
           <a:cs typeface="+mn-cs"/>
           <a:sym typeface="Helvetica Light"/>
         </a:defRPr>
       </a:lvl1pPr>
-      <a:lvl2pPr indent="228600" algn="ctr" defTabSz="584200">
-        <a:defRPr sz="8000">
+      <a:lvl2pPr marL="0" marR="0" indent="228600" algn="ctr" defTabSz="584200" rtl="0" latinLnBrk="0">
+        <a:lnSpc>
+          <a:spcPct val="100000"/>
+        </a:lnSpc>
+        <a:spcBef>
+          <a:spcPts val="0"/>
+        </a:spcBef>
+        <a:spcAft>
+          <a:spcPts val="0"/>
+        </a:spcAft>
+        <a:buClrTx/>
+        <a:buSzTx/>
+        <a:buFontTx/>
+        <a:buNone/>
+        <a:tabLst/>
+        <a:defRPr b="0" baseline="0" cap="none" i="0" spc="0" strike="noStrike" sz="8000" u="none">
+          <a:ln>
+            <a:noFill/>
+          </a:ln>
+          <a:solidFill>
+            <a:srgbClr val="000000"/>
+          </a:solidFill>
+          <a:uFillTx/>
           <a:latin typeface="+mn-lt"/>
           <a:ea typeface="+mn-ea"/>
           <a:cs typeface="+mn-cs"/>
           <a:sym typeface="Helvetica Light"/>
         </a:defRPr>
       </a:lvl2pPr>
-      <a:lvl3pPr indent="457200" algn="ctr" defTabSz="584200">
-        <a:defRPr sz="8000">
+      <a:lvl3pPr marL="0" marR="0" indent="457200" algn="ctr" defTabSz="584200" rtl="0" latinLnBrk="0">
+        <a:lnSpc>
+          <a:spcPct val="100000"/>
+        </a:lnSpc>
+        <a:spcBef>
+          <a:spcPts val="0"/>
+        </a:spcBef>
+        <a:spcAft>
+          <a:spcPts val="0"/>
+        </a:spcAft>
+        <a:buClrTx/>
+        <a:buSzTx/>
+        <a:buFontTx/>
+        <a:buNone/>
+        <a:tabLst/>
+        <a:defRPr b="0" baseline="0" cap="none" i="0" spc="0" strike="noStrike" sz="8000" u="none">
+          <a:ln>
+            <a:noFill/>
+          </a:ln>
+          <a:solidFill>
+            <a:srgbClr val="000000"/>
+          </a:solidFill>
+          <a:uFillTx/>
           <a:latin typeface="+mn-lt"/>
           <a:ea typeface="+mn-ea"/>
           <a:cs typeface="+mn-cs"/>
           <a:sym typeface="Helvetica Light"/>
         </a:defRPr>
       </a:lvl3pPr>
-      <a:lvl4pPr indent="685800" algn="ctr" defTabSz="584200">
-        <a:defRPr sz="8000">
+      <a:lvl4pPr marL="0" marR="0" indent="685800" algn="ctr" defTabSz="584200" rtl="0" latinLnBrk="0">
+        <a:lnSpc>
+          <a:spcPct val="100000"/>
+        </a:lnSpc>
+        <a:spcBef>
+          <a:spcPts val="0"/>
+        </a:spcBef>
+        <a:spcAft>
+          <a:spcPts val="0"/>
+        </a:spcAft>
+        <a:buClrTx/>
+        <a:buSzTx/>
+        <a:buFontTx/>
+        <a:buNone/>
+        <a:tabLst/>
+        <a:defRPr b="0" baseline="0" cap="none" i="0" spc="0" strike="noStrike" sz="8000" u="none">
+          <a:ln>
+            <a:noFill/>
+          </a:ln>
+          <a:solidFill>
+            <a:srgbClr val="000000"/>
+          </a:solidFill>
+          <a:uFillTx/>
           <a:latin typeface="+mn-lt"/>
           <a:ea typeface="+mn-ea"/>
           <a:cs typeface="+mn-cs"/>
           <a:sym typeface="Helvetica Light"/>
         </a:defRPr>
       </a:lvl4pPr>
-      <a:lvl5pPr indent="914400" algn="ctr" defTabSz="584200">
-        <a:defRPr sz="8000">
+      <a:lvl5pPr marL="0" marR="0" indent="914400" algn="ctr" defTabSz="584200" rtl="0" latinLnBrk="0">
+        <a:lnSpc>
+          <a:spcPct val="100000"/>
+        </a:lnSpc>
+        <a:spcBef>
+          <a:spcPts val="0"/>
+        </a:spcBef>
+        <a:spcAft>
+          <a:spcPts val="0"/>
+        </a:spcAft>
+        <a:buClrTx/>
+        <a:buSzTx/>
+        <a:buFontTx/>
+        <a:buNone/>
+        <a:tabLst/>
+        <a:defRPr b="0" baseline="0" cap="none" i="0" spc="0" strike="noStrike" sz="8000" u="none">
+          <a:ln>
+            <a:noFill/>
+          </a:ln>
+          <a:solidFill>
+            <a:srgbClr val="000000"/>
+          </a:solidFill>
+          <a:uFillTx/>
           <a:latin typeface="+mn-lt"/>
           <a:ea typeface="+mn-ea"/>
           <a:cs typeface="+mn-cs"/>
           <a:sym typeface="Helvetica Light"/>
         </a:defRPr>
       </a:lvl5pPr>
-      <a:lvl6pPr indent="1143000" algn="ctr" defTabSz="584200">
-        <a:defRPr sz="8000">
+      <a:lvl6pPr marL="0" marR="0" indent="1143000" algn="ctr" defTabSz="584200" rtl="0" latinLnBrk="0">
+        <a:lnSpc>
+          <a:spcPct val="100000"/>
+        </a:lnSpc>
+        <a:spcBef>
+          <a:spcPts val="0"/>
+        </a:spcBef>
+        <a:spcAft>
+          <a:spcPts val="0"/>
+        </a:spcAft>
+        <a:buClrTx/>
+        <a:buSzTx/>
+        <a:buFontTx/>
+        <a:buNone/>
+        <a:tabLst/>
+        <a:defRPr b="0" baseline="0" cap="none" i="0" spc="0" strike="noStrike" sz="8000" u="none">
+          <a:ln>
+            <a:noFill/>
+          </a:ln>
+          <a:solidFill>
+            <a:srgbClr val="000000"/>
+          </a:solidFill>
+          <a:uFillTx/>
           <a:latin typeface="+mn-lt"/>
           <a:ea typeface="+mn-ea"/>
           <a:cs typeface="+mn-cs"/>
           <a:sym typeface="Helvetica Light"/>
         </a:defRPr>
       </a:lvl6pPr>
-      <a:lvl7pPr indent="1371600" algn="ctr" defTabSz="584200">
-        <a:defRPr sz="8000">
+      <a:lvl7pPr marL="0" marR="0" indent="1371600" algn="ctr" defTabSz="584200" rtl="0" latinLnBrk="0">
+        <a:lnSpc>
+          <a:spcPct val="100000"/>
+        </a:lnSpc>
+        <a:spcBef>
+          <a:spcPts val="0"/>
+        </a:spcBef>
+        <a:spcAft>
+          <a:spcPts val="0"/>
+        </a:spcAft>
+        <a:buClrTx/>
+        <a:buSzTx/>
+        <a:buFontTx/>
+        <a:buNone/>
+        <a:tabLst/>
+        <a:defRPr b="0" baseline="0" cap="none" i="0" spc="0" strike="noStrike" sz="8000" u="none">
+          <a:ln>
+            <a:noFill/>
+          </a:ln>
+          <a:solidFill>
+            <a:srgbClr val="000000"/>
+          </a:solidFill>
+          <a:uFillTx/>
           <a:latin typeface="+mn-lt"/>
           <a:ea typeface="+mn-ea"/>
           <a:cs typeface="+mn-cs"/>
           <a:sym typeface="Helvetica Light"/>
         </a:defRPr>
       </a:lvl7pPr>
-      <a:lvl8pPr indent="1600200" algn="ctr" defTabSz="584200">
-        <a:defRPr sz="8000">
+      <a:lvl8pPr marL="0" marR="0" indent="1600200" algn="ctr" defTabSz="584200" rtl="0" latinLnBrk="0">
+        <a:lnSpc>
+          <a:spcPct val="100000"/>
+        </a:lnSpc>
+        <a:spcBef>
+          <a:spcPts val="0"/>
+        </a:spcBef>
+        <a:spcAft>
+          <a:spcPts val="0"/>
+        </a:spcAft>
+        <a:buClrTx/>
+        <a:buSzTx/>
+        <a:buFontTx/>
+        <a:buNone/>
+        <a:tabLst/>
+        <a:defRPr b="0" baseline="0" cap="none" i="0" spc="0" strike="noStrike" sz="8000" u="none">
+          <a:ln>
+            <a:noFill/>
+          </a:ln>
+          <a:solidFill>
+            <a:srgbClr val="000000"/>
+          </a:solidFill>
+          <a:uFillTx/>
           <a:latin typeface="+mn-lt"/>
           <a:ea typeface="+mn-ea"/>
           <a:cs typeface="+mn-cs"/>
           <a:sym typeface="Helvetica Light"/>
         </a:defRPr>
       </a:lvl8pPr>
-      <a:lvl9pPr indent="1828800" algn="ctr" defTabSz="584200">
-        <a:defRPr sz="8000">
+      <a:lvl9pPr marL="0" marR="0" indent="1828800" algn="ctr" defTabSz="584200" rtl="0" latinLnBrk="0">
+        <a:lnSpc>
+          <a:spcPct val="100000"/>
+        </a:lnSpc>
+        <a:spcBef>
+          <a:spcPts val="0"/>
+        </a:spcBef>
+        <a:spcAft>
+          <a:spcPts val="0"/>
+        </a:spcAft>
+        <a:buClrTx/>
+        <a:buSzTx/>
+        <a:buFontTx/>
+        <a:buNone/>
+        <a:tabLst/>
+        <a:defRPr b="0" baseline="0" cap="none" i="0" spc="0" strike="noStrike" sz="8000" u="none">
+          <a:ln>
+            <a:noFill/>
+          </a:ln>
+          <a:solidFill>
+            <a:srgbClr val="000000"/>
+          </a:solidFill>
+          <a:uFillTx/>
           <a:latin typeface="+mn-lt"/>
           <a:ea typeface="+mn-ea"/>
           <a:cs typeface="+mn-cs"/>
@@ -1626,117 +2441,261 @@
       </a:lvl9pPr>
     </p:titleStyle>
     <p:bodyStyle>
-      <a:lvl1pPr marL="444500" indent="-444500" defTabSz="584200">
+      <a:lvl1pPr marL="444500" marR="0" indent="-444500" algn="l" defTabSz="584200" rtl="0" latinLnBrk="0">
+        <a:lnSpc>
+          <a:spcPct val="100000"/>
+        </a:lnSpc>
         <a:spcBef>
           <a:spcPts val="4200"/>
         </a:spcBef>
+        <a:spcAft>
+          <a:spcPts val="0"/>
+        </a:spcAft>
+        <a:buClrTx/>
         <a:buSzPct val="75000"/>
+        <a:buFontTx/>
         <a:buChar char="•"/>
-        <a:defRPr sz="3600">
+        <a:tabLst/>
+        <a:defRPr b="0" baseline="0" cap="none" i="0" spc="0" strike="noStrike" sz="3600" u="none">
+          <a:ln>
+            <a:noFill/>
+          </a:ln>
+          <a:solidFill>
+            <a:srgbClr val="000000"/>
+          </a:solidFill>
+          <a:uFillTx/>
           <a:latin typeface="+mn-lt"/>
           <a:ea typeface="+mn-ea"/>
           <a:cs typeface="+mn-cs"/>
           <a:sym typeface="Helvetica Light"/>
         </a:defRPr>
       </a:lvl1pPr>
-      <a:lvl2pPr marL="889000" indent="-444500" defTabSz="584200">
+      <a:lvl2pPr marL="889000" marR="0" indent="-444500" algn="l" defTabSz="584200" rtl="0" latinLnBrk="0">
+        <a:lnSpc>
+          <a:spcPct val="100000"/>
+        </a:lnSpc>
         <a:spcBef>
           <a:spcPts val="4200"/>
         </a:spcBef>
+        <a:spcAft>
+          <a:spcPts val="0"/>
+        </a:spcAft>
+        <a:buClrTx/>
         <a:buSzPct val="75000"/>
+        <a:buFontTx/>
         <a:buChar char="•"/>
-        <a:defRPr sz="3600">
+        <a:tabLst/>
+        <a:defRPr b="0" baseline="0" cap="none" i="0" spc="0" strike="noStrike" sz="3600" u="none">
+          <a:ln>
+            <a:noFill/>
+          </a:ln>
+          <a:solidFill>
+            <a:srgbClr val="000000"/>
+          </a:solidFill>
+          <a:uFillTx/>
           <a:latin typeface="+mn-lt"/>
           <a:ea typeface="+mn-ea"/>
           <a:cs typeface="+mn-cs"/>
           <a:sym typeface="Helvetica Light"/>
         </a:defRPr>
       </a:lvl2pPr>
-      <a:lvl3pPr marL="1333500" indent="-444500" defTabSz="584200">
+      <a:lvl3pPr marL="1333500" marR="0" indent="-444500" algn="l" defTabSz="584200" rtl="0" latinLnBrk="0">
+        <a:lnSpc>
+          <a:spcPct val="100000"/>
+        </a:lnSpc>
         <a:spcBef>
           <a:spcPts val="4200"/>
         </a:spcBef>
+        <a:spcAft>
+          <a:spcPts val="0"/>
+        </a:spcAft>
+        <a:buClrTx/>
         <a:buSzPct val="75000"/>
+        <a:buFontTx/>
         <a:buChar char="•"/>
-        <a:defRPr sz="3600">
+        <a:tabLst/>
+        <a:defRPr b="0" baseline="0" cap="none" i="0" spc="0" strike="noStrike" sz="3600" u="none">
+          <a:ln>
+            <a:noFill/>
+          </a:ln>
+          <a:solidFill>
+            <a:srgbClr val="000000"/>
+          </a:solidFill>
+          <a:uFillTx/>
           <a:latin typeface="+mn-lt"/>
           <a:ea typeface="+mn-ea"/>
           <a:cs typeface="+mn-cs"/>
           <a:sym typeface="Helvetica Light"/>
         </a:defRPr>
       </a:lvl3pPr>
-      <a:lvl4pPr marL="1778000" indent="-444500" defTabSz="584200">
+      <a:lvl4pPr marL="1778000" marR="0" indent="-444500" algn="l" defTabSz="584200" rtl="0" latinLnBrk="0">
+        <a:lnSpc>
+          <a:spcPct val="100000"/>
+        </a:lnSpc>
         <a:spcBef>
           <a:spcPts val="4200"/>
         </a:spcBef>
+        <a:spcAft>
+          <a:spcPts val="0"/>
+        </a:spcAft>
+        <a:buClrTx/>
         <a:buSzPct val="75000"/>
+        <a:buFontTx/>
         <a:buChar char="•"/>
-        <a:defRPr sz="3600">
+        <a:tabLst/>
+        <a:defRPr b="0" baseline="0" cap="none" i="0" spc="0" strike="noStrike" sz="3600" u="none">
+          <a:ln>
+            <a:noFill/>
+          </a:ln>
+          <a:solidFill>
+            <a:srgbClr val="000000"/>
+          </a:solidFill>
+          <a:uFillTx/>
           <a:latin typeface="+mn-lt"/>
           <a:ea typeface="+mn-ea"/>
           <a:cs typeface="+mn-cs"/>
           <a:sym typeface="Helvetica Light"/>
         </a:defRPr>
       </a:lvl4pPr>
-      <a:lvl5pPr marL="2222500" indent="-444500" defTabSz="584200">
+      <a:lvl5pPr marL="2222500" marR="0" indent="-444500" algn="l" defTabSz="584200" rtl="0" latinLnBrk="0">
+        <a:lnSpc>
+          <a:spcPct val="100000"/>
+        </a:lnSpc>
         <a:spcBef>
           <a:spcPts val="4200"/>
         </a:spcBef>
+        <a:spcAft>
+          <a:spcPts val="0"/>
+        </a:spcAft>
+        <a:buClrTx/>
         <a:buSzPct val="75000"/>
+        <a:buFontTx/>
         <a:buChar char="•"/>
-        <a:defRPr sz="3600">
+        <a:tabLst/>
+        <a:defRPr b="0" baseline="0" cap="none" i="0" spc="0" strike="noStrike" sz="3600" u="none">
+          <a:ln>
+            <a:noFill/>
+          </a:ln>
+          <a:solidFill>
+            <a:srgbClr val="000000"/>
+          </a:solidFill>
+          <a:uFillTx/>
           <a:latin typeface="+mn-lt"/>
           <a:ea typeface="+mn-ea"/>
           <a:cs typeface="+mn-cs"/>
           <a:sym typeface="Helvetica Light"/>
         </a:defRPr>
       </a:lvl5pPr>
-      <a:lvl6pPr marL="2667000" indent="-444500" defTabSz="584200">
+      <a:lvl6pPr marL="2667000" marR="0" indent="-444500" algn="l" defTabSz="584200" rtl="0" latinLnBrk="0">
+        <a:lnSpc>
+          <a:spcPct val="100000"/>
+        </a:lnSpc>
         <a:spcBef>
           <a:spcPts val="4200"/>
         </a:spcBef>
+        <a:spcAft>
+          <a:spcPts val="0"/>
+        </a:spcAft>
+        <a:buClrTx/>
         <a:buSzPct val="75000"/>
+        <a:buFontTx/>
         <a:buChar char="•"/>
-        <a:defRPr sz="3600">
+        <a:tabLst/>
+        <a:defRPr b="0" baseline="0" cap="none" i="0" spc="0" strike="noStrike" sz="3600" u="none">
+          <a:ln>
+            <a:noFill/>
+          </a:ln>
+          <a:solidFill>
+            <a:srgbClr val="000000"/>
+          </a:solidFill>
+          <a:uFillTx/>
           <a:latin typeface="+mn-lt"/>
           <a:ea typeface="+mn-ea"/>
           <a:cs typeface="+mn-cs"/>
           <a:sym typeface="Helvetica Light"/>
         </a:defRPr>
       </a:lvl6pPr>
-      <a:lvl7pPr marL="3111500" indent="-444500" defTabSz="584200">
+      <a:lvl7pPr marL="3111500" marR="0" indent="-444500" algn="l" defTabSz="584200" rtl="0" latinLnBrk="0">
+        <a:lnSpc>
+          <a:spcPct val="100000"/>
+        </a:lnSpc>
         <a:spcBef>
           <a:spcPts val="4200"/>
         </a:spcBef>
+        <a:spcAft>
+          <a:spcPts val="0"/>
+        </a:spcAft>
+        <a:buClrTx/>
         <a:buSzPct val="75000"/>
+        <a:buFontTx/>
         <a:buChar char="•"/>
-        <a:defRPr sz="3600">
+        <a:tabLst/>
+        <a:defRPr b="0" baseline="0" cap="none" i="0" spc="0" strike="noStrike" sz="3600" u="none">
+          <a:ln>
+            <a:noFill/>
+          </a:ln>
+          <a:solidFill>
+            <a:srgbClr val="000000"/>
+          </a:solidFill>
+          <a:uFillTx/>
           <a:latin typeface="+mn-lt"/>
           <a:ea typeface="+mn-ea"/>
           <a:cs typeface="+mn-cs"/>
           <a:sym typeface="Helvetica Light"/>
         </a:defRPr>
       </a:lvl7pPr>
-      <a:lvl8pPr marL="3556000" indent="-444500" defTabSz="584200">
+      <a:lvl8pPr marL="3556000" marR="0" indent="-444500" algn="l" defTabSz="584200" rtl="0" latinLnBrk="0">
+        <a:lnSpc>
+          <a:spcPct val="100000"/>
+        </a:lnSpc>
         <a:spcBef>
           <a:spcPts val="4200"/>
         </a:spcBef>
+        <a:spcAft>
+          <a:spcPts val="0"/>
+        </a:spcAft>
+        <a:buClrTx/>
         <a:buSzPct val="75000"/>
+        <a:buFontTx/>
         <a:buChar char="•"/>
-        <a:defRPr sz="3600">
+        <a:tabLst/>
+        <a:defRPr b="0" baseline="0" cap="none" i="0" spc="0" strike="noStrike" sz="3600" u="none">
+          <a:ln>
+            <a:noFill/>
+          </a:ln>
+          <a:solidFill>
+            <a:srgbClr val="000000"/>
+          </a:solidFill>
+          <a:uFillTx/>
           <a:latin typeface="+mn-lt"/>
           <a:ea typeface="+mn-ea"/>
           <a:cs typeface="+mn-cs"/>
           <a:sym typeface="Helvetica Light"/>
         </a:defRPr>
       </a:lvl8pPr>
-      <a:lvl9pPr marL="4000500" indent="-444500" defTabSz="584200">
+      <a:lvl9pPr marL="4000500" marR="0" indent="-444500" algn="l" defTabSz="584200" rtl="0" latinLnBrk="0">
+        <a:lnSpc>
+          <a:spcPct val="100000"/>
+        </a:lnSpc>
         <a:spcBef>
           <a:spcPts val="4200"/>
         </a:spcBef>
+        <a:spcAft>
+          <a:spcPts val="0"/>
+        </a:spcAft>
+        <a:buClrTx/>
         <a:buSzPct val="75000"/>
+        <a:buFontTx/>
         <a:buChar char="•"/>
-        <a:defRPr sz="3600">
+        <a:tabLst/>
+        <a:defRPr b="0" baseline="0" cap="none" i="0" spc="0" strike="noStrike" sz="3600" u="none">
+          <a:ln>
+            <a:noFill/>
+          </a:ln>
+          <a:solidFill>
+            <a:srgbClr val="000000"/>
+          </a:solidFill>
+          <a:uFillTx/>
           <a:latin typeface="+mn-lt"/>
           <a:ea typeface="+mn-ea"/>
           <a:cs typeface="+mn-cs"/>
@@ -1745,99 +2704,261 @@
       </a:lvl9pPr>
     </p:bodyStyle>
     <p:otherStyle>
-      <a:lvl1pPr algn="ctr" defTabSz="584200">
-        <a:defRPr>
+      <a:lvl1pPr marL="0" marR="0" indent="0" algn="ctr" defTabSz="584200" rtl="0" latinLnBrk="0">
+        <a:lnSpc>
+          <a:spcPct val="100000"/>
+        </a:lnSpc>
+        <a:spcBef>
+          <a:spcPts val="0"/>
+        </a:spcBef>
+        <a:spcAft>
+          <a:spcPts val="0"/>
+        </a:spcAft>
+        <a:buClrTx/>
+        <a:buSzTx/>
+        <a:buFontTx/>
+        <a:buNone/>
+        <a:tabLst/>
+        <a:defRPr b="0" baseline="0" cap="none" i="0" spc="0" strike="noStrike" sz="1800" u="none">
+          <a:ln>
+            <a:noFill/>
+          </a:ln>
           <a:solidFill>
             <a:schemeClr val="tx1"/>
           </a:solidFill>
+          <a:uFillTx/>
           <a:latin typeface="+mn-lt"/>
           <a:ea typeface="+mn-ea"/>
           <a:cs typeface="+mn-cs"/>
           <a:sym typeface="Helvetica Light"/>
         </a:defRPr>
       </a:lvl1pPr>
-      <a:lvl2pPr indent="228600" algn="ctr" defTabSz="584200">
-        <a:defRPr>
+      <a:lvl2pPr marL="0" marR="0" indent="228600" algn="ctr" defTabSz="584200" rtl="0" latinLnBrk="0">
+        <a:lnSpc>
+          <a:spcPct val="100000"/>
+        </a:lnSpc>
+        <a:spcBef>
+          <a:spcPts val="0"/>
+        </a:spcBef>
+        <a:spcAft>
+          <a:spcPts val="0"/>
+        </a:spcAft>
+        <a:buClrTx/>
+        <a:buSzTx/>
+        <a:buFontTx/>
+        <a:buNone/>
+        <a:tabLst/>
+        <a:defRPr b="0" baseline="0" cap="none" i="0" spc="0" strike="noStrike" sz="1800" u="none">
+          <a:ln>
+            <a:noFill/>
+          </a:ln>
           <a:solidFill>
             <a:schemeClr val="tx1"/>
           </a:solidFill>
+          <a:uFillTx/>
           <a:latin typeface="+mn-lt"/>
           <a:ea typeface="+mn-ea"/>
           <a:cs typeface="+mn-cs"/>
           <a:sym typeface="Helvetica Light"/>
         </a:defRPr>
       </a:lvl2pPr>
-      <a:lvl3pPr indent="457200" algn="ctr" defTabSz="584200">
-        <a:defRPr>
+      <a:lvl3pPr marL="0" marR="0" indent="457200" algn="ctr" defTabSz="584200" rtl="0" latinLnBrk="0">
+        <a:lnSpc>
+          <a:spcPct val="100000"/>
+        </a:lnSpc>
+        <a:spcBef>
+          <a:spcPts val="0"/>
+        </a:spcBef>
+        <a:spcAft>
+          <a:spcPts val="0"/>
+        </a:spcAft>
+        <a:buClrTx/>
+        <a:buSzTx/>
+        <a:buFontTx/>
+        <a:buNone/>
+        <a:tabLst/>
+        <a:defRPr b="0" baseline="0" cap="none" i="0" spc="0" strike="noStrike" sz="1800" u="none">
+          <a:ln>
+            <a:noFill/>
+          </a:ln>
           <a:solidFill>
             <a:schemeClr val="tx1"/>
           </a:solidFill>
+          <a:uFillTx/>
           <a:latin typeface="+mn-lt"/>
           <a:ea typeface="+mn-ea"/>
           <a:cs typeface="+mn-cs"/>
           <a:sym typeface="Helvetica Light"/>
         </a:defRPr>
       </a:lvl3pPr>
-      <a:lvl4pPr indent="685800" algn="ctr" defTabSz="584200">
-        <a:defRPr>
+      <a:lvl4pPr marL="0" marR="0" indent="685800" algn="ctr" defTabSz="584200" rtl="0" latinLnBrk="0">
+        <a:lnSpc>
+          <a:spcPct val="100000"/>
+        </a:lnSpc>
+        <a:spcBef>
+          <a:spcPts val="0"/>
+        </a:spcBef>
+        <a:spcAft>
+          <a:spcPts val="0"/>
+        </a:spcAft>
+        <a:buClrTx/>
+        <a:buSzTx/>
+        <a:buFontTx/>
+        <a:buNone/>
+        <a:tabLst/>
+        <a:defRPr b="0" baseline="0" cap="none" i="0" spc="0" strike="noStrike" sz="1800" u="none">
+          <a:ln>
+            <a:noFill/>
+          </a:ln>
           <a:solidFill>
             <a:schemeClr val="tx1"/>
           </a:solidFill>
+          <a:uFillTx/>
           <a:latin typeface="+mn-lt"/>
           <a:ea typeface="+mn-ea"/>
           <a:cs typeface="+mn-cs"/>
           <a:sym typeface="Helvetica Light"/>
         </a:defRPr>
       </a:lvl4pPr>
-      <a:lvl5pPr indent="914400" algn="ctr" defTabSz="584200">
-        <a:defRPr>
+      <a:lvl5pPr marL="0" marR="0" indent="914400" algn="ctr" defTabSz="584200" rtl="0" latinLnBrk="0">
+        <a:lnSpc>
+          <a:spcPct val="100000"/>
+        </a:lnSpc>
+        <a:spcBef>
+          <a:spcPts val="0"/>
+        </a:spcBef>
+        <a:spcAft>
+          <a:spcPts val="0"/>
+        </a:spcAft>
+        <a:buClrTx/>
+        <a:buSzTx/>
+        <a:buFontTx/>
+        <a:buNone/>
+        <a:tabLst/>
+        <a:defRPr b="0" baseline="0" cap="none" i="0" spc="0" strike="noStrike" sz="1800" u="none">
+          <a:ln>
+            <a:noFill/>
+          </a:ln>
           <a:solidFill>
             <a:schemeClr val="tx1"/>
           </a:solidFill>
+          <a:uFillTx/>
           <a:latin typeface="+mn-lt"/>
           <a:ea typeface="+mn-ea"/>
           <a:cs typeface="+mn-cs"/>
           <a:sym typeface="Helvetica Light"/>
         </a:defRPr>
       </a:lvl5pPr>
-      <a:lvl6pPr indent="1143000" algn="ctr" defTabSz="584200">
-        <a:defRPr>
+      <a:lvl6pPr marL="0" marR="0" indent="1143000" algn="ctr" defTabSz="584200" rtl="0" latinLnBrk="0">
+        <a:lnSpc>
+          <a:spcPct val="100000"/>
+        </a:lnSpc>
+        <a:spcBef>
+          <a:spcPts val="0"/>
+        </a:spcBef>
+        <a:spcAft>
+          <a:spcPts val="0"/>
+        </a:spcAft>
+        <a:buClrTx/>
+        <a:buSzTx/>
+        <a:buFontTx/>
+        <a:buNone/>
+        <a:tabLst/>
+        <a:defRPr b="0" baseline="0" cap="none" i="0" spc="0" strike="noStrike" sz="1800" u="none">
+          <a:ln>
+            <a:noFill/>
+          </a:ln>
           <a:solidFill>
             <a:schemeClr val="tx1"/>
           </a:solidFill>
+          <a:uFillTx/>
           <a:latin typeface="+mn-lt"/>
           <a:ea typeface="+mn-ea"/>
           <a:cs typeface="+mn-cs"/>
           <a:sym typeface="Helvetica Light"/>
         </a:defRPr>
       </a:lvl6pPr>
-      <a:lvl7pPr indent="1371600" algn="ctr" defTabSz="584200">
-        <a:defRPr>
+      <a:lvl7pPr marL="0" marR="0" indent="1371600" algn="ctr" defTabSz="584200" rtl="0" latinLnBrk="0">
+        <a:lnSpc>
+          <a:spcPct val="100000"/>
+        </a:lnSpc>
+        <a:spcBef>
+          <a:spcPts val="0"/>
+        </a:spcBef>
+        <a:spcAft>
+          <a:spcPts val="0"/>
+        </a:spcAft>
+        <a:buClrTx/>
+        <a:buSzTx/>
+        <a:buFontTx/>
+        <a:buNone/>
+        <a:tabLst/>
+        <a:defRPr b="0" baseline="0" cap="none" i="0" spc="0" strike="noStrike" sz="1800" u="none">
+          <a:ln>
+            <a:noFill/>
+          </a:ln>
           <a:solidFill>
             <a:schemeClr val="tx1"/>
           </a:solidFill>
+          <a:uFillTx/>
           <a:latin typeface="+mn-lt"/>
           <a:ea typeface="+mn-ea"/>
           <a:cs typeface="+mn-cs"/>
           <a:sym typeface="Helvetica Light"/>
         </a:defRPr>
       </a:lvl7pPr>
-      <a:lvl8pPr indent="1600200" algn="ctr" defTabSz="584200">
-        <a:defRPr>
+      <a:lvl8pPr marL="0" marR="0" indent="1600200" algn="ctr" defTabSz="584200" rtl="0" latinLnBrk="0">
+        <a:lnSpc>
+          <a:spcPct val="100000"/>
+        </a:lnSpc>
+        <a:spcBef>
+          <a:spcPts val="0"/>
+        </a:spcBef>
+        <a:spcAft>
+          <a:spcPts val="0"/>
+        </a:spcAft>
+        <a:buClrTx/>
+        <a:buSzTx/>
+        <a:buFontTx/>
+        <a:buNone/>
+        <a:tabLst/>
+        <a:defRPr b="0" baseline="0" cap="none" i="0" spc="0" strike="noStrike" sz="1800" u="none">
+          <a:ln>
+            <a:noFill/>
+          </a:ln>
           <a:solidFill>
             <a:schemeClr val="tx1"/>
           </a:solidFill>
+          <a:uFillTx/>
           <a:latin typeface="+mn-lt"/>
           <a:ea typeface="+mn-ea"/>
           <a:cs typeface="+mn-cs"/>
           <a:sym typeface="Helvetica Light"/>
         </a:defRPr>
       </a:lvl8pPr>
-      <a:lvl9pPr indent="1828800" algn="ctr" defTabSz="584200">
-        <a:defRPr>
+      <a:lvl9pPr marL="0" marR="0" indent="1828800" algn="ctr" defTabSz="584200" rtl="0" latinLnBrk="0">
+        <a:lnSpc>
+          <a:spcPct val="100000"/>
+        </a:lnSpc>
+        <a:spcBef>
+          <a:spcPts val="0"/>
+        </a:spcBef>
+        <a:spcAft>
+          <a:spcPts val="0"/>
+        </a:spcAft>
+        <a:buClrTx/>
+        <a:buSzTx/>
+        <a:buFontTx/>
+        <a:buNone/>
+        <a:tabLst/>
+        <a:defRPr b="0" baseline="0" cap="none" i="0" spc="0" strike="noStrike" sz="1800" u="none">
+          <a:ln>
+            <a:noFill/>
+          </a:ln>
           <a:solidFill>
             <a:schemeClr val="tx1"/>
           </a:solidFill>
+          <a:uFillTx/>
           <a:latin typeface="+mn-lt"/>
           <a:ea typeface="+mn-ea"/>
           <a:cs typeface="+mn-cs"/>
@@ -1850,7 +2971,7 @@
 </file>
 
 <file path=ppt/slides/slide1.xml><?xml version="1.0" encoding="utf-8"?>
-<p:sld xmlns:a="http://schemas.openxmlformats.org/drawingml/2006/main" xmlns:r="http://schemas.openxmlformats.org/officeDocument/2006/relationships" xmlns:p="http://schemas.openxmlformats.org/presentationml/2006/main">
+<p:sld xmlns:a="http://schemas.openxmlformats.org/drawingml/2006/main" xmlns:r="http://schemas.openxmlformats.org/officeDocument/2006/relationships" xmlns:p="http://schemas.openxmlformats.org/presentationml/2006/main" showMasterSp="1" showMasterPhAnim="1">
   <p:cSld>
     <p:spTree>
       <p:nvGrpSpPr>
@@ -1868,12 +2989,10 @@
       </p:grpSpPr>
       <p:sp>
         <p:nvSpPr>
-          <p:cNvPr id="32" name="Shape 32"/>
-          <p:cNvSpPr>
-            <a:spLocks noGrp="1"/>
-          </p:cNvSpPr>
+          <p:cNvPr id="119" name="Shape 119"/>
+          <p:cNvSpPr/>
           <p:nvPr>
-            <p:ph type="title"/>
+            <p:ph type="ctrTitle"/>
           </p:nvPr>
         </p:nvSpPr>
         <p:spPr>
@@ -1885,11 +3004,8 @@
           <a:bodyPr/>
           <a:lstStyle/>
           <a:p>
-            <a:pPr lvl="1">
-              <a:defRPr sz="1800"/>
-            </a:pPr>
-            <a:r>
-              <a:rPr sz="8000"/>
+            <a:pPr lvl="1"/>
+            <a:r>
               <a:t>Pretty Good Privacy</a:t>
             </a:r>
           </a:p>
@@ -1897,12 +3013,10 @@
       </p:sp>
       <p:sp>
         <p:nvSpPr>
-          <p:cNvPr id="33" name="Shape 33"/>
-          <p:cNvSpPr>
-            <a:spLocks noGrp="1"/>
-          </p:cNvSpPr>
+          <p:cNvPr id="120" name="Shape 120"/>
+          <p:cNvSpPr/>
           <p:nvPr>
-            <p:ph type="body" idx="1"/>
+            <p:ph type="subTitle" sz="quarter" idx="1"/>
           </p:nvPr>
         </p:nvSpPr>
         <p:spPr>
@@ -1914,30 +3028,10 @@
           <a:bodyPr/>
           <a:lstStyle/>
           <a:p>
-            <a:pPr lvl="0">
-              <a:defRPr sz="1800"/>
-            </a:pPr>
-            <a:r>
-              <a:rPr sz="3200" dirty="0"/>
-              <a:t>Joe Abley – AIS </a:t>
-            </a:r>
-            <a:r>
-              <a:rPr sz="3200" dirty="0" smtClean="0"/>
-              <a:t>201</a:t>
-            </a:r>
-            <a:r>
-              <a:rPr lang="en-US" sz="3200" dirty="0" smtClean="0"/>
-              <a:t>6</a:t>
-            </a:r>
-            <a:r>
-              <a:rPr sz="3200" smtClean="0"/>
-              <a:t>, </a:t>
-            </a:r>
-            <a:r>
-              <a:rPr lang="en-US" sz="3200" smtClean="0"/>
-              <a:t>Gaborone</a:t>
-            </a:r>
-            <a:endParaRPr sz="3200" dirty="0"/>
+            <a:pPr/>
+            <a:r>
+              <a:t>Joe Abley – AIS 2016, Gaborone</a:t>
+            </a:r>
           </a:p>
         </p:txBody>
       </p:sp>
@@ -1946,12 +3040,12 @@
   <p:clrMapOvr>
     <a:masterClrMapping/>
   </p:clrMapOvr>
-  <p:transition spd="med"/>
+  <p:transition xmlns:p14="http://schemas.microsoft.com/office/powerpoint/2010/main" spd="med" advClick="1"/>
 </p:sld>
 </file>
 
-<file path=ppt/slides/slide2.xml><?xml version="1.0" encoding="utf-8"?>
-<p:sld xmlns:a="http://schemas.openxmlformats.org/drawingml/2006/main" xmlns:r="http://schemas.openxmlformats.org/officeDocument/2006/relationships" xmlns:p="http://schemas.openxmlformats.org/presentationml/2006/main">
+<file path=ppt/slides/slide10.xml><?xml version="1.0" encoding="utf-8"?>
+<p:sld xmlns:a="http://schemas.openxmlformats.org/drawingml/2006/main" xmlns:r="http://schemas.openxmlformats.org/officeDocument/2006/relationships" xmlns:p="http://schemas.openxmlformats.org/presentationml/2006/main" showMasterSp="1" showMasterPhAnim="1">
   <p:cSld>
     <p:spTree>
       <p:nvGrpSpPr>
@@ -1969,10 +3063,8 @@
       </p:grpSpPr>
       <p:sp>
         <p:nvSpPr>
-          <p:cNvPr id="35" name="Shape 35"/>
-          <p:cNvSpPr>
-            <a:spLocks noGrp="1"/>
-          </p:cNvSpPr>
+          <p:cNvPr id="145" name="Shape 145"/>
+          <p:cNvSpPr/>
           <p:nvPr>
             <p:ph type="title"/>
           </p:nvPr>
@@ -1986,59 +3078,9 @@
           <a:bodyPr/>
           <a:lstStyle/>
           <a:p>
-            <a:pPr lvl="0">
-              <a:defRPr sz="1800"/>
-            </a:pPr>
-            <a:r>
-              <a:rPr sz="8000"/>
-              <a:t>Why?</a:t>
-            </a:r>
-          </a:p>
-        </p:txBody>
-      </p:sp>
-      <p:sp>
-        <p:nvSpPr>
-          <p:cNvPr id="36" name="Shape 36"/>
-          <p:cNvSpPr>
-            <a:spLocks noGrp="1"/>
-          </p:cNvSpPr>
-          <p:nvPr>
-            <p:ph type="body" idx="1"/>
-          </p:nvPr>
-        </p:nvSpPr>
-        <p:spPr>
-          <a:prstGeom prst="rect">
-            <a:avLst/>
-          </a:prstGeom>
-        </p:spPr>
-        <p:txBody>
-          <a:bodyPr/>
-          <a:lstStyle/>
-          <a:p>
-            <a:pPr lvl="1">
-              <a:defRPr sz="1800"/>
-            </a:pPr>
-            <a:r>
-              <a:rPr sz="3600"/>
-              <a:t>What can we use cryptography for?</a:t>
-            </a:r>
-          </a:p>
-          <a:p>
-            <a:pPr lvl="1">
-              <a:defRPr sz="1800"/>
-            </a:pPr>
-            <a:r>
-              <a:rPr sz="3600"/>
-              <a:t>Why would we bother?</a:t>
-            </a:r>
-          </a:p>
-          <a:p>
-            <a:pPr lvl="1">
-              <a:defRPr sz="1800"/>
-            </a:pPr>
-            <a:r>
-              <a:rPr sz="3600"/>
-              <a:t>What are the implications of not using it?</a:t>
+            <a:pPr/>
+            <a:r>
+              <a:t>2. PGP</a:t>
             </a:r>
           </a:p>
         </p:txBody>
@@ -2048,12 +3090,12 @@
   <p:clrMapOvr>
     <a:masterClrMapping/>
   </p:clrMapOvr>
-  <p:transition spd="med"/>
+  <p:transition xmlns:p14="http://schemas.microsoft.com/office/powerpoint/2010/main" spd="med" advClick="1" p14:dur="1000"/>
 </p:sld>
 </file>
 
-<file path=ppt/slides/slide3.xml><?xml version="1.0" encoding="utf-8"?>
-<p:sld xmlns:a="http://schemas.openxmlformats.org/drawingml/2006/main" xmlns:r="http://schemas.openxmlformats.org/officeDocument/2006/relationships" xmlns:p="http://schemas.openxmlformats.org/presentationml/2006/main">
+<file path=ppt/slides/slide11.xml><?xml version="1.0" encoding="utf-8"?>
+<p:sld xmlns:a="http://schemas.openxmlformats.org/drawingml/2006/main" xmlns:r="http://schemas.openxmlformats.org/officeDocument/2006/relationships" xmlns:p="http://schemas.openxmlformats.org/presentationml/2006/main" showMasterSp="1" showMasterPhAnim="1">
   <p:cSld>
     <p:spTree>
       <p:nvGrpSpPr>
@@ -2071,10 +3113,8 @@
       </p:grpSpPr>
       <p:sp>
         <p:nvSpPr>
-          <p:cNvPr id="38" name="Shape 38"/>
-          <p:cNvSpPr>
-            <a:spLocks noGrp="1"/>
-          </p:cNvSpPr>
+          <p:cNvPr id="147" name="Shape 147"/>
+          <p:cNvSpPr/>
           <p:nvPr>
             <p:ph type="title"/>
           </p:nvPr>
@@ -2086,28 +3126,19 @@
         </p:spPr>
         <p:txBody>
           <a:bodyPr/>
-          <a:lstStyle>
-            <a:lvl1pPr defTabSz="560831">
-              <a:defRPr sz="7679"/>
-            </a:lvl1pPr>
-          </a:lstStyle>
-          <a:p>
-            <a:pPr lvl="0">
-              <a:defRPr sz="1800"/>
-            </a:pPr>
-            <a:r>
-              <a:rPr sz="7679"/>
-              <a:t>Public Key Cryptography</a:t>
+          <a:lstStyle/>
+          <a:p>
+            <a:pPr/>
+            <a:r>
+              <a:t>PGP in Practice</a:t>
             </a:r>
           </a:p>
         </p:txBody>
       </p:sp>
       <p:sp>
         <p:nvSpPr>
-          <p:cNvPr id="39" name="Shape 39"/>
-          <p:cNvSpPr>
-            <a:spLocks noGrp="1"/>
-          </p:cNvSpPr>
+          <p:cNvPr id="148" name="Shape 148"/>
+          <p:cNvSpPr/>
           <p:nvPr>
             <p:ph type="body" idx="1"/>
           </p:nvPr>
@@ -2121,89 +3152,80 @@
           <a:bodyPr/>
           <a:lstStyle/>
           <a:p>
-            <a:pPr marL="826769" lvl="1" indent="-413384" defTabSz="543305">
+            <a:pPr lvl="1" marL="764540" indent="-382270" defTabSz="502412">
               <a:spcBef>
-                <a:spcPts val="3900"/>
+                <a:spcPts val="3600"/>
               </a:spcBef>
-              <a:defRPr sz="1800"/>
+              <a:defRPr sz="3096"/>
             </a:pPr>
             <a:r>
-              <a:rPr sz="3348"/>
-              <a:t>Create a public/private key pair</a:t>
-            </a:r>
-          </a:p>
-          <a:p>
-            <a:pPr marL="1240155" lvl="2" indent="-413384" defTabSz="543305">
+              <a:t>PGP at the command line is a bit ugly</a:t>
+            </a:r>
+          </a:p>
+          <a:p>
+            <a:pPr lvl="1" marL="764540" indent="-382270" defTabSz="502412">
               <a:spcBef>
-                <a:spcPts val="3900"/>
+                <a:spcPts val="3600"/>
               </a:spcBef>
-              <a:defRPr sz="1800"/>
+              <a:defRPr sz="3096"/>
             </a:pPr>
             <a:r>
-              <a:rPr sz="3348"/>
-              <a:t>keep the private key private</a:t>
-            </a:r>
-          </a:p>
-          <a:p>
-            <a:pPr marL="1240155" lvl="2" indent="-413384" defTabSz="543305">
+              <a:t>There are plugins for mail clients to make all of this easier</a:t>
+            </a:r>
+          </a:p>
+          <a:p>
+            <a:pPr lvl="2" marL="1146810" indent="-382270" defTabSz="502412">
               <a:spcBef>
-                <a:spcPts val="3900"/>
+                <a:spcPts val="3600"/>
               </a:spcBef>
-              <a:defRPr sz="1800"/>
+              <a:defRPr sz="3096"/>
             </a:pPr>
             <a:r>
-              <a:rPr sz="3348"/>
-              <a:t>make the public key public</a:t>
-            </a:r>
-          </a:p>
-          <a:p>
-            <a:pPr marL="826769" lvl="1" indent="-413384" defTabSz="543305">
+              <a:t>Thunderbird</a:t>
+            </a:r>
+          </a:p>
+          <a:p>
+            <a:pPr lvl="2" marL="1146810" indent="-382270" defTabSz="502412">
               <a:spcBef>
-                <a:spcPts val="3900"/>
+                <a:spcPts val="3600"/>
               </a:spcBef>
-              <a:defRPr sz="1800"/>
+              <a:defRPr sz="3096"/>
             </a:pPr>
             <a:r>
-              <a:rPr sz="3348"/>
-              <a:t>Use someone else's public key to </a:t>
-            </a:r>
-            <a:r>
-              <a:rPr sz="3348" b="1">
-                <a:latin typeface="Helvetica"/>
-                <a:ea typeface="Helvetica"/>
-                <a:cs typeface="Helvetica"/>
-                <a:sym typeface="Helvetica"/>
-              </a:rPr>
-              <a:t>encrypt</a:t>
-            </a:r>
-            <a:r>
-              <a:rPr sz="3348"/>
-              <a:t> data such that only they can decrypt it, using their private key</a:t>
-            </a:r>
-          </a:p>
-          <a:p>
-            <a:pPr marL="826769" lvl="1" indent="-413384" defTabSz="543305">
+              <a:t>Mutt on the Unix/Linux command-line</a:t>
+            </a:r>
+          </a:p>
+          <a:p>
+            <a:pPr lvl="2" marL="1146810" indent="-382270" defTabSz="502412">
               <a:spcBef>
-                <a:spcPts val="3900"/>
+                <a:spcPts val="3600"/>
               </a:spcBef>
-              <a:defRPr sz="1800"/>
+              <a:defRPr sz="3096"/>
             </a:pPr>
             <a:r>
-              <a:rPr sz="3348"/>
-              <a:t>Use your own private key to </a:t>
-            </a:r>
-            <a:r>
-              <a:rPr sz="3348" b="1">
-                <a:latin typeface="Helvetica"/>
-                <a:ea typeface="Helvetica"/>
-                <a:cs typeface="Helvetica"/>
-                <a:sym typeface="Helvetica"/>
-              </a:rPr>
-              <a:t>sign</a:t>
-            </a:r>
-            <a:r>
-              <a:rPr sz="3348"/>
-              <a:t> something in a way that anybody who has your public key can verify</a:t>
+              <a:t>MailMate, Apple Mail on the Mac</a:t>
+            </a:r>
+          </a:p>
+          <a:p>
+            <a:pPr lvl="2" marL="1146810" indent="-382270" defTabSz="502412">
+              <a:spcBef>
+                <a:spcPts val="3600"/>
+              </a:spcBef>
+              <a:defRPr sz="3096"/>
+            </a:pPr>
+            <a:r>
+              <a:t>Surely something for Windows</a:t>
+            </a:r>
+          </a:p>
+          <a:p>
+            <a:pPr lvl="1" marL="764540" indent="-382270" defTabSz="502412">
+              <a:spcBef>
+                <a:spcPts val="3600"/>
+              </a:spcBef>
+              <a:defRPr sz="3096"/>
+            </a:pPr>
+            <a:r>
+              <a:t>Web mail clients are harder. Why?</a:t>
             </a:r>
           </a:p>
         </p:txBody>
@@ -2213,12 +3235,12 @@
   <p:clrMapOvr>
     <a:masterClrMapping/>
   </p:clrMapOvr>
-  <p:transition spd="med"/>
+  <p:transition xmlns:p14="http://schemas.microsoft.com/office/powerpoint/2010/main" spd="med" advClick="1" p14:dur="1000"/>
 </p:sld>
 </file>
 
-<file path=ppt/slides/slide4.xml><?xml version="1.0" encoding="utf-8"?>
-<p:sld xmlns:a="http://schemas.openxmlformats.org/drawingml/2006/main" xmlns:r="http://schemas.openxmlformats.org/officeDocument/2006/relationships" xmlns:p="http://schemas.openxmlformats.org/presentationml/2006/main">
+<file path=ppt/slides/slide12.xml><?xml version="1.0" encoding="utf-8"?>
+<p:sld xmlns:a="http://schemas.openxmlformats.org/drawingml/2006/main" xmlns:r="http://schemas.openxmlformats.org/officeDocument/2006/relationships" xmlns:p="http://schemas.openxmlformats.org/presentationml/2006/main" showMasterSp="1" showMasterPhAnim="1">
   <p:cSld>
     <p:spTree>
       <p:nvGrpSpPr>
@@ -2236,10 +3258,8 @@
       </p:grpSpPr>
       <p:sp>
         <p:nvSpPr>
-          <p:cNvPr id="41" name="Shape 41"/>
-          <p:cNvSpPr>
-            <a:spLocks noGrp="1"/>
-          </p:cNvSpPr>
+          <p:cNvPr id="150" name="Shape 150"/>
+          <p:cNvSpPr/>
           <p:nvPr>
             <p:ph type="title"/>
           </p:nvPr>
@@ -2253,22 +3273,17 @@
           <a:bodyPr/>
           <a:lstStyle/>
           <a:p>
-            <a:pPr lvl="0">
-              <a:defRPr sz="1800"/>
-            </a:pPr>
-            <a:r>
-              <a:rPr sz="8000"/>
-              <a:t>Trusting Public Keys</a:t>
+            <a:pPr/>
+            <a:r>
+              <a:t>Exercise</a:t>
             </a:r>
           </a:p>
         </p:txBody>
       </p:sp>
       <p:sp>
         <p:nvSpPr>
-          <p:cNvPr id="42" name="Shape 42"/>
-          <p:cNvSpPr>
-            <a:spLocks noGrp="1"/>
-          </p:cNvSpPr>
+          <p:cNvPr id="151" name="Shape 151"/>
+          <p:cNvSpPr/>
           <p:nvPr>
             <p:ph type="body" idx="1"/>
           </p:nvPr>
@@ -2282,21 +3297,33 @@
           <a:bodyPr/>
           <a:lstStyle/>
           <a:p>
-            <a:pPr lvl="1">
-              <a:defRPr sz="1800"/>
-            </a:pPr>
-            <a:r>
-              <a:rPr sz="3600"/>
-              <a:t>If you want to use someone's public key (for what?) it's important to trust that the copy you have is accurate</a:t>
-            </a:r>
-          </a:p>
-          <a:p>
-            <a:pPr lvl="2">
-              <a:defRPr sz="1800"/>
-            </a:pPr>
-            <a:r>
-              <a:rPr sz="3600"/>
-              <a:t>How could you tell?</a:t>
+            <a:pPr lvl="1"/>
+            <a:r>
+              <a:t>Install GnuPG</a:t>
+            </a:r>
+          </a:p>
+          <a:p>
+            <a:pPr lvl="1"/>
+            <a:r>
+              <a:t>Create a key pair</a:t>
+            </a:r>
+          </a:p>
+          <a:p>
+            <a:pPr lvl="1"/>
+            <a:r>
+              <a:t>Obtain public keys from other people in the room</a:t>
+            </a:r>
+          </a:p>
+          <a:p>
+            <a:pPr lvl="1"/>
+            <a:r>
+              <a:t>Find ways to trust their public keys</a:t>
+            </a:r>
+          </a:p>
+          <a:p>
+            <a:pPr lvl="1"/>
+            <a:r>
+              <a:t>Encrypt a private message to another person, and verify that other people can't easily decrypt it</a:t>
             </a:r>
           </a:p>
         </p:txBody>
@@ -2306,12 +3333,12 @@
   <p:clrMapOvr>
     <a:masterClrMapping/>
   </p:clrMapOvr>
-  <p:transition spd="med"/>
+  <p:transition xmlns:p14="http://schemas.microsoft.com/office/powerpoint/2010/main" spd="med" advClick="1" p14:dur="1000"/>
 </p:sld>
 </file>
 
-<file path=ppt/slides/slide5.xml><?xml version="1.0" encoding="utf-8"?>
-<p:sld xmlns:a="http://schemas.openxmlformats.org/drawingml/2006/main" xmlns:r="http://schemas.openxmlformats.org/officeDocument/2006/relationships" xmlns:p="http://schemas.openxmlformats.org/presentationml/2006/main">
+<file path=ppt/slides/slide2.xml><?xml version="1.0" encoding="utf-8"?>
+<p:sld xmlns:a="http://schemas.openxmlformats.org/drawingml/2006/main" xmlns:r="http://schemas.openxmlformats.org/officeDocument/2006/relationships" xmlns:p="http://schemas.openxmlformats.org/presentationml/2006/main" showMasterSp="1" showMasterPhAnim="1">
   <p:cSld>
     <p:spTree>
       <p:nvGrpSpPr>
@@ -2329,10 +3356,8 @@
       </p:grpSpPr>
       <p:sp>
         <p:nvSpPr>
-          <p:cNvPr id="44" name="Shape 44"/>
-          <p:cNvSpPr>
-            <a:spLocks noGrp="1"/>
-          </p:cNvSpPr>
+          <p:cNvPr id="122" name="Shape 122"/>
+          <p:cNvSpPr/>
           <p:nvPr>
             <p:ph type="title"/>
           </p:nvPr>
@@ -2344,28 +3369,19 @@
         </p:spPr>
         <p:txBody>
           <a:bodyPr/>
-          <a:lstStyle>
-            <a:lvl1pPr defTabSz="490727">
-              <a:defRPr sz="6719"/>
-            </a:lvl1pPr>
-          </a:lstStyle>
-          <a:p>
-            <a:pPr lvl="0">
-              <a:defRPr sz="1800"/>
-            </a:pPr>
-            <a:r>
-              <a:rPr sz="6719"/>
-              <a:t>Keeping Private Keys Private</a:t>
+          <a:lstStyle/>
+          <a:p>
+            <a:pPr/>
+            <a:r>
+              <a:t>Why?</a:t>
             </a:r>
           </a:p>
         </p:txBody>
       </p:sp>
       <p:sp>
         <p:nvSpPr>
-          <p:cNvPr id="45" name="Shape 45"/>
-          <p:cNvSpPr>
-            <a:spLocks noGrp="1"/>
-          </p:cNvSpPr>
+          <p:cNvPr id="123" name="Shape 123"/>
+          <p:cNvSpPr/>
           <p:nvPr>
             <p:ph type="body" idx="1"/>
           </p:nvPr>
@@ -2379,30 +3395,21 @@
           <a:bodyPr/>
           <a:lstStyle/>
           <a:p>
-            <a:pPr lvl="1">
-              <a:defRPr sz="1800"/>
-            </a:pPr>
-            <a:r>
-              <a:rPr sz="3600"/>
-              <a:t>How much trouble should you go to?</a:t>
-            </a:r>
-          </a:p>
-          <a:p>
-            <a:pPr lvl="1">
-              <a:defRPr sz="1800"/>
-            </a:pPr>
-            <a:r>
-              <a:rPr sz="3600"/>
-              <a:t>How private is private?</a:t>
-            </a:r>
-          </a:p>
-          <a:p>
-            <a:pPr lvl="2">
-              <a:defRPr sz="1800"/>
-            </a:pPr>
-            <a:r>
-              <a:rPr sz="3600"/>
-              <a:t>how secret is secret?</a:t>
+            <a:pPr lvl="1"/>
+            <a:r>
+              <a:t>What can we use cryptography for?</a:t>
+            </a:r>
+          </a:p>
+          <a:p>
+            <a:pPr lvl="1"/>
+            <a:r>
+              <a:t>Why would we bother?</a:t>
+            </a:r>
+          </a:p>
+          <a:p>
+            <a:pPr lvl="1"/>
+            <a:r>
+              <a:t>What are the implications of not using it?</a:t>
             </a:r>
           </a:p>
         </p:txBody>
@@ -2412,12 +3419,12 @@
   <p:clrMapOvr>
     <a:masterClrMapping/>
   </p:clrMapOvr>
-  <p:transition spd="med"/>
+  <p:transition xmlns:p14="http://schemas.microsoft.com/office/powerpoint/2010/main" spd="med" advClick="1" p14:dur="1000"/>
 </p:sld>
 </file>
 
-<file path=ppt/slides/slide6.xml><?xml version="1.0" encoding="utf-8"?>
-<p:sld xmlns:a="http://schemas.openxmlformats.org/drawingml/2006/main" xmlns:r="http://schemas.openxmlformats.org/officeDocument/2006/relationships" xmlns:p="http://schemas.openxmlformats.org/presentationml/2006/main">
+<file path=ppt/slides/slide3.xml><?xml version="1.0" encoding="utf-8"?>
+<p:sld xmlns:a="http://schemas.openxmlformats.org/drawingml/2006/main" xmlns:r="http://schemas.openxmlformats.org/officeDocument/2006/relationships" xmlns:p="http://schemas.openxmlformats.org/presentationml/2006/main" showMasterSp="1" showMasterPhAnim="1">
   <p:cSld>
     <p:spTree>
       <p:nvGrpSpPr>
@@ -2435,10 +3442,8 @@
       </p:grpSpPr>
       <p:sp>
         <p:nvSpPr>
-          <p:cNvPr id="47" name="Shape 47"/>
-          <p:cNvSpPr>
-            <a:spLocks noGrp="1"/>
-          </p:cNvSpPr>
+          <p:cNvPr id="125" name="Shape 125"/>
+          <p:cNvSpPr/>
           <p:nvPr>
             <p:ph type="title"/>
           </p:nvPr>
@@ -2450,24 +3455,23 @@
         </p:spPr>
         <p:txBody>
           <a:bodyPr/>
-          <a:lstStyle/>
-          <a:p>
-            <a:pPr lvl="0">
-              <a:defRPr sz="1800"/>
-            </a:pPr>
-            <a:r>
-              <a:rPr sz="8000"/>
-              <a:t>PGP in Practice</a:t>
+          <a:lstStyle>
+            <a:lvl1pPr defTabSz="560831">
+              <a:defRPr sz="7679"/>
+            </a:lvl1pPr>
+          </a:lstStyle>
+          <a:p>
+            <a:pPr/>
+            <a:r>
+              <a:t>Public Key Cryptography</a:t>
             </a:r>
           </a:p>
         </p:txBody>
       </p:sp>
       <p:sp>
         <p:nvSpPr>
-          <p:cNvPr id="48" name="Shape 48"/>
-          <p:cNvSpPr>
-            <a:spLocks noGrp="1"/>
-          </p:cNvSpPr>
+          <p:cNvPr id="126" name="Shape 126"/>
+          <p:cNvSpPr/>
           <p:nvPr>
             <p:ph type="body" idx="1"/>
           </p:nvPr>
@@ -2481,87 +3485,82 @@
           <a:bodyPr/>
           <a:lstStyle/>
           <a:p>
-            <a:pPr marL="764540" lvl="1" indent="-382270" defTabSz="502412">
+            <a:pPr lvl="1" marL="826769" indent="-413384" defTabSz="543305">
               <a:spcBef>
-                <a:spcPts val="3600"/>
+                <a:spcPts val="3900"/>
               </a:spcBef>
-              <a:defRPr sz="1800"/>
+              <a:defRPr sz="3348"/>
             </a:pPr>
             <a:r>
-              <a:rPr sz="3096"/>
-              <a:t>PGP at the command line is a bit ugly</a:t>
-            </a:r>
-          </a:p>
-          <a:p>
-            <a:pPr marL="764540" lvl="1" indent="-382270" defTabSz="502412">
+              <a:t>Create a public/private key pair</a:t>
+            </a:r>
+          </a:p>
+          <a:p>
+            <a:pPr lvl="2" marL="1240155" indent="-413384" defTabSz="543305">
               <a:spcBef>
-                <a:spcPts val="3600"/>
+                <a:spcPts val="3900"/>
               </a:spcBef>
-              <a:defRPr sz="1800"/>
+              <a:defRPr sz="3348"/>
             </a:pPr>
             <a:r>
-              <a:rPr sz="3096"/>
-              <a:t>There are plugins for mail clients to make all of this easier</a:t>
-            </a:r>
-          </a:p>
-          <a:p>
-            <a:pPr marL="1146810" lvl="2" indent="-382270" defTabSz="502412">
+              <a:t>keep the private key private</a:t>
+            </a:r>
+          </a:p>
+          <a:p>
+            <a:pPr lvl="2" marL="1240155" indent="-413384" defTabSz="543305">
               <a:spcBef>
-                <a:spcPts val="3600"/>
+                <a:spcPts val="3900"/>
               </a:spcBef>
-              <a:defRPr sz="1800"/>
+              <a:defRPr sz="3348"/>
             </a:pPr>
             <a:r>
-              <a:rPr sz="3096"/>
-              <a:t>Thunderbird</a:t>
-            </a:r>
-          </a:p>
-          <a:p>
-            <a:pPr marL="1146810" lvl="2" indent="-382270" defTabSz="502412">
+              <a:t>make the public key public</a:t>
+            </a:r>
+          </a:p>
+          <a:p>
+            <a:pPr lvl="1" marL="826769" indent="-413384" defTabSz="543305">
               <a:spcBef>
-                <a:spcPts val="3600"/>
+                <a:spcPts val="3900"/>
               </a:spcBef>
-              <a:defRPr sz="1800"/>
+              <a:defRPr sz="3348"/>
             </a:pPr>
             <a:r>
-              <a:rPr sz="3096"/>
-              <a:t>Mutt on the Unix/Linux command-line</a:t>
-            </a:r>
-          </a:p>
-          <a:p>
-            <a:pPr marL="1146810" lvl="2" indent="-382270" defTabSz="502412">
+              <a:t>Use someone else's public key to </a:t>
+            </a:r>
+            <a:r>
+              <a:rPr b="1">
+                <a:latin typeface="Helvetica"/>
+                <a:ea typeface="Helvetica"/>
+                <a:cs typeface="Helvetica"/>
+                <a:sym typeface="Helvetica"/>
+              </a:rPr>
+              <a:t>encrypt</a:t>
+            </a:r>
+            <a:r>
+              <a:t> data such that only they can decrypt it, using their private key</a:t>
+            </a:r>
+          </a:p>
+          <a:p>
+            <a:pPr lvl="1" marL="826769" indent="-413384" defTabSz="543305">
               <a:spcBef>
-                <a:spcPts val="3600"/>
+                <a:spcPts val="3900"/>
               </a:spcBef>
-              <a:defRPr sz="1800"/>
+              <a:defRPr sz="3348"/>
             </a:pPr>
             <a:r>
-              <a:rPr sz="3096"/>
-              <a:t>MailMate, Apple Mail on the Mac</a:t>
-            </a:r>
-          </a:p>
-          <a:p>
-            <a:pPr marL="1146810" lvl="2" indent="-382270" defTabSz="502412">
-              <a:spcBef>
-                <a:spcPts val="3600"/>
-              </a:spcBef>
-              <a:defRPr sz="1800"/>
-            </a:pPr>
-            <a:r>
-              <a:rPr sz="3096"/>
-              <a:t>Surely something for Windows</a:t>
-            </a:r>
-          </a:p>
-          <a:p>
-            <a:pPr marL="764540" lvl="1" indent="-382270" defTabSz="502412">
-              <a:spcBef>
-                <a:spcPts val="3600"/>
-              </a:spcBef>
-              <a:defRPr sz="1800"/>
-            </a:pPr>
-            <a:r>
-              <a:rPr sz="3096"/>
-              <a:t>Web mail clients are harder. Why?</a:t>
+              <a:t>Use your own private key to </a:t>
+            </a:r>
+            <a:r>
+              <a:rPr b="1">
+                <a:latin typeface="Helvetica"/>
+                <a:ea typeface="Helvetica"/>
+                <a:cs typeface="Helvetica"/>
+                <a:sym typeface="Helvetica"/>
+              </a:rPr>
+              <a:t>sign</a:t>
+            </a:r>
+            <a:r>
+              <a:t> something in a way that anybody who has your public key can verify</a:t>
             </a:r>
           </a:p>
         </p:txBody>
@@ -2571,12 +3570,12 @@
   <p:clrMapOvr>
     <a:masterClrMapping/>
   </p:clrMapOvr>
-  <p:transition spd="med"/>
+  <p:transition xmlns:p14="http://schemas.microsoft.com/office/powerpoint/2010/main" spd="med" advClick="1" p14:dur="1000"/>
 </p:sld>
 </file>
 
-<file path=ppt/slides/slide7.xml><?xml version="1.0" encoding="utf-8"?>
-<p:sld xmlns:a="http://schemas.openxmlformats.org/drawingml/2006/main" xmlns:r="http://schemas.openxmlformats.org/officeDocument/2006/relationships" xmlns:p="http://schemas.openxmlformats.org/presentationml/2006/main">
+<file path=ppt/slides/slide4.xml><?xml version="1.0" encoding="utf-8"?>
+<p:sld xmlns:a="http://schemas.openxmlformats.org/drawingml/2006/main" xmlns:r="http://schemas.openxmlformats.org/officeDocument/2006/relationships" xmlns:p="http://schemas.openxmlformats.org/presentationml/2006/main" showMasterSp="1" showMasterPhAnim="1">
   <p:cSld>
     <p:spTree>
       <p:nvGrpSpPr>
@@ -2594,10 +3593,8 @@
       </p:grpSpPr>
       <p:sp>
         <p:nvSpPr>
-          <p:cNvPr id="50" name="Shape 50"/>
-          <p:cNvSpPr>
-            <a:spLocks noGrp="1"/>
-          </p:cNvSpPr>
+          <p:cNvPr id="128" name="Shape 128"/>
+          <p:cNvSpPr/>
           <p:nvPr>
             <p:ph type="title"/>
           </p:nvPr>
@@ -2611,22 +3608,17 @@
           <a:bodyPr/>
           <a:lstStyle/>
           <a:p>
-            <a:pPr lvl="0">
-              <a:defRPr sz="1800"/>
-            </a:pPr>
-            <a:r>
-              <a:rPr sz="8000"/>
-              <a:t>Exercise</a:t>
+            <a:pPr/>
+            <a:r>
+              <a:t>Trusting Public Keys</a:t>
             </a:r>
           </a:p>
         </p:txBody>
       </p:sp>
       <p:sp>
         <p:nvSpPr>
-          <p:cNvPr id="51" name="Shape 51"/>
-          <p:cNvSpPr>
-            <a:spLocks noGrp="1"/>
-          </p:cNvSpPr>
+          <p:cNvPr id="129" name="Shape 129"/>
+          <p:cNvSpPr/>
           <p:nvPr>
             <p:ph type="body" idx="1"/>
           </p:nvPr>
@@ -2640,48 +3632,15 @@
           <a:bodyPr/>
           <a:lstStyle/>
           <a:p>
-            <a:pPr lvl="1">
-              <a:defRPr sz="1800"/>
-            </a:pPr>
-            <a:r>
-              <a:rPr sz="3600"/>
-              <a:t>Install GnuPG</a:t>
-            </a:r>
-          </a:p>
-          <a:p>
-            <a:pPr lvl="1">
-              <a:defRPr sz="1800"/>
-            </a:pPr>
-            <a:r>
-              <a:rPr sz="3600"/>
-              <a:t>Create a key pair</a:t>
-            </a:r>
-          </a:p>
-          <a:p>
-            <a:pPr lvl="1">
-              <a:defRPr sz="1800"/>
-            </a:pPr>
-            <a:r>
-              <a:rPr sz="3600"/>
-              <a:t>Obtain public keys from other people in the room</a:t>
-            </a:r>
-          </a:p>
-          <a:p>
-            <a:pPr lvl="1">
-              <a:defRPr sz="1800"/>
-            </a:pPr>
-            <a:r>
-              <a:rPr sz="3600"/>
-              <a:t>Find ways to trust their public keys</a:t>
-            </a:r>
-          </a:p>
-          <a:p>
-            <a:pPr lvl="1">
-              <a:defRPr sz="1800"/>
-            </a:pPr>
-            <a:r>
-              <a:rPr sz="3600"/>
-              <a:t>Encrypt a private message to another person, and verify that other people can't easily decrypt it</a:t>
+            <a:pPr lvl="1"/>
+            <a:r>
+              <a:t>If you want to use someone's public key (for what?) it's important to trust that the copy you have is accurate</a:t>
+            </a:r>
+          </a:p>
+          <a:p>
+            <a:pPr lvl="2"/>
+            <a:r>
+              <a:t>How could you tell?</a:t>
             </a:r>
           </a:p>
         </p:txBody>
@@ -2691,12 +3650,12 @@
   <p:clrMapOvr>
     <a:masterClrMapping/>
   </p:clrMapOvr>
-  <p:transition spd="med"/>
+  <p:transition xmlns:p14="http://schemas.microsoft.com/office/powerpoint/2010/main" spd="med" advClick="1" p14:dur="1000"/>
 </p:sld>
 </file>
 
-<file path=ppt/slides/slide8.xml><?xml version="1.0" encoding="utf-8"?>
-<p:sld xmlns:a="http://schemas.openxmlformats.org/drawingml/2006/main" xmlns:r="http://schemas.openxmlformats.org/officeDocument/2006/relationships" xmlns:p="http://schemas.openxmlformats.org/presentationml/2006/main">
+<file path=ppt/slides/slide5.xml><?xml version="1.0" encoding="utf-8"?>
+<p:sld xmlns:a="http://schemas.openxmlformats.org/drawingml/2006/main" xmlns:r="http://schemas.openxmlformats.org/officeDocument/2006/relationships" xmlns:p="http://schemas.openxmlformats.org/presentationml/2006/main" showMasterSp="1" showMasterPhAnim="1">
   <p:cSld>
     <p:spTree>
       <p:nvGrpSpPr>
@@ -2714,10 +3673,98 @@
       </p:grpSpPr>
       <p:sp>
         <p:nvSpPr>
-          <p:cNvPr id="53" name="Shape 53"/>
-          <p:cNvSpPr>
-            <a:spLocks noGrp="1"/>
-          </p:cNvSpPr>
+          <p:cNvPr id="131" name="Shape 131"/>
+          <p:cNvSpPr/>
+          <p:nvPr>
+            <p:ph type="title"/>
+          </p:nvPr>
+        </p:nvSpPr>
+        <p:spPr>
+          <a:prstGeom prst="rect">
+            <a:avLst/>
+          </a:prstGeom>
+        </p:spPr>
+        <p:txBody>
+          <a:bodyPr/>
+          <a:lstStyle>
+            <a:lvl1pPr defTabSz="490727">
+              <a:defRPr sz="6719"/>
+            </a:lvl1pPr>
+          </a:lstStyle>
+          <a:p>
+            <a:pPr/>
+            <a:r>
+              <a:t>Keeping Private Keys Private</a:t>
+            </a:r>
+          </a:p>
+        </p:txBody>
+      </p:sp>
+      <p:sp>
+        <p:nvSpPr>
+          <p:cNvPr id="132" name="Shape 132"/>
+          <p:cNvSpPr/>
+          <p:nvPr>
+            <p:ph type="body" idx="1"/>
+          </p:nvPr>
+        </p:nvSpPr>
+        <p:spPr>
+          <a:prstGeom prst="rect">
+            <a:avLst/>
+          </a:prstGeom>
+        </p:spPr>
+        <p:txBody>
+          <a:bodyPr/>
+          <a:lstStyle/>
+          <a:p>
+            <a:pPr lvl="1"/>
+            <a:r>
+              <a:t>How much trouble should you go to?</a:t>
+            </a:r>
+          </a:p>
+          <a:p>
+            <a:pPr lvl="1"/>
+            <a:r>
+              <a:t>How private is private?</a:t>
+            </a:r>
+          </a:p>
+          <a:p>
+            <a:pPr lvl="2"/>
+            <a:r>
+              <a:t>how secret is secret?</a:t>
+            </a:r>
+          </a:p>
+        </p:txBody>
+      </p:sp>
+    </p:spTree>
+  </p:cSld>
+  <p:clrMapOvr>
+    <a:masterClrMapping/>
+  </p:clrMapOvr>
+  <p:transition xmlns:p14="http://schemas.microsoft.com/office/powerpoint/2010/main" spd="med" advClick="1" p14:dur="1000"/>
+</p:sld>
+</file>
+
+<file path=ppt/slides/slide6.xml><?xml version="1.0" encoding="utf-8"?>
+<p:sld xmlns:a="http://schemas.openxmlformats.org/drawingml/2006/main" xmlns:r="http://schemas.openxmlformats.org/officeDocument/2006/relationships" xmlns:p="http://schemas.openxmlformats.org/presentationml/2006/main" showMasterSp="1" showMasterPhAnim="1">
+  <p:cSld>
+    <p:spTree>
+      <p:nvGrpSpPr>
+        <p:cNvPr id="1" name=""/>
+        <p:cNvGrpSpPr/>
+        <p:nvPr/>
+      </p:nvGrpSpPr>
+      <p:grpSpPr>
+        <a:xfrm>
+          <a:off x="0" y="0"/>
+          <a:ext cx="0" cy="0"/>
+          <a:chOff x="0" y="0"/>
+          <a:chExt cx="0" cy="0"/>
+        </a:xfrm>
+      </p:grpSpPr>
+      <p:sp>
+        <p:nvSpPr>
+          <p:cNvPr id="134" name="Shape 134"/>
+          <p:cNvSpPr/>
           <p:nvPr>
             <p:ph type="title"/>
           </p:nvPr>
@@ -2731,11 +3778,8 @@
           <a:bodyPr/>
           <a:lstStyle/>
           <a:p>
-            <a:pPr lvl="0">
-              <a:defRPr sz="1800"/>
-            </a:pPr>
-            <a:r>
-              <a:rPr sz="8000"/>
+            <a:pPr/>
+            <a:r>
               <a:t>Remember!</a:t>
             </a:r>
           </a:p>
@@ -2743,10 +3787,8 @@
       </p:sp>
       <p:sp>
         <p:nvSpPr>
-          <p:cNvPr id="54" name="Shape 54"/>
-          <p:cNvSpPr>
-            <a:spLocks noGrp="1"/>
-          </p:cNvSpPr>
+          <p:cNvPr id="135" name="Shape 135"/>
+          <p:cNvSpPr/>
           <p:nvPr>
             <p:ph type="body" idx="1"/>
           </p:nvPr>
@@ -2760,46 +3802,33 @@
           <a:bodyPr/>
           <a:lstStyle/>
           <a:p>
-            <a:pPr lvl="1">
-              <a:defRPr sz="1800"/>
-            </a:pPr>
-            <a:r>
-              <a:rPr sz="3600"/>
+            <a:pPr lvl="1"/>
+            <a:r>
               <a:t>You are creating keys on extremely insecure public servers</a:t>
             </a:r>
           </a:p>
           <a:p>
-            <a:pPr lvl="2">
-              <a:defRPr sz="1800"/>
-            </a:pPr>
-            <a:r>
-              <a:rPr sz="3600"/>
+            <a:pPr lvl="2"/>
+            <a:r>
               <a:t>"afnog/afnog"</a:t>
             </a:r>
           </a:p>
           <a:p>
-            <a:pPr lvl="1">
-              <a:defRPr sz="1800"/>
-            </a:pPr>
-            <a:r>
-              <a:rPr sz="3600"/>
+            <a:pPr lvl="1"/>
+            <a:r>
               <a:t>Don't share anything that is </a:t>
             </a:r>
             <a:r>
-              <a:rPr sz="3600" i="1"/>
+              <a:rPr i="1"/>
               <a:t>really</a:t>
             </a:r>
             <a:r>
-              <a:rPr sz="3600"/>
               <a:t> secret</a:t>
             </a:r>
           </a:p>
           <a:p>
-            <a:pPr lvl="1">
-              <a:defRPr sz="1800"/>
-            </a:pPr>
-            <a:r>
-              <a:rPr sz="3600"/>
+            <a:pPr lvl="1"/>
+            <a:r>
               <a:t>Delete your keys (public and private) when you are finished. Why?</a:t>
             </a:r>
           </a:p>
@@ -2810,12 +3839,316 @@
   <p:clrMapOvr>
     <a:masterClrMapping/>
   </p:clrMapOvr>
-  <p:transition spd="med"/>
+  <p:transition xmlns:p14="http://schemas.microsoft.com/office/powerpoint/2010/main" spd="med" advClick="1" p14:dur="1000"/>
+</p:sld>
+</file>
+
+<file path=ppt/slides/slide7.xml><?xml version="1.0" encoding="utf-8"?>
+<p:sld xmlns:a="http://schemas.openxmlformats.org/drawingml/2006/main" xmlns:r="http://schemas.openxmlformats.org/officeDocument/2006/relationships" xmlns:p="http://schemas.openxmlformats.org/presentationml/2006/main" showMasterSp="1" showMasterPhAnim="1">
+  <p:cSld>
+    <p:spTree>
+      <p:nvGrpSpPr>
+        <p:cNvPr id="1" name=""/>
+        <p:cNvGrpSpPr/>
+        <p:nvPr/>
+      </p:nvGrpSpPr>
+      <p:grpSpPr>
+        <a:xfrm>
+          <a:off x="0" y="0"/>
+          <a:ext cx="0" cy="0"/>
+          <a:chOff x="0" y="0"/>
+          <a:chExt cx="0" cy="0"/>
+        </a:xfrm>
+      </p:grpSpPr>
+      <p:sp>
+        <p:nvSpPr>
+          <p:cNvPr id="137" name="Shape 137"/>
+          <p:cNvSpPr/>
+          <p:nvPr>
+            <p:ph type="title"/>
+          </p:nvPr>
+        </p:nvSpPr>
+        <p:spPr>
+          <a:prstGeom prst="rect">
+            <a:avLst/>
+          </a:prstGeom>
+        </p:spPr>
+        <p:txBody>
+          <a:bodyPr/>
+          <a:lstStyle/>
+          <a:p>
+            <a:pPr/>
+            <a:r>
+              <a:t>1. SSH</a:t>
+            </a:r>
+          </a:p>
+        </p:txBody>
+      </p:sp>
+    </p:spTree>
+  </p:cSld>
+  <p:clrMapOvr>
+    <a:masterClrMapping/>
+  </p:clrMapOvr>
+  <p:transition xmlns:p14="http://schemas.microsoft.com/office/powerpoint/2010/main" spd="med" advClick="1" p14:dur="1000"/>
+</p:sld>
+</file>
+
+<file path=ppt/slides/slide8.xml><?xml version="1.0" encoding="utf-8"?>
+<p:sld xmlns:a="http://schemas.openxmlformats.org/drawingml/2006/main" xmlns:r="http://schemas.openxmlformats.org/officeDocument/2006/relationships" xmlns:p="http://schemas.openxmlformats.org/presentationml/2006/main" showMasterSp="1" showMasterPhAnim="1">
+  <p:cSld>
+    <p:spTree>
+      <p:nvGrpSpPr>
+        <p:cNvPr id="1" name=""/>
+        <p:cNvGrpSpPr/>
+        <p:nvPr/>
+      </p:nvGrpSpPr>
+      <p:grpSpPr>
+        <a:xfrm>
+          <a:off x="0" y="0"/>
+          <a:ext cx="0" cy="0"/>
+          <a:chOff x="0" y="0"/>
+          <a:chExt cx="0" cy="0"/>
+        </a:xfrm>
+      </p:grpSpPr>
+      <p:sp>
+        <p:nvSpPr>
+          <p:cNvPr id="139" name="Shape 139"/>
+          <p:cNvSpPr/>
+          <p:nvPr>
+            <p:ph type="title"/>
+          </p:nvPr>
+        </p:nvSpPr>
+        <p:spPr>
+          <a:prstGeom prst="rect">
+            <a:avLst/>
+          </a:prstGeom>
+        </p:spPr>
+        <p:txBody>
+          <a:bodyPr/>
+          <a:lstStyle/>
+          <a:p>
+            <a:pPr/>
+            <a:r>
+              <a:t>SSH in Practice</a:t>
+            </a:r>
+          </a:p>
+        </p:txBody>
+      </p:sp>
+      <p:sp>
+        <p:nvSpPr>
+          <p:cNvPr id="140" name="Shape 140"/>
+          <p:cNvSpPr/>
+          <p:nvPr>
+            <p:ph type="body" idx="1"/>
+          </p:nvPr>
+        </p:nvSpPr>
+        <p:spPr>
+          <a:prstGeom prst="rect">
+            <a:avLst/>
+          </a:prstGeom>
+        </p:spPr>
+        <p:txBody>
+          <a:bodyPr/>
+          <a:lstStyle/>
+          <a:p>
+            <a:pPr lvl="1" marL="622300" indent="-311150" defTabSz="408940">
+              <a:spcBef>
+                <a:spcPts val="2900"/>
+              </a:spcBef>
+              <a:defRPr sz="2520"/>
+            </a:pPr>
+            <a:r>
+              <a:t>SSH supports password authentication as well as key authentication. Which is better? Why?</a:t>
+            </a:r>
+          </a:p>
+          <a:p>
+            <a:pPr lvl="2" marL="933450" indent="-311150" defTabSz="408940">
+              <a:spcBef>
+                <a:spcPts val="2900"/>
+              </a:spcBef>
+              <a:defRPr sz="2520"/>
+            </a:pPr>
+            <a:r>
+              <a:t>SSH scanners on the Internet</a:t>
+            </a:r>
+          </a:p>
+          <a:p>
+            <a:pPr lvl="1" marL="622300" indent="-311150" defTabSz="408940">
+              <a:spcBef>
+                <a:spcPts val="2900"/>
+              </a:spcBef>
+              <a:defRPr sz="2520"/>
+            </a:pPr>
+            <a:r>
+              <a:t>Distributing public keys</a:t>
+            </a:r>
+          </a:p>
+          <a:p>
+            <a:pPr lvl="2" marL="933450" indent="-311150" defTabSz="408940">
+              <a:spcBef>
+                <a:spcPts val="2900"/>
+              </a:spcBef>
+              <a:defRPr sz="2520"/>
+            </a:pPr>
+            <a:r>
+              <a:t>SSHFP records in the DNS</a:t>
+            </a:r>
+          </a:p>
+          <a:p>
+            <a:pPr lvl="2" marL="933450" indent="-311150" defTabSz="408940">
+              <a:spcBef>
+                <a:spcPts val="2900"/>
+              </a:spcBef>
+              <a:defRPr sz="2520"/>
+            </a:pPr>
+            <a:r>
+              <a:t>Trust on First Use (TOFU)</a:t>
+            </a:r>
+          </a:p>
+          <a:p>
+            <a:pPr lvl="1" marL="622300" indent="-311150" defTabSz="408940">
+              <a:spcBef>
+                <a:spcPts val="2900"/>
+              </a:spcBef>
+              <a:defRPr sz="2520"/>
+            </a:pPr>
+            <a:r>
+              <a:t>Keeping up-to-date</a:t>
+            </a:r>
+          </a:p>
+          <a:p>
+            <a:pPr lvl="2" marL="933450" indent="-311150" defTabSz="408940">
+              <a:spcBef>
+                <a:spcPts val="2900"/>
+              </a:spcBef>
+              <a:defRPr sz="2520"/>
+            </a:pPr>
+            <a:r>
+              <a:t>Frequent enough vulnerabilities in ssh, historically, to be careful</a:t>
+            </a:r>
+          </a:p>
+          <a:p>
+            <a:pPr lvl="2" marL="933450" indent="-311150" defTabSz="408940">
+              <a:spcBef>
+                <a:spcPts val="2900"/>
+              </a:spcBef>
+              <a:defRPr sz="2520"/>
+            </a:pPr>
+            <a:r>
+              <a:t>OpenSSH has a great track record in responding to vulnerabilities</a:t>
+            </a:r>
+          </a:p>
+        </p:txBody>
+      </p:sp>
+    </p:spTree>
+  </p:cSld>
+  <p:clrMapOvr>
+    <a:masterClrMapping/>
+  </p:clrMapOvr>
+  <p:transition xmlns:p14="http://schemas.microsoft.com/office/powerpoint/2010/main" spd="med" advClick="1" p14:dur="1000"/>
+</p:sld>
+</file>
+
+<file path=ppt/slides/slide9.xml><?xml version="1.0" encoding="utf-8"?>
+<p:sld xmlns:a="http://schemas.openxmlformats.org/drawingml/2006/main" xmlns:r="http://schemas.openxmlformats.org/officeDocument/2006/relationships" xmlns:p="http://schemas.openxmlformats.org/presentationml/2006/main" showMasterSp="1" showMasterPhAnim="1">
+  <p:cSld>
+    <p:spTree>
+      <p:nvGrpSpPr>
+        <p:cNvPr id="1" name=""/>
+        <p:cNvGrpSpPr/>
+        <p:nvPr/>
+      </p:nvGrpSpPr>
+      <p:grpSpPr>
+        <a:xfrm>
+          <a:off x="0" y="0"/>
+          <a:ext cx="0" cy="0"/>
+          <a:chOff x="0" y="0"/>
+          <a:chExt cx="0" cy="0"/>
+        </a:xfrm>
+      </p:grpSpPr>
+      <p:sp>
+        <p:nvSpPr>
+          <p:cNvPr id="142" name="Shape 142"/>
+          <p:cNvSpPr/>
+          <p:nvPr>
+            <p:ph type="title"/>
+          </p:nvPr>
+        </p:nvSpPr>
+        <p:spPr>
+          <a:prstGeom prst="rect">
+            <a:avLst/>
+          </a:prstGeom>
+        </p:spPr>
+        <p:txBody>
+          <a:bodyPr/>
+          <a:lstStyle/>
+          <a:p>
+            <a:pPr/>
+            <a:r>
+              <a:t>Exercise</a:t>
+            </a:r>
+          </a:p>
+        </p:txBody>
+      </p:sp>
+      <p:sp>
+        <p:nvSpPr>
+          <p:cNvPr id="143" name="Shape 143"/>
+          <p:cNvSpPr/>
+          <p:nvPr>
+            <p:ph type="body" idx="1"/>
+          </p:nvPr>
+        </p:nvSpPr>
+        <p:spPr>
+          <a:prstGeom prst="rect">
+            <a:avLst/>
+          </a:prstGeom>
+        </p:spPr>
+        <p:txBody>
+          <a:bodyPr/>
+          <a:lstStyle/>
+          <a:p>
+            <a:pPr lvl="1"/>
+            <a:r>
+              <a:t>Create a key pair on your SSH client (find out how)</a:t>
+            </a:r>
+          </a:p>
+          <a:p>
+            <a:pPr lvl="2"/>
+            <a:r>
+              <a:t>set a passphrase to afnog</a:t>
+            </a:r>
+          </a:p>
+          <a:p>
+            <a:pPr lvl="1"/>
+            <a:r>
+              <a:t>Transfer public key to your server</a:t>
+            </a:r>
+          </a:p>
+          <a:p>
+            <a:pPr lvl="1"/>
+            <a:r>
+              <a:t>Confirm that you can connect using ssh to your server without using a password</a:t>
+            </a:r>
+          </a:p>
+          <a:p>
+            <a:pPr lvl="1"/>
+            <a:r>
+              <a:t>Turn off password authentication on the server</a:t>
+            </a:r>
+          </a:p>
+        </p:txBody>
+      </p:sp>
+    </p:spTree>
+  </p:cSld>
+  <p:clrMapOvr>
+    <a:masterClrMapping/>
+  </p:clrMapOvr>
+  <p:transition xmlns:p14="http://schemas.microsoft.com/office/powerpoint/2010/main" spd="med" advClick="1" p14:dur="1000"/>
 </p:sld>
 </file>
 
 <file path=ppt/theme/theme1.xml><?xml version="1.0" encoding="utf-8"?>
-<a:theme xmlns:a="http://schemas.openxmlformats.org/drawingml/2006/main" name="White">
+<a:theme xmlns:a="http://schemas.openxmlformats.org/drawingml/2006/main" xmlns:r="http://schemas.openxmlformats.org/officeDocument/2006/relationships" name="White">
   <a:themeElements>
     <a:clrScheme name="White">
       <a:dk1>
@@ -2941,7 +4274,7 @@
       <a:effectStyleLst>
         <a:effectStyle>
           <a:effectLst>
-            <a:outerShdw blurRad="38100" dist="25400" dir="5400000" rotWithShape="0">
+            <a:outerShdw sx="100000" sy="100000" kx="0" ky="0" algn="b" rotWithShape="0" blurRad="38100" dist="25400" dir="5400000">
               <a:srgbClr val="000000">
                 <a:alpha val="50000"/>
               </a:srgbClr>
@@ -2950,7 +4283,7 @@
         </a:effectStyle>
         <a:effectStyle>
           <a:effectLst>
-            <a:outerShdw blurRad="50800" dist="12700" rotWithShape="0">
+            <a:outerShdw sx="100000" sy="100000" kx="0" ky="0" algn="b" rotWithShape="0" blurRad="50800" dist="12700" dir="0">
               <a:srgbClr val="000000">
                 <a:alpha val="50000"/>
               </a:srgbClr>
@@ -2959,7 +4292,7 @@
         </a:effectStyle>
         <a:effectStyle>
           <a:effectLst>
-            <a:outerShdw blurRad="38100" dist="25400" dir="5400000" rotWithShape="0">
+            <a:outerShdw sx="100000" sy="100000" kx="0" ky="0" algn="b" rotWithShape="0" blurRad="38100" dist="25400" dir="5400000">
               <a:srgbClr val="000000">
                 <a:alpha val="50000"/>
               </a:srgbClr>
@@ -3023,8 +4356,8 @@
     <a:spDef>
       <a:spPr>
         <a:blipFill rotWithShape="1">
-          <a:blip xmlns:r="http://schemas.openxmlformats.org/officeDocument/2006/relationships" r:embed="rId1"/>
-          <a:srcRect/>
+          <a:blip r:embed="rId1"/>
+          <a:srcRect l="0" t="0" r="0" b="0"/>
           <a:tile tx="0" ty="0" sx="100000" sy="100000" flip="none" algn="tl"/>
         </a:blipFill>
         <a:ln w="12700" cap="flat">
@@ -3032,18 +4365,19 @@
           <a:miter lim="400000"/>
         </a:ln>
         <a:effectLst>
-          <a:outerShdw blurRad="38100" dist="25400" dir="5400000" rotWithShape="0">
+          <a:outerShdw sx="100000" sy="100000" kx="0" ky="0" algn="b" rotWithShape="0" blurRad="38100" dist="25400" dir="5400000">
             <a:srgbClr val="000000">
               <a:alpha val="50000"/>
             </a:srgbClr>
           </a:outerShdw>
         </a:effectLst>
+        <a:sp3d/>
       </a:spPr>
-      <a:bodyPr rot="0" spcFirstLastPara="1" vertOverflow="overflow" horzOverflow="overflow" vert="horz" wrap="square" lIns="50800" tIns="50800" rIns="50800" bIns="50800" numCol="1" spcCol="38100" rtlCol="0" anchor="ctr">
+      <a:bodyPr rot="0" spcFirstLastPara="1" vertOverflow="overflow" horzOverflow="overflow" vert="horz" wrap="square" lIns="50800" tIns="50800" rIns="50800" bIns="50800" numCol="1" spcCol="38100" rtlCol="0" anchor="ctr" upright="0">
         <a:spAutoFit/>
       </a:bodyPr>
       <a:lstStyle>
-        <a:defPPr marL="0" marR="0" indent="0" algn="ctr" defTabSz="584200" rtl="0" fontAlgn="auto" latinLnBrk="1" hangingPunct="0">
+        <a:defPPr marL="0" marR="0" indent="0" algn="ctr" defTabSz="584200" rtl="0" fontAlgn="auto" latinLnBrk="0" hangingPunct="0">
           <a:lnSpc>
             <a:spcPct val="100000"/>
           </a:lnSpc>
@@ -3058,7 +4392,7 @@
           <a:buFontTx/>
           <a:buNone/>
           <a:tabLst/>
-          <a:defRPr kumimoji="0" sz="2400" b="0" i="0" u="none" strike="noStrike" cap="none" spc="0" normalizeH="0" baseline="0">
+          <a:defRPr b="0" baseline="0" cap="none" i="0" spc="0" strike="noStrike" sz="2400" u="none" kumimoji="0" normalizeH="0">
             <a:ln>
               <a:noFill/>
             </a:ln>
@@ -3088,7 +4422,7 @@
           <a:buFontTx/>
           <a:buNone/>
           <a:tabLst/>
-          <a:defRPr kumimoji="0" sz="1800" b="0" i="0" u="none" strike="noStrike" cap="none" spc="0" normalizeH="0" baseline="0">
+          <a:defRPr b="0" baseline="0" cap="none" i="0" spc="0" strike="noStrike" sz="1800" u="none" kumimoji="0" normalizeH="0">
             <a:ln>
               <a:noFill/>
             </a:ln>
@@ -3114,7 +4448,7 @@
           <a:buFontTx/>
           <a:buNone/>
           <a:tabLst/>
-          <a:defRPr kumimoji="0" sz="1800" b="0" i="0" u="none" strike="noStrike" cap="none" spc="0" normalizeH="0" baseline="0">
+          <a:defRPr b="0" baseline="0" cap="none" i="0" spc="0" strike="noStrike" sz="1800" u="none" kumimoji="0" normalizeH="0">
             <a:ln>
               <a:noFill/>
             </a:ln>
@@ -3140,7 +4474,7 @@
           <a:buFontTx/>
           <a:buNone/>
           <a:tabLst/>
-          <a:defRPr kumimoji="0" sz="1800" b="0" i="0" u="none" strike="noStrike" cap="none" spc="0" normalizeH="0" baseline="0">
+          <a:defRPr b="0" baseline="0" cap="none" i="0" spc="0" strike="noStrike" sz="1800" u="none" kumimoji="0" normalizeH="0">
             <a:ln>
               <a:noFill/>
             </a:ln>
@@ -3166,7 +4500,7 @@
           <a:buFontTx/>
           <a:buNone/>
           <a:tabLst/>
-          <a:defRPr kumimoji="0" sz="1800" b="0" i="0" u="none" strike="noStrike" cap="none" spc="0" normalizeH="0" baseline="0">
+          <a:defRPr b="0" baseline="0" cap="none" i="0" spc="0" strike="noStrike" sz="1800" u="none" kumimoji="0" normalizeH="0">
             <a:ln>
               <a:noFill/>
             </a:ln>
@@ -3192,7 +4526,7 @@
           <a:buFontTx/>
           <a:buNone/>
           <a:tabLst/>
-          <a:defRPr kumimoji="0" sz="1800" b="0" i="0" u="none" strike="noStrike" cap="none" spc="0" normalizeH="0" baseline="0">
+          <a:defRPr b="0" baseline="0" cap="none" i="0" spc="0" strike="noStrike" sz="1800" u="none" kumimoji="0" normalizeH="0">
             <a:ln>
               <a:noFill/>
             </a:ln>
@@ -3218,7 +4552,7 @@
           <a:buFontTx/>
           <a:buNone/>
           <a:tabLst/>
-          <a:defRPr kumimoji="0" sz="1800" b="0" i="0" u="none" strike="noStrike" cap="none" spc="0" normalizeH="0" baseline="0">
+          <a:defRPr b="0" baseline="0" cap="none" i="0" spc="0" strike="noStrike" sz="1800" u="none" kumimoji="0" normalizeH="0">
             <a:ln>
               <a:noFill/>
             </a:ln>
@@ -3244,7 +4578,7 @@
           <a:buFontTx/>
           <a:buNone/>
           <a:tabLst/>
-          <a:defRPr kumimoji="0" sz="1800" b="0" i="0" u="none" strike="noStrike" cap="none" spc="0" normalizeH="0" baseline="0">
+          <a:defRPr b="0" baseline="0" cap="none" i="0" spc="0" strike="noStrike" sz="1800" u="none" kumimoji="0" normalizeH="0">
             <a:ln>
               <a:noFill/>
             </a:ln>
@@ -3270,7 +4604,7 @@
           <a:buFontTx/>
           <a:buNone/>
           <a:tabLst/>
-          <a:defRPr kumimoji="0" sz="1800" b="0" i="0" u="none" strike="noStrike" cap="none" spc="0" normalizeH="0" baseline="0">
+          <a:defRPr b="0" baseline="0" cap="none" i="0" spc="0" strike="noStrike" sz="1800" u="none" kumimoji="0" normalizeH="0">
             <a:ln>
               <a:noFill/>
             </a:ln>
@@ -3296,7 +4630,7 @@
           <a:buFontTx/>
           <a:buNone/>
           <a:tabLst/>
-          <a:defRPr kumimoji="0" sz="1800" b="0" i="0" u="none" strike="noStrike" cap="none" spc="0" normalizeH="0" baseline="0">
+          <a:defRPr b="0" baseline="0" cap="none" i="0" spc="0" strike="noStrike" sz="1800" u="none" kumimoji="0" normalizeH="0">
             <a:ln>
               <a:noFill/>
             </a:ln>
@@ -3309,15 +4643,9 @@
         </a:lvl9pPr>
       </a:lstStyle>
       <a:style>
-        <a:lnRef idx="0">
-          <a:scrgbClr r="0" g="0" b="0"/>
-        </a:lnRef>
-        <a:fillRef idx="0">
-          <a:scrgbClr r="0" g="0" b="0"/>
-        </a:fillRef>
-        <a:effectRef idx="0">
-          <a:scrgbClr r="0" g="0" b="0"/>
-        </a:effectRef>
+        <a:lnRef idx="0"/>
+        <a:fillRef idx="0"/>
+        <a:effectRef idx="0"/>
         <a:fontRef idx="none"/>
       </a:style>
     </a:spDef>
@@ -3332,8 +4660,9 @@
           <a:miter lim="400000"/>
         </a:ln>
         <a:effectLst/>
+        <a:sp3d/>
       </a:spPr>
-      <a:bodyPr rot="0" spcFirstLastPara="1" vertOverflow="overflow" horzOverflow="overflow" vert="horz" wrap="square" lIns="91439" tIns="45719" rIns="91439" bIns="45719" numCol="1" spcCol="38100" rtlCol="0" anchor="t">
+      <a:bodyPr rot="0" spcFirstLastPara="1" vertOverflow="overflow" horzOverflow="overflow" vert="horz" wrap="square" lIns="91439" tIns="45719" rIns="91439" bIns="45719" numCol="1" spcCol="38100" rtlCol="0" anchor="t" upright="0">
         <a:noAutofit/>
       </a:bodyPr>
       <a:lstStyle>
@@ -3352,7 +4681,7 @@
           <a:buFontTx/>
           <a:buNone/>
           <a:tabLst/>
-          <a:defRPr kumimoji="0" sz="1800" b="0" i="0" u="none" strike="noStrike" cap="none" spc="0" normalizeH="0" baseline="0">
+          <a:defRPr b="0" baseline="0" cap="none" i="0" spc="0" strike="noStrike" sz="1800" u="none" kumimoji="0" normalizeH="0">
             <a:ln>
               <a:noFill/>
             </a:ln>
@@ -3378,7 +4707,7 @@
           <a:buFontTx/>
           <a:buNone/>
           <a:tabLst/>
-          <a:defRPr kumimoji="0" sz="1800" b="0" i="0" u="none" strike="noStrike" cap="none" spc="0" normalizeH="0" baseline="0">
+          <a:defRPr b="0" baseline="0" cap="none" i="0" spc="0" strike="noStrike" sz="1800" u="none" kumimoji="0" normalizeH="0">
             <a:ln>
               <a:noFill/>
             </a:ln>
@@ -3404,7 +4733,7 @@
           <a:buFontTx/>
           <a:buNone/>
           <a:tabLst/>
-          <a:defRPr kumimoji="0" sz="1800" b="0" i="0" u="none" strike="noStrike" cap="none" spc="0" normalizeH="0" baseline="0">
+          <a:defRPr b="0" baseline="0" cap="none" i="0" spc="0" strike="noStrike" sz="1800" u="none" kumimoji="0" normalizeH="0">
             <a:ln>
               <a:noFill/>
             </a:ln>
@@ -3430,7 +4759,7 @@
           <a:buFontTx/>
           <a:buNone/>
           <a:tabLst/>
-          <a:defRPr kumimoji="0" sz="1800" b="0" i="0" u="none" strike="noStrike" cap="none" spc="0" normalizeH="0" baseline="0">
+          <a:defRPr b="0" baseline="0" cap="none" i="0" spc="0" strike="noStrike" sz="1800" u="none" kumimoji="0" normalizeH="0">
             <a:ln>
               <a:noFill/>
             </a:ln>
@@ -3456,7 +4785,7 @@
           <a:buFontTx/>
           <a:buNone/>
           <a:tabLst/>
-          <a:defRPr kumimoji="0" sz="1800" b="0" i="0" u="none" strike="noStrike" cap="none" spc="0" normalizeH="0" baseline="0">
+          <a:defRPr b="0" baseline="0" cap="none" i="0" spc="0" strike="noStrike" sz="1800" u="none" kumimoji="0" normalizeH="0">
             <a:ln>
               <a:noFill/>
             </a:ln>
@@ -3482,7 +4811,7 @@
           <a:buFontTx/>
           <a:buNone/>
           <a:tabLst/>
-          <a:defRPr kumimoji="0" sz="1800" b="0" i="0" u="none" strike="noStrike" cap="none" spc="0" normalizeH="0" baseline="0">
+          <a:defRPr b="0" baseline="0" cap="none" i="0" spc="0" strike="noStrike" sz="1800" u="none" kumimoji="0" normalizeH="0">
             <a:ln>
               <a:noFill/>
             </a:ln>
@@ -3508,7 +4837,7 @@
           <a:buFontTx/>
           <a:buNone/>
           <a:tabLst/>
-          <a:defRPr kumimoji="0" sz="1800" b="0" i="0" u="none" strike="noStrike" cap="none" spc="0" normalizeH="0" baseline="0">
+          <a:defRPr b="0" baseline="0" cap="none" i="0" spc="0" strike="noStrike" sz="1800" u="none" kumimoji="0" normalizeH="0">
             <a:ln>
               <a:noFill/>
             </a:ln>
@@ -3534,7 +4863,7 @@
           <a:buFontTx/>
           <a:buNone/>
           <a:tabLst/>
-          <a:defRPr kumimoji="0" sz="1800" b="0" i="0" u="none" strike="noStrike" cap="none" spc="0" normalizeH="0" baseline="0">
+          <a:defRPr b="0" baseline="0" cap="none" i="0" spc="0" strike="noStrike" sz="1800" u="none" kumimoji="0" normalizeH="0">
             <a:ln>
               <a:noFill/>
             </a:ln>
@@ -3560,7 +4889,7 @@
           <a:buFontTx/>
           <a:buNone/>
           <a:tabLst/>
-          <a:defRPr kumimoji="0" sz="1800" b="0" i="0" u="none" strike="noStrike" cap="none" spc="0" normalizeH="0" baseline="0">
+          <a:defRPr b="0" baseline="0" cap="none" i="0" spc="0" strike="noStrike" sz="1800" u="none" kumimoji="0" normalizeH="0">
             <a:ln>
               <a:noFill/>
             </a:ln>
@@ -3586,7 +4915,7 @@
           <a:buFontTx/>
           <a:buNone/>
           <a:tabLst/>
-          <a:defRPr kumimoji="0" sz="1800" b="0" i="0" u="none" strike="noStrike" cap="none" spc="0" normalizeH="0" baseline="0">
+          <a:defRPr b="0" baseline="0" cap="none" i="0" spc="0" strike="noStrike" sz="1800" u="none" kumimoji="0" normalizeH="0">
             <a:ln>
               <a:noFill/>
             </a:ln>
@@ -3599,15 +4928,9 @@
         </a:lvl9pPr>
       </a:lstStyle>
       <a:style>
-        <a:lnRef idx="0">
-          <a:scrgbClr r="0" g="0" b="0"/>
-        </a:lnRef>
-        <a:fillRef idx="0">
-          <a:scrgbClr r="0" g="0" b="0"/>
-        </a:fillRef>
-        <a:effectRef idx="0">
-          <a:scrgbClr r="0" g="0" b="0"/>
-        </a:effectRef>
+        <a:lnRef idx="0"/>
+        <a:fillRef idx="0"/>
+        <a:effectRef idx="0"/>
         <a:fontRef idx="none"/>
       </a:style>
     </a:lnDef>
@@ -3619,12 +4942,13 @@
           <a:miter lim="400000"/>
         </a:ln>
         <a:effectLst/>
+        <a:sp3d/>
       </a:spPr>
-      <a:bodyPr rot="0" spcFirstLastPara="1" vertOverflow="overflow" horzOverflow="overflow" vert="horz" wrap="square" lIns="50800" tIns="50800" rIns="50800" bIns="50800" numCol="1" spcCol="38100" rtlCol="0" anchor="ctr">
+      <a:bodyPr rot="0" spcFirstLastPara="1" vertOverflow="overflow" horzOverflow="overflow" vert="horz" wrap="square" lIns="50800" tIns="50800" rIns="50800" bIns="50800" numCol="1" spcCol="38100" rtlCol="0" anchor="ctr" upright="0">
         <a:spAutoFit/>
       </a:bodyPr>
       <a:lstStyle>
-        <a:defPPr marL="0" marR="0" indent="0" algn="ctr" defTabSz="584200" rtl="0" fontAlgn="auto" latinLnBrk="1" hangingPunct="0">
+        <a:defPPr marL="0" marR="0" indent="0" algn="ctr" defTabSz="584200" rtl="0" fontAlgn="auto" latinLnBrk="0" hangingPunct="0">
           <a:lnSpc>
             <a:spcPct val="100000"/>
           </a:lnSpc>
@@ -3639,7 +4963,7 @@
           <a:buFontTx/>
           <a:buNone/>
           <a:tabLst/>
-          <a:defRPr kumimoji="0" sz="3600" b="0" i="0" u="none" strike="noStrike" cap="none" spc="0" normalizeH="0" baseline="0">
+          <a:defRPr b="0" baseline="0" cap="none" i="0" spc="0" strike="noStrike" sz="3600" u="none" kumimoji="0" normalizeH="0">
             <a:ln>
               <a:noFill/>
             </a:ln>
@@ -3669,7 +4993,7 @@
           <a:buFontTx/>
           <a:buNone/>
           <a:tabLst/>
-          <a:defRPr kumimoji="0" sz="1800" b="0" i="0" u="none" strike="noStrike" cap="none" spc="0" normalizeH="0" baseline="0">
+          <a:defRPr b="0" baseline="0" cap="none" i="0" spc="0" strike="noStrike" sz="1800" u="none" kumimoji="0" normalizeH="0">
             <a:ln>
               <a:noFill/>
             </a:ln>
@@ -3695,7 +5019,7 @@
           <a:buFontTx/>
           <a:buNone/>
           <a:tabLst/>
-          <a:defRPr kumimoji="0" sz="1800" b="0" i="0" u="none" strike="noStrike" cap="none" spc="0" normalizeH="0" baseline="0">
+          <a:defRPr b="0" baseline="0" cap="none" i="0" spc="0" strike="noStrike" sz="1800" u="none" kumimoji="0" normalizeH="0">
             <a:ln>
               <a:noFill/>
             </a:ln>
@@ -3721,7 +5045,7 @@
           <a:buFontTx/>
           <a:buNone/>
           <a:tabLst/>
-          <a:defRPr kumimoji="0" sz="1800" b="0" i="0" u="none" strike="noStrike" cap="none" spc="0" normalizeH="0" baseline="0">
+          <a:defRPr b="0" baseline="0" cap="none" i="0" spc="0" strike="noStrike" sz="1800" u="none" kumimoji="0" normalizeH="0">
             <a:ln>
               <a:noFill/>
             </a:ln>
@@ -3747,7 +5071,7 @@
           <a:buFontTx/>
           <a:buNone/>
           <a:tabLst/>
-          <a:defRPr kumimoji="0" sz="1800" b="0" i="0" u="none" strike="noStrike" cap="none" spc="0" normalizeH="0" baseline="0">
+          <a:defRPr b="0" baseline="0" cap="none" i="0" spc="0" strike="noStrike" sz="1800" u="none" kumimoji="0" normalizeH="0">
             <a:ln>
               <a:noFill/>
             </a:ln>
@@ -3773,7 +5097,7 @@
           <a:buFontTx/>
           <a:buNone/>
           <a:tabLst/>
-          <a:defRPr kumimoji="0" sz="1800" b="0" i="0" u="none" strike="noStrike" cap="none" spc="0" normalizeH="0" baseline="0">
+          <a:defRPr b="0" baseline="0" cap="none" i="0" spc="0" strike="noStrike" sz="1800" u="none" kumimoji="0" normalizeH="0">
             <a:ln>
               <a:noFill/>
             </a:ln>
@@ -3799,7 +5123,7 @@
           <a:buFontTx/>
           <a:buNone/>
           <a:tabLst/>
-          <a:defRPr kumimoji="0" sz="1800" b="0" i="0" u="none" strike="noStrike" cap="none" spc="0" normalizeH="0" baseline="0">
+          <a:defRPr b="0" baseline="0" cap="none" i="0" spc="0" strike="noStrike" sz="1800" u="none" kumimoji="0" normalizeH="0">
             <a:ln>
               <a:noFill/>
             </a:ln>
@@ -3825,7 +5149,7 @@
           <a:buFontTx/>
           <a:buNone/>
           <a:tabLst/>
-          <a:defRPr kumimoji="0" sz="1800" b="0" i="0" u="none" strike="noStrike" cap="none" spc="0" normalizeH="0" baseline="0">
+          <a:defRPr b="0" baseline="0" cap="none" i="0" spc="0" strike="noStrike" sz="1800" u="none" kumimoji="0" normalizeH="0">
             <a:ln>
               <a:noFill/>
             </a:ln>
@@ -3851,7 +5175,7 @@
           <a:buFontTx/>
           <a:buNone/>
           <a:tabLst/>
-          <a:defRPr kumimoji="0" sz="1800" b="0" i="0" u="none" strike="noStrike" cap="none" spc="0" normalizeH="0" baseline="0">
+          <a:defRPr b="0" baseline="0" cap="none" i="0" spc="0" strike="noStrike" sz="1800" u="none" kumimoji="0" normalizeH="0">
             <a:ln>
               <a:noFill/>
             </a:ln>
@@ -3877,7 +5201,7 @@
           <a:buFontTx/>
           <a:buNone/>
           <a:tabLst/>
-          <a:defRPr kumimoji="0" sz="1800" b="0" i="0" u="none" strike="noStrike" cap="none" spc="0" normalizeH="0" baseline="0">
+          <a:defRPr b="0" baseline="0" cap="none" i="0" spc="0" strike="noStrike" sz="1800" u="none" kumimoji="0" normalizeH="0">
             <a:ln>
               <a:noFill/>
             </a:ln>
@@ -3890,25 +5214,18 @@
         </a:lvl9pPr>
       </a:lstStyle>
       <a:style>
-        <a:lnRef idx="0">
-          <a:scrgbClr r="0" g="0" b="0"/>
-        </a:lnRef>
-        <a:fillRef idx="0">
-          <a:scrgbClr r="0" g="0" b="0"/>
-        </a:fillRef>
-        <a:effectRef idx="0">
-          <a:scrgbClr r="0" g="0" b="0"/>
-        </a:effectRef>
+        <a:lnRef idx="0"/>
+        <a:fillRef idx="0"/>
+        <a:effectRef idx="0"/>
         <a:fontRef idx="none"/>
       </a:style>
     </a:txDef>
   </a:objectDefaults>
-  <a:extraClrSchemeLst/>
 </a:theme>
 </file>
 
 <file path=ppt/theme/theme2.xml><?xml version="1.0" encoding="utf-8"?>
-<a:theme xmlns:a="http://schemas.openxmlformats.org/drawingml/2006/main" name="White">
+<a:theme xmlns:a="http://schemas.openxmlformats.org/drawingml/2006/main" xmlns:r="http://schemas.openxmlformats.org/officeDocument/2006/relationships" name="White">
   <a:themeElements>
     <a:clrScheme name="White">
       <a:dk1>
@@ -4034,7 +5351,7 @@
       <a:effectStyleLst>
         <a:effectStyle>
           <a:effectLst>
-            <a:outerShdw blurRad="38100" dist="25400" dir="5400000" rotWithShape="0">
+            <a:outerShdw sx="100000" sy="100000" kx="0" ky="0" algn="b" rotWithShape="0" blurRad="38100" dist="25400" dir="5400000">
               <a:srgbClr val="000000">
                 <a:alpha val="50000"/>
               </a:srgbClr>
@@ -4043,7 +5360,7 @@
         </a:effectStyle>
         <a:effectStyle>
           <a:effectLst>
-            <a:outerShdw blurRad="50800" dist="12700" rotWithShape="0">
+            <a:outerShdw sx="100000" sy="100000" kx="0" ky="0" algn="b" rotWithShape="0" blurRad="50800" dist="12700" dir="0">
               <a:srgbClr val="000000">
                 <a:alpha val="50000"/>
               </a:srgbClr>
@@ -4052,7 +5369,7 @@
         </a:effectStyle>
         <a:effectStyle>
           <a:effectLst>
-            <a:outerShdw blurRad="38100" dist="25400" dir="5400000" rotWithShape="0">
+            <a:outerShdw sx="100000" sy="100000" kx="0" ky="0" algn="b" rotWithShape="0" blurRad="38100" dist="25400" dir="5400000">
               <a:srgbClr val="000000">
                 <a:alpha val="50000"/>
               </a:srgbClr>
@@ -4116,8 +5433,8 @@
     <a:spDef>
       <a:spPr>
         <a:blipFill rotWithShape="1">
-          <a:blip xmlns:r="http://schemas.openxmlformats.org/officeDocument/2006/relationships" r:embed="rId1"/>
-          <a:srcRect/>
+          <a:blip r:embed="rId1"/>
+          <a:srcRect l="0" t="0" r="0" b="0"/>
           <a:tile tx="0" ty="0" sx="100000" sy="100000" flip="none" algn="tl"/>
         </a:blipFill>
         <a:ln w="12700" cap="flat">
@@ -4125,18 +5442,19 @@
           <a:miter lim="400000"/>
         </a:ln>
         <a:effectLst>
-          <a:outerShdw blurRad="38100" dist="25400" dir="5400000" rotWithShape="0">
+          <a:outerShdw sx="100000" sy="100000" kx="0" ky="0" algn="b" rotWithShape="0" blurRad="38100" dist="25400" dir="5400000">
             <a:srgbClr val="000000">
               <a:alpha val="50000"/>
             </a:srgbClr>
           </a:outerShdw>
         </a:effectLst>
+        <a:sp3d/>
       </a:spPr>
-      <a:bodyPr rot="0" spcFirstLastPara="1" vertOverflow="overflow" horzOverflow="overflow" vert="horz" wrap="square" lIns="50800" tIns="50800" rIns="50800" bIns="50800" numCol="1" spcCol="38100" rtlCol="0" anchor="ctr">
+      <a:bodyPr rot="0" spcFirstLastPara="1" vertOverflow="overflow" horzOverflow="overflow" vert="horz" wrap="square" lIns="50800" tIns="50800" rIns="50800" bIns="50800" numCol="1" spcCol="38100" rtlCol="0" anchor="ctr" upright="0">
         <a:spAutoFit/>
       </a:bodyPr>
       <a:lstStyle>
-        <a:defPPr marL="0" marR="0" indent="0" algn="ctr" defTabSz="584200" rtl="0" fontAlgn="auto" latinLnBrk="1" hangingPunct="0">
+        <a:defPPr marL="0" marR="0" indent="0" algn="ctr" defTabSz="584200" rtl="0" fontAlgn="auto" latinLnBrk="0" hangingPunct="0">
           <a:lnSpc>
             <a:spcPct val="100000"/>
           </a:lnSpc>
@@ -4151,7 +5469,7 @@
           <a:buFontTx/>
           <a:buNone/>
           <a:tabLst/>
-          <a:defRPr kumimoji="0" sz="2400" b="0" i="0" u="none" strike="noStrike" cap="none" spc="0" normalizeH="0" baseline="0">
+          <a:defRPr b="0" baseline="0" cap="none" i="0" spc="0" strike="noStrike" sz="2400" u="none" kumimoji="0" normalizeH="0">
             <a:ln>
               <a:noFill/>
             </a:ln>
@@ -4181,7 +5499,7 @@
           <a:buFontTx/>
           <a:buNone/>
           <a:tabLst/>
-          <a:defRPr kumimoji="0" sz="1800" b="0" i="0" u="none" strike="noStrike" cap="none" spc="0" normalizeH="0" baseline="0">
+          <a:defRPr b="0" baseline="0" cap="none" i="0" spc="0" strike="noStrike" sz="1800" u="none" kumimoji="0" normalizeH="0">
             <a:ln>
               <a:noFill/>
             </a:ln>
@@ -4207,7 +5525,7 @@
           <a:buFontTx/>
           <a:buNone/>
           <a:tabLst/>
-          <a:defRPr kumimoji="0" sz="1800" b="0" i="0" u="none" strike="noStrike" cap="none" spc="0" normalizeH="0" baseline="0">
+          <a:defRPr b="0" baseline="0" cap="none" i="0" spc="0" strike="noStrike" sz="1800" u="none" kumimoji="0" normalizeH="0">
             <a:ln>
               <a:noFill/>
             </a:ln>
@@ -4233,7 +5551,7 @@
           <a:buFontTx/>
           <a:buNone/>
           <a:tabLst/>
-          <a:defRPr kumimoji="0" sz="1800" b="0" i="0" u="none" strike="noStrike" cap="none" spc="0" normalizeH="0" baseline="0">
+          <a:defRPr b="0" baseline="0" cap="none" i="0" spc="0" strike="noStrike" sz="1800" u="none" kumimoji="0" normalizeH="0">
             <a:ln>
               <a:noFill/>
             </a:ln>
@@ -4259,7 +5577,7 @@
           <a:buFontTx/>
           <a:buNone/>
           <a:tabLst/>
-          <a:defRPr kumimoji="0" sz="1800" b="0" i="0" u="none" strike="noStrike" cap="none" spc="0" normalizeH="0" baseline="0">
+          <a:defRPr b="0" baseline="0" cap="none" i="0" spc="0" strike="noStrike" sz="1800" u="none" kumimoji="0" normalizeH="0">
             <a:ln>
               <a:noFill/>
             </a:ln>
@@ -4285,7 +5603,7 @@
           <a:buFontTx/>
           <a:buNone/>
           <a:tabLst/>
-          <a:defRPr kumimoji="0" sz="1800" b="0" i="0" u="none" strike="noStrike" cap="none" spc="0" normalizeH="0" baseline="0">
+          <a:defRPr b="0" baseline="0" cap="none" i="0" spc="0" strike="noStrike" sz="1800" u="none" kumimoji="0" normalizeH="0">
             <a:ln>
               <a:noFill/>
             </a:ln>
@@ -4311,7 +5629,7 @@
           <a:buFontTx/>
           <a:buNone/>
           <a:tabLst/>
-          <a:defRPr kumimoji="0" sz="1800" b="0" i="0" u="none" strike="noStrike" cap="none" spc="0" normalizeH="0" baseline="0">
+          <a:defRPr b="0" baseline="0" cap="none" i="0" spc="0" strike="noStrike" sz="1800" u="none" kumimoji="0" normalizeH="0">
             <a:ln>
               <a:noFill/>
             </a:ln>
@@ -4337,7 +5655,7 @@
           <a:buFontTx/>
           <a:buNone/>
           <a:tabLst/>
-          <a:defRPr kumimoji="0" sz="1800" b="0" i="0" u="none" strike="noStrike" cap="none" spc="0" normalizeH="0" baseline="0">
+          <a:defRPr b="0" baseline="0" cap="none" i="0" spc="0" strike="noStrike" sz="1800" u="none" kumimoji="0" normalizeH="0">
             <a:ln>
               <a:noFill/>
             </a:ln>
@@ -4363,7 +5681,7 @@
           <a:buFontTx/>
           <a:buNone/>
           <a:tabLst/>
-          <a:defRPr kumimoji="0" sz="1800" b="0" i="0" u="none" strike="noStrike" cap="none" spc="0" normalizeH="0" baseline="0">
+          <a:defRPr b="0" baseline="0" cap="none" i="0" spc="0" strike="noStrike" sz="1800" u="none" kumimoji="0" normalizeH="0">
             <a:ln>
               <a:noFill/>
             </a:ln>
@@ -4389,7 +5707,7 @@
           <a:buFontTx/>
           <a:buNone/>
           <a:tabLst/>
-          <a:defRPr kumimoji="0" sz="1800" b="0" i="0" u="none" strike="noStrike" cap="none" spc="0" normalizeH="0" baseline="0">
+          <a:defRPr b="0" baseline="0" cap="none" i="0" spc="0" strike="noStrike" sz="1800" u="none" kumimoji="0" normalizeH="0">
             <a:ln>
               <a:noFill/>
             </a:ln>
@@ -4402,15 +5720,9 @@
         </a:lvl9pPr>
       </a:lstStyle>
       <a:style>
-        <a:lnRef idx="0">
-          <a:scrgbClr r="0" g="0" b="0"/>
-        </a:lnRef>
-        <a:fillRef idx="0">
-          <a:scrgbClr r="0" g="0" b="0"/>
-        </a:fillRef>
-        <a:effectRef idx="0">
-          <a:scrgbClr r="0" g="0" b="0"/>
-        </a:effectRef>
+        <a:lnRef idx="0"/>
+        <a:fillRef idx="0"/>
+        <a:effectRef idx="0"/>
         <a:fontRef idx="none"/>
       </a:style>
     </a:spDef>
@@ -4425,8 +5737,9 @@
           <a:miter lim="400000"/>
         </a:ln>
         <a:effectLst/>
+        <a:sp3d/>
       </a:spPr>
-      <a:bodyPr rot="0" spcFirstLastPara="1" vertOverflow="overflow" horzOverflow="overflow" vert="horz" wrap="square" lIns="91439" tIns="45719" rIns="91439" bIns="45719" numCol="1" spcCol="38100" rtlCol="0" anchor="t">
+      <a:bodyPr rot="0" spcFirstLastPara="1" vertOverflow="overflow" horzOverflow="overflow" vert="horz" wrap="square" lIns="91439" tIns="45719" rIns="91439" bIns="45719" numCol="1" spcCol="38100" rtlCol="0" anchor="t" upright="0">
         <a:noAutofit/>
       </a:bodyPr>
       <a:lstStyle>
@@ -4445,7 +5758,7 @@
           <a:buFontTx/>
           <a:buNone/>
           <a:tabLst/>
-          <a:defRPr kumimoji="0" sz="1800" b="0" i="0" u="none" strike="noStrike" cap="none" spc="0" normalizeH="0" baseline="0">
+          <a:defRPr b="0" baseline="0" cap="none" i="0" spc="0" strike="noStrike" sz="1800" u="none" kumimoji="0" normalizeH="0">
             <a:ln>
               <a:noFill/>
             </a:ln>
@@ -4471,7 +5784,7 @@
           <a:buFontTx/>
           <a:buNone/>
           <a:tabLst/>
-          <a:defRPr kumimoji="0" sz="1800" b="0" i="0" u="none" strike="noStrike" cap="none" spc="0" normalizeH="0" baseline="0">
+          <a:defRPr b="0" baseline="0" cap="none" i="0" spc="0" strike="noStrike" sz="1800" u="none" kumimoji="0" normalizeH="0">
             <a:ln>
               <a:noFill/>
             </a:ln>
@@ -4497,7 +5810,7 @@
           <a:buFontTx/>
           <a:buNone/>
           <a:tabLst/>
-          <a:defRPr kumimoji="0" sz="1800" b="0" i="0" u="none" strike="noStrike" cap="none" spc="0" normalizeH="0" baseline="0">
+          <a:defRPr b="0" baseline="0" cap="none" i="0" spc="0" strike="noStrike" sz="1800" u="none" kumimoji="0" normalizeH="0">
             <a:ln>
               <a:noFill/>
             </a:ln>
@@ -4523,7 +5836,7 @@
           <a:buFontTx/>
           <a:buNone/>
           <a:tabLst/>
-          <a:defRPr kumimoji="0" sz="1800" b="0" i="0" u="none" strike="noStrike" cap="none" spc="0" normalizeH="0" baseline="0">
+          <a:defRPr b="0" baseline="0" cap="none" i="0" spc="0" strike="noStrike" sz="1800" u="none" kumimoji="0" normalizeH="0">
             <a:ln>
               <a:noFill/>
             </a:ln>
@@ -4549,7 +5862,7 @@
           <a:buFontTx/>
           <a:buNone/>
           <a:tabLst/>
-          <a:defRPr kumimoji="0" sz="1800" b="0" i="0" u="none" strike="noStrike" cap="none" spc="0" normalizeH="0" baseline="0">
+          <a:defRPr b="0" baseline="0" cap="none" i="0" spc="0" strike="noStrike" sz="1800" u="none" kumimoji="0" normalizeH="0">
             <a:ln>
               <a:noFill/>
             </a:ln>
@@ -4575,7 +5888,7 @@
           <a:buFontTx/>
           <a:buNone/>
           <a:tabLst/>
-          <a:defRPr kumimoji="0" sz="1800" b="0" i="0" u="none" strike="noStrike" cap="none" spc="0" normalizeH="0" baseline="0">
+          <a:defRPr b="0" baseline="0" cap="none" i="0" spc="0" strike="noStrike" sz="1800" u="none" kumimoji="0" normalizeH="0">
             <a:ln>
               <a:noFill/>
             </a:ln>
@@ -4601,7 +5914,7 @@
           <a:buFontTx/>
           <a:buNone/>
           <a:tabLst/>
-          <a:defRPr kumimoji="0" sz="1800" b="0" i="0" u="none" strike="noStrike" cap="none" spc="0" normalizeH="0" baseline="0">
+          <a:defRPr b="0" baseline="0" cap="none" i="0" spc="0" strike="noStrike" sz="1800" u="none" kumimoji="0" normalizeH="0">
             <a:ln>
               <a:noFill/>
             </a:ln>
@@ -4627,7 +5940,7 @@
           <a:buFontTx/>
           <a:buNone/>
           <a:tabLst/>
-          <a:defRPr kumimoji="0" sz="1800" b="0" i="0" u="none" strike="noStrike" cap="none" spc="0" normalizeH="0" baseline="0">
+          <a:defRPr b="0" baseline="0" cap="none" i="0" spc="0" strike="noStrike" sz="1800" u="none" kumimoji="0" normalizeH="0">
             <a:ln>
               <a:noFill/>
             </a:ln>
@@ -4653,7 +5966,7 @@
           <a:buFontTx/>
           <a:buNone/>
           <a:tabLst/>
-          <a:defRPr kumimoji="0" sz="1800" b="0" i="0" u="none" strike="noStrike" cap="none" spc="0" normalizeH="0" baseline="0">
+          <a:defRPr b="0" baseline="0" cap="none" i="0" spc="0" strike="noStrike" sz="1800" u="none" kumimoji="0" normalizeH="0">
             <a:ln>
               <a:noFill/>
             </a:ln>
@@ -4679,7 +5992,7 @@
           <a:buFontTx/>
           <a:buNone/>
           <a:tabLst/>
-          <a:defRPr kumimoji="0" sz="1800" b="0" i="0" u="none" strike="noStrike" cap="none" spc="0" normalizeH="0" baseline="0">
+          <a:defRPr b="0" baseline="0" cap="none" i="0" spc="0" strike="noStrike" sz="1800" u="none" kumimoji="0" normalizeH="0">
             <a:ln>
               <a:noFill/>
             </a:ln>
@@ -4692,15 +6005,9 @@
         </a:lvl9pPr>
       </a:lstStyle>
       <a:style>
-        <a:lnRef idx="0">
-          <a:scrgbClr r="0" g="0" b="0"/>
-        </a:lnRef>
-        <a:fillRef idx="0">
-          <a:scrgbClr r="0" g="0" b="0"/>
-        </a:fillRef>
-        <a:effectRef idx="0">
-          <a:scrgbClr r="0" g="0" b="0"/>
-        </a:effectRef>
+        <a:lnRef idx="0"/>
+        <a:fillRef idx="0"/>
+        <a:effectRef idx="0"/>
         <a:fontRef idx="none"/>
       </a:style>
     </a:lnDef>
@@ -4712,12 +6019,13 @@
           <a:miter lim="400000"/>
         </a:ln>
         <a:effectLst/>
+        <a:sp3d/>
       </a:spPr>
-      <a:bodyPr rot="0" spcFirstLastPara="1" vertOverflow="overflow" horzOverflow="overflow" vert="horz" wrap="square" lIns="50800" tIns="50800" rIns="50800" bIns="50800" numCol="1" spcCol="38100" rtlCol="0" anchor="ctr">
+      <a:bodyPr rot="0" spcFirstLastPara="1" vertOverflow="overflow" horzOverflow="overflow" vert="horz" wrap="square" lIns="50800" tIns="50800" rIns="50800" bIns="50800" numCol="1" spcCol="38100" rtlCol="0" anchor="ctr" upright="0">
         <a:spAutoFit/>
       </a:bodyPr>
       <a:lstStyle>
-        <a:defPPr marL="0" marR="0" indent="0" algn="ctr" defTabSz="584200" rtl="0" fontAlgn="auto" latinLnBrk="1" hangingPunct="0">
+        <a:defPPr marL="0" marR="0" indent="0" algn="ctr" defTabSz="584200" rtl="0" fontAlgn="auto" latinLnBrk="0" hangingPunct="0">
           <a:lnSpc>
             <a:spcPct val="100000"/>
           </a:lnSpc>
@@ -4732,7 +6040,7 @@
           <a:buFontTx/>
           <a:buNone/>
           <a:tabLst/>
-          <a:defRPr kumimoji="0" sz="3600" b="0" i="0" u="none" strike="noStrike" cap="none" spc="0" normalizeH="0" baseline="0">
+          <a:defRPr b="0" baseline="0" cap="none" i="0" spc="0" strike="noStrike" sz="3600" u="none" kumimoji="0" normalizeH="0">
             <a:ln>
               <a:noFill/>
             </a:ln>
@@ -4762,7 +6070,7 @@
           <a:buFontTx/>
           <a:buNone/>
           <a:tabLst/>
-          <a:defRPr kumimoji="0" sz="1800" b="0" i="0" u="none" strike="noStrike" cap="none" spc="0" normalizeH="0" baseline="0">
+          <a:defRPr b="0" baseline="0" cap="none" i="0" spc="0" strike="noStrike" sz="1800" u="none" kumimoji="0" normalizeH="0">
             <a:ln>
               <a:noFill/>
             </a:ln>
@@ -4788,7 +6096,7 @@
           <a:buFontTx/>
           <a:buNone/>
           <a:tabLst/>
-          <a:defRPr kumimoji="0" sz="1800" b="0" i="0" u="none" strike="noStrike" cap="none" spc="0" normalizeH="0" baseline="0">
+          <a:defRPr b="0" baseline="0" cap="none" i="0" spc="0" strike="noStrike" sz="1800" u="none" kumimoji="0" normalizeH="0">
             <a:ln>
               <a:noFill/>
             </a:ln>
@@ -4814,7 +6122,7 @@
           <a:buFontTx/>
           <a:buNone/>
           <a:tabLst/>
-          <a:defRPr kumimoji="0" sz="1800" b="0" i="0" u="none" strike="noStrike" cap="none" spc="0" normalizeH="0" baseline="0">
+          <a:defRPr b="0" baseline="0" cap="none" i="0" spc="0" strike="noStrike" sz="1800" u="none" kumimoji="0" normalizeH="0">
             <a:ln>
               <a:noFill/>
             </a:ln>
@@ -4840,7 +6148,7 @@
           <a:buFontTx/>
           <a:buNone/>
           <a:tabLst/>
-          <a:defRPr kumimoji="0" sz="1800" b="0" i="0" u="none" strike="noStrike" cap="none" spc="0" normalizeH="0" baseline="0">
+          <a:defRPr b="0" baseline="0" cap="none" i="0" spc="0" strike="noStrike" sz="1800" u="none" kumimoji="0" normalizeH="0">
             <a:ln>
               <a:noFill/>
             </a:ln>
@@ -4866,7 +6174,7 @@
           <a:buFontTx/>
           <a:buNone/>
           <a:tabLst/>
-          <a:defRPr kumimoji="0" sz="1800" b="0" i="0" u="none" strike="noStrike" cap="none" spc="0" normalizeH="0" baseline="0">
+          <a:defRPr b="0" baseline="0" cap="none" i="0" spc="0" strike="noStrike" sz="1800" u="none" kumimoji="0" normalizeH="0">
             <a:ln>
               <a:noFill/>
             </a:ln>
@@ -4892,7 +6200,7 @@
           <a:buFontTx/>
           <a:buNone/>
           <a:tabLst/>
-          <a:defRPr kumimoji="0" sz="1800" b="0" i="0" u="none" strike="noStrike" cap="none" spc="0" normalizeH="0" baseline="0">
+          <a:defRPr b="0" baseline="0" cap="none" i="0" spc="0" strike="noStrike" sz="1800" u="none" kumimoji="0" normalizeH="0">
             <a:ln>
               <a:noFill/>
             </a:ln>
@@ -4918,7 +6226,7 @@
           <a:buFontTx/>
           <a:buNone/>
           <a:tabLst/>
-          <a:defRPr kumimoji="0" sz="1800" b="0" i="0" u="none" strike="noStrike" cap="none" spc="0" normalizeH="0" baseline="0">
+          <a:defRPr b="0" baseline="0" cap="none" i="0" spc="0" strike="noStrike" sz="1800" u="none" kumimoji="0" normalizeH="0">
             <a:ln>
               <a:noFill/>
             </a:ln>
@@ -4944,7 +6252,7 @@
           <a:buFontTx/>
           <a:buNone/>
           <a:tabLst/>
-          <a:defRPr kumimoji="0" sz="1800" b="0" i="0" u="none" strike="noStrike" cap="none" spc="0" normalizeH="0" baseline="0">
+          <a:defRPr b="0" baseline="0" cap="none" i="0" spc="0" strike="noStrike" sz="1800" u="none" kumimoji="0" normalizeH="0">
             <a:ln>
               <a:noFill/>
             </a:ln>
@@ -4970,7 +6278,7 @@
           <a:buFontTx/>
           <a:buNone/>
           <a:tabLst/>
-          <a:defRPr kumimoji="0" sz="1800" b="0" i="0" u="none" strike="noStrike" cap="none" spc="0" normalizeH="0" baseline="0">
+          <a:defRPr b="0" baseline="0" cap="none" i="0" spc="0" strike="noStrike" sz="1800" u="none" kumimoji="0" normalizeH="0">
             <a:ln>
               <a:noFill/>
             </a:ln>
@@ -4983,19 +6291,12 @@
         </a:lvl9pPr>
       </a:lstStyle>
       <a:style>
-        <a:lnRef idx="0">
-          <a:scrgbClr r="0" g="0" b="0"/>
-        </a:lnRef>
-        <a:fillRef idx="0">
-          <a:scrgbClr r="0" g="0" b="0"/>
-        </a:fillRef>
-        <a:effectRef idx="0">
-          <a:scrgbClr r="0" g="0" b="0"/>
-        </a:effectRef>
+        <a:lnRef idx="0"/>
+        <a:fillRef idx="0"/>
+        <a:effectRef idx="0"/>
         <a:fontRef idx="none"/>
       </a:style>
     </a:txDef>
   </a:objectDefaults>
-  <a:extraClrSchemeLst/>
 </a:theme>
 </file>
--- a/sse/pgp/pgp-presentation1.pptx
+++ b/sse/pgp/pgp-presentation1.pptx
@@ -4115,7 +4115,7 @@
           <a:p>
             <a:pPr lvl="2"/>
             <a:r>
-              <a:t>set a passphrase to afnog</a:t>
+              <a:t>set a passphrase to "success!"</a:t>
             </a:r>
           </a:p>
           <a:p>
